--- a/poster.pptx
+++ b/poster.pptx
@@ -4138,57 +4138,6 @@
       </p:pic>
       <p:sp>
         <p:nvSpPr>
-          <p:cNvPr id="833" name="Rectangle 6"/>
-          <p:cNvSpPr>
-            <a:spLocks noChangeArrowheads="1"/>
-          </p:cNvSpPr>
-          <p:nvPr/>
-        </p:nvSpPr>
-        <p:spPr bwMode="auto">
-          <a:xfrm>
-            <a:off x="289560" y="13077110"/>
-            <a:ext cx="26776680" cy="906796"/>
-          </a:xfrm>
-          <a:prstGeom prst="rect">
-            <a:avLst/>
-          </a:prstGeom>
-          <a:solidFill>
-            <a:srgbClr val="A50021"/>
-          </a:solidFill>
-          <a:ln>
-            <a:noFill/>
-          </a:ln>
-          <a:extLst>
-            <a:ext uri="{91240B29-F687-4f45-9708-019B960494DF}">
-              <a14:hiddenLine xmlns:a14="http://schemas.microsoft.com/office/drawing/2010/main" xmlns="" w="9525">
-                <a:solidFill>
-                  <a:srgbClr val="000000"/>
-                </a:solidFill>
-                <a:miter lim="800000"/>
-                <a:headEnd/>
-                <a:tailEnd/>
-              </a14:hiddenLine>
-            </a:ext>
-          </a:extLst>
-        </p:spPr>
-        <p:txBody>
-          <a:bodyPr lIns="182880" rIns="182880" anchor="ctr"/>
-          <a:lstStyle/>
-          <a:p>
-            <a:pPr defTabSz="3762375"/>
-            <a:r>
-              <a:rPr lang="en-US" sz="4800" b="1" dirty="0">
-                <a:solidFill>
-                  <a:schemeClr val="bg1"/>
-                </a:solidFill>
-              </a:rPr>
-              <a:t>System Architecture</a:t>
-            </a:r>
-          </a:p>
-        </p:txBody>
-      </p:sp>
-      <p:sp>
-        <p:nvSpPr>
           <p:cNvPr id="834" name="Rectangle 6"/>
           <p:cNvSpPr>
             <a:spLocks noChangeArrowheads="1"/>
@@ -4408,10 +4357,10 @@
       </p:sp>
       <p:sp>
         <p:nvSpPr>
-          <p:cNvPr id="19" name="Rectangle 6">
+          <p:cNvPr id="21" name="Rectangle 6">
             <a:extLst>
               <a:ext uri="{FF2B5EF4-FFF2-40B4-BE49-F238E27FC236}">
-                <a16:creationId xmlns:a16="http://schemas.microsoft.com/office/drawing/2014/main" id="{AC2E6D46-D12B-3B43-975E-0E6D4397FAC9}"/>
+                <a16:creationId xmlns:a16="http://schemas.microsoft.com/office/drawing/2014/main" id="{9140691E-4A44-194D-A892-AE575B111EEB}"/>
               </a:ext>
             </a:extLst>
           </p:cNvPr>
@@ -4422,7 +4371,7 @@
         </p:nvSpPr>
         <p:spPr bwMode="auto">
           <a:xfrm>
-            <a:off x="335280" y="23403436"/>
+            <a:off x="335280" y="29337000"/>
             <a:ext cx="13106400" cy="914400"/>
           </a:xfrm>
           <a:prstGeom prst="rect">
@@ -4458,20 +4407,96 @@
                   <a:schemeClr val="bg1"/>
                 </a:solidFill>
               </a:rPr>
-              <a:t>Approach</a:t>
-            </a:r>
-          </a:p>
-        </p:txBody>
-      </p:sp>
-      <p:sp>
-        <p:nvSpPr>
-          <p:cNvPr id="20" name="Rectangle 6">
+              <a:t>Additional Information</a:t>
+            </a:r>
+          </a:p>
+        </p:txBody>
+      </p:sp>
+      <p:sp>
+        <p:nvSpPr>
+          <p:cNvPr id="2" name="TextBox 1">
             <a:extLst>
               <a:ext uri="{FF2B5EF4-FFF2-40B4-BE49-F238E27FC236}">
-                <a16:creationId xmlns:a16="http://schemas.microsoft.com/office/drawing/2014/main" id="{1FC77964-14AE-A64B-AAA1-42E3761C91E5}"/>
+                <a16:creationId xmlns:a16="http://schemas.microsoft.com/office/drawing/2014/main" id="{6B7C9AF4-6365-4634-B229-7F1D2862D581}"/>
               </a:ext>
             </a:extLst>
           </p:cNvPr>
+          <p:cNvSpPr txBox="1"/>
+          <p:nvPr/>
+        </p:nvSpPr>
+        <p:spPr>
+          <a:xfrm>
+            <a:off x="14036041" y="6158758"/>
+            <a:ext cx="13243560" cy="5016758"/>
+          </a:xfrm>
+          <a:prstGeom prst="rect">
+            <a:avLst/>
+          </a:prstGeom>
+          <a:noFill/>
+        </p:spPr>
+        <p:txBody>
+          <a:bodyPr wrap="square" rtlCol="0">
+            <a:spAutoFit/>
+          </a:bodyPr>
+          <a:lstStyle/>
+          <a:p>
+            <a:r>
+              <a:rPr lang="en-US" sz="3200" dirty="0"/>
+              <a:t>When practicing shooting a basketball alone, most of the player’s time is spent retrieving the basketball. In order to maximize practice efficiency, a player can either find someone willing to pick up the basketball after every shot or use a basketball collector. However, neither approach is optimal, as it is difficult to find someone willing to do the menial work and the basketball collector partially blocks the basket. As big fans of the sport, we believe that we can use the advancements in technology to implement a much smarter way of returning the ball back to the player quickly to ensure that the player is getting the most out of the practice session. Hence, the idea of a basketball retriever robot comes to life.</a:t>
+            </a:r>
+          </a:p>
+        </p:txBody>
+      </p:sp>
+      <p:pic>
+        <p:nvPicPr>
+          <p:cNvPr id="1026" name="Picture 2" descr="https://lh4.googleusercontent.com/YoqtMD7R-Lcpp0Hx2JAAjCj3_osQVJHXDDE7B7h40isT9CwVGvtV-4IVubvAEfFW60sBtfa7ieVySBFeryrgW-TbzeucbnRuuhPvWMTLy3fRfEKgNjWNRggaCvqK0tKlHUfs6GzLQlo">
+            <a:extLst>
+              <a:ext uri="{FF2B5EF4-FFF2-40B4-BE49-F238E27FC236}">
+                <a16:creationId xmlns:a16="http://schemas.microsoft.com/office/drawing/2014/main" id="{64894F4B-198C-4E08-862E-D910B3688A0F}"/>
+              </a:ext>
+            </a:extLst>
+          </p:cNvPr>
+          <p:cNvPicPr>
+            <a:picLocks noChangeAspect="1" noChangeArrowheads="1"/>
+          </p:cNvPicPr>
+          <p:nvPr/>
+        </p:nvPicPr>
+        <p:blipFill>
+          <a:blip r:embed="rId5">
+            <a:extLst>
+              <a:ext uri="{28A0092B-C50C-407E-A947-70E740481C1C}">
+                <a14:useLocalDpi xmlns:a14="http://schemas.microsoft.com/office/drawing/2010/main" val="0"/>
+              </a:ext>
+            </a:extLst>
+          </a:blip>
+          <a:srcRect/>
+          <a:stretch>
+            <a:fillRect/>
+          </a:stretch>
+        </p:blipFill>
+        <p:spPr bwMode="auto">
+          <a:xfrm>
+            <a:off x="0" y="11947340"/>
+            <a:ext cx="17907000" cy="11625205"/>
+          </a:xfrm>
+          <a:prstGeom prst="rect">
+            <a:avLst/>
+          </a:prstGeom>
+          <a:noFill/>
+          <a:extLst>
+            <a:ext uri="{909E8E84-426E-40DD-AFC4-6F175D3DCCD1}">
+              <a14:hiddenFill xmlns:a14="http://schemas.microsoft.com/office/drawing/2010/main">
+                <a:solidFill>
+                  <a:srgbClr val="FFFFFF"/>
+                </a:solidFill>
+              </a14:hiddenFill>
+            </a:ext>
+          </a:extLst>
+        </p:spPr>
+      </p:pic>
+      <p:sp>
+        <p:nvSpPr>
+          <p:cNvPr id="833" name="Rectangle 6"/>
           <p:cNvSpPr>
             <a:spLocks noChangeArrowheads="1"/>
           </p:cNvSpPr>
@@ -4479,8 +4504,8 @@
         </p:nvSpPr>
         <p:spPr bwMode="auto">
           <a:xfrm>
-            <a:off x="13959840" y="23416183"/>
-            <a:ext cx="13106400" cy="914400"/>
+            <a:off x="381000" y="11340517"/>
+            <a:ext cx="26776680" cy="906796"/>
           </a:xfrm>
           <a:prstGeom prst="rect">
             <a:avLst/>
@@ -4515,17 +4540,17 @@
                   <a:schemeClr val="bg1"/>
                 </a:solidFill>
               </a:rPr>
-              <a:t>Evaluation</a:t>
-            </a:r>
-          </a:p>
-        </p:txBody>
-      </p:sp>
-      <p:sp>
-        <p:nvSpPr>
-          <p:cNvPr id="21" name="Rectangle 6">
+              <a:t>System Architecture</a:t>
+            </a:r>
+          </a:p>
+        </p:txBody>
+      </p:sp>
+      <p:sp>
+        <p:nvSpPr>
+          <p:cNvPr id="19" name="Rectangle 6">
             <a:extLst>
               <a:ext uri="{FF2B5EF4-FFF2-40B4-BE49-F238E27FC236}">
-                <a16:creationId xmlns:a16="http://schemas.microsoft.com/office/drawing/2014/main" id="{9140691E-4A44-194D-A892-AE575B111EEB}"/>
+                <a16:creationId xmlns:a16="http://schemas.microsoft.com/office/drawing/2014/main" id="{AC2E6D46-D12B-3B43-975E-0E6D4397FAC9}"/>
               </a:ext>
             </a:extLst>
           </p:cNvPr>
@@ -4536,7 +4561,7 @@
         </p:nvSpPr>
         <p:spPr bwMode="auto">
           <a:xfrm>
-            <a:off x="335280" y="29337000"/>
+            <a:off x="335280" y="23403436"/>
             <a:ext cx="13106400" cy="914400"/>
           </a:xfrm>
           <a:prstGeom prst="rect">
@@ -4572,7 +4597,506 @@
                   <a:schemeClr val="bg1"/>
                 </a:solidFill>
               </a:rPr>
-              <a:t>Additional Information</a:t>
+              <a:t>Approach</a:t>
+            </a:r>
+          </a:p>
+        </p:txBody>
+      </p:sp>
+      <p:sp>
+        <p:nvSpPr>
+          <p:cNvPr id="20" name="Rectangle 6">
+            <a:extLst>
+              <a:ext uri="{FF2B5EF4-FFF2-40B4-BE49-F238E27FC236}">
+                <a16:creationId xmlns:a16="http://schemas.microsoft.com/office/drawing/2014/main" id="{1FC77964-14AE-A64B-AAA1-42E3761C91E5}"/>
+              </a:ext>
+            </a:extLst>
+          </p:cNvPr>
+          <p:cNvSpPr>
+            <a:spLocks noChangeArrowheads="1"/>
+          </p:cNvSpPr>
+          <p:nvPr/>
+        </p:nvSpPr>
+        <p:spPr bwMode="auto">
+          <a:xfrm>
+            <a:off x="13959840" y="23416183"/>
+            <a:ext cx="13106400" cy="914400"/>
+          </a:xfrm>
+          <a:prstGeom prst="rect">
+            <a:avLst/>
+          </a:prstGeom>
+          <a:solidFill>
+            <a:srgbClr val="A50021"/>
+          </a:solidFill>
+          <a:ln>
+            <a:noFill/>
+          </a:ln>
+          <a:extLst>
+            <a:ext uri="{91240B29-F687-4f45-9708-019B960494DF}">
+              <a14:hiddenLine xmlns:a14="http://schemas.microsoft.com/office/drawing/2010/main" xmlns="" w="9525">
+                <a:solidFill>
+                  <a:srgbClr val="000000"/>
+                </a:solidFill>
+                <a:miter lim="800000"/>
+                <a:headEnd/>
+                <a:tailEnd/>
+              </a14:hiddenLine>
+            </a:ext>
+          </a:extLst>
+        </p:spPr>
+        <p:txBody>
+          <a:bodyPr lIns="182880" rIns="182880" anchor="ctr"/>
+          <a:lstStyle/>
+          <a:p>
+            <a:pPr defTabSz="3762375"/>
+            <a:r>
+              <a:rPr lang="en-US" sz="4800" b="1" dirty="0">
+                <a:solidFill>
+                  <a:schemeClr val="bg1"/>
+                </a:solidFill>
+              </a:rPr>
+              <a:t>Evaluation</a:t>
+            </a:r>
+          </a:p>
+        </p:txBody>
+      </p:sp>
+      <p:graphicFrame>
+        <p:nvGraphicFramePr>
+          <p:cNvPr id="3" name="Table 2">
+            <a:extLst>
+              <a:ext uri="{FF2B5EF4-FFF2-40B4-BE49-F238E27FC236}">
+                <a16:creationId xmlns:a16="http://schemas.microsoft.com/office/drawing/2014/main" id="{160FC872-B874-40B2-AF76-6BFA110262FE}"/>
+              </a:ext>
+            </a:extLst>
+          </p:cNvPr>
+          <p:cNvGraphicFramePr>
+            <a:graphicFrameLocks noGrp="1"/>
+          </p:cNvGraphicFramePr>
+          <p:nvPr>
+            <p:extLst>
+              <p:ext uri="{D42A27DB-BD31-4B8C-83A1-F6EECF244321}">
+                <p14:modId xmlns:p14="http://schemas.microsoft.com/office/powerpoint/2010/main" val="1441455806"/>
+              </p:ext>
+            </p:extLst>
+          </p:nvPr>
+        </p:nvGraphicFramePr>
+        <p:xfrm>
+          <a:off x="13959840" y="24460200"/>
+          <a:ext cx="13106400" cy="10586472"/>
+        </p:xfrm>
+        <a:graphic>
+          <a:graphicData uri="http://schemas.openxmlformats.org/drawingml/2006/table">
+            <a:tbl>
+              <a:tblPr firstRow="1" bandRow="1">
+                <a:tableStyleId>{073A0DAA-6AF3-43AB-8588-CEC1D06C72B9}</a:tableStyleId>
+              </a:tblPr>
+              <a:tblGrid>
+                <a:gridCol w="6553200">
+                  <a:extLst>
+                    <a:ext uri="{9D8B030D-6E8A-4147-A177-3AD203B41FA5}">
+                      <a16:colId xmlns:a16="http://schemas.microsoft.com/office/drawing/2014/main" val="2197192725"/>
+                    </a:ext>
+                  </a:extLst>
+                </a:gridCol>
+                <a:gridCol w="6553200">
+                  <a:extLst>
+                    <a:ext uri="{9D8B030D-6E8A-4147-A177-3AD203B41FA5}">
+                      <a16:colId xmlns:a16="http://schemas.microsoft.com/office/drawing/2014/main" val="3961604962"/>
+                    </a:ext>
+                  </a:extLst>
+                </a:gridCol>
+              </a:tblGrid>
+              <a:tr h="1323309">
+                <a:tc>
+                  <a:txBody>
+                    <a:bodyPr/>
+                    <a:lstStyle/>
+                    <a:p>
+                      <a:pPr algn="ctr"/>
+                      <a:r>
+                        <a:rPr lang="en-US" sz="4000" dirty="0"/>
+                        <a:t>Specification</a:t>
+                      </a:r>
+                    </a:p>
+                  </a:txBody>
+                  <a:tcPr anchor="ctr"/>
+                </a:tc>
+                <a:tc>
+                  <a:txBody>
+                    <a:bodyPr/>
+                    <a:lstStyle/>
+                    <a:p>
+                      <a:pPr algn="ctr"/>
+                      <a:r>
+                        <a:rPr lang="en-US" sz="4000" dirty="0"/>
+                        <a:t>Result</a:t>
+                      </a:r>
+                    </a:p>
+                  </a:txBody>
+                  <a:tcPr anchor="ctr"/>
+                </a:tc>
+                <a:extLst>
+                  <a:ext uri="{0D108BD9-81ED-4DB2-BD59-A6C34878D82A}">
+                    <a16:rowId xmlns:a16="http://schemas.microsoft.com/office/drawing/2014/main" val="3527527422"/>
+                  </a:ext>
+                </a:extLst>
+              </a:tr>
+              <a:tr h="1323309">
+                <a:tc>
+                  <a:txBody>
+                    <a:bodyPr/>
+                    <a:lstStyle/>
+                    <a:p>
+                      <a:r>
+                        <a:rPr lang="en-US" sz="2400" b="0" i="0" u="none" strike="noStrike" kern="1200" dirty="0">
+                          <a:solidFill>
+                            <a:schemeClr val="dk1"/>
+                          </a:solidFill>
+                          <a:effectLst/>
+                          <a:latin typeface="+mn-lt"/>
+                          <a:ea typeface="+mn-ea"/>
+                          <a:cs typeface="+mn-cs"/>
+                        </a:rPr>
+                        <a:t>Ultrasonic sensor should take at most 2s to determine whether ball is in frame</a:t>
+                      </a:r>
+                      <a:endParaRPr lang="en-US" sz="2400" dirty="0"/>
+                    </a:p>
+                  </a:txBody>
+                  <a:tcPr anchor="ctr"/>
+                </a:tc>
+                <a:tc>
+                  <a:txBody>
+                    <a:bodyPr/>
+                    <a:lstStyle/>
+                    <a:p>
+                      <a:r>
+                        <a:rPr lang="en-US" sz="2400" dirty="0">
+                          <a:solidFill>
+                            <a:srgbClr val="00B050"/>
+                          </a:solidFill>
+                        </a:rPr>
+                        <a:t>Time negligible; 0.5s max</a:t>
+                      </a:r>
+                    </a:p>
+                  </a:txBody>
+                  <a:tcPr anchor="ctr"/>
+                </a:tc>
+                <a:extLst>
+                  <a:ext uri="{0D108BD9-81ED-4DB2-BD59-A6C34878D82A}">
+                    <a16:rowId xmlns:a16="http://schemas.microsoft.com/office/drawing/2014/main" val="840156599"/>
+                  </a:ext>
+                </a:extLst>
+              </a:tr>
+              <a:tr h="1323309">
+                <a:tc>
+                  <a:txBody>
+                    <a:bodyPr/>
+                    <a:lstStyle/>
+                    <a:p>
+                      <a:r>
+                        <a:rPr lang="en-US" sz="2400" b="0" i="0" u="none" strike="noStrike" kern="1200" dirty="0">
+                          <a:solidFill>
+                            <a:schemeClr val="dk1"/>
+                          </a:solidFill>
+                          <a:effectLst/>
+                          <a:latin typeface="+mn-lt"/>
+                          <a:ea typeface="+mn-ea"/>
+                          <a:cs typeface="+mn-cs"/>
+                        </a:rPr>
+                        <a:t>The ball recognition module should have 90% accuracy for images taken in ideal conditions</a:t>
+                      </a:r>
+                      <a:endParaRPr lang="en-US" sz="2400" dirty="0"/>
+                    </a:p>
+                  </a:txBody>
+                  <a:tcPr anchor="ctr"/>
+                </a:tc>
+                <a:tc>
+                  <a:txBody>
+                    <a:bodyPr/>
+                    <a:lstStyle/>
+                    <a:p>
+                      <a:r>
+                        <a:rPr lang="en-US" sz="2400" dirty="0">
+                          <a:solidFill>
+                            <a:srgbClr val="00B050"/>
+                          </a:solidFill>
+                        </a:rPr>
+                        <a:t>91.5% accuracy from 200 images</a:t>
+                      </a:r>
+                    </a:p>
+                  </a:txBody>
+                  <a:tcPr anchor="ctr"/>
+                </a:tc>
+                <a:extLst>
+                  <a:ext uri="{0D108BD9-81ED-4DB2-BD59-A6C34878D82A}">
+                    <a16:rowId xmlns:a16="http://schemas.microsoft.com/office/drawing/2014/main" val="2425131957"/>
+                  </a:ext>
+                </a:extLst>
+              </a:tr>
+              <a:tr h="1323309">
+                <a:tc>
+                  <a:txBody>
+                    <a:bodyPr/>
+                    <a:lstStyle/>
+                    <a:p>
+                      <a:r>
+                        <a:rPr lang="en-US" sz="2400" b="0" i="0" u="none" strike="noStrike" kern="1200" dirty="0">
+                          <a:solidFill>
+                            <a:schemeClr val="dk1"/>
+                          </a:solidFill>
+                          <a:effectLst/>
+                          <a:latin typeface="+mn-lt"/>
+                          <a:ea typeface="+mn-ea"/>
+                          <a:cs typeface="+mn-cs"/>
+                        </a:rPr>
+                        <a:t>The ball recognition module should be able to process the images at 5 frames per second</a:t>
+                      </a:r>
+                      <a:endParaRPr lang="en-US" sz="2400" dirty="0"/>
+                    </a:p>
+                  </a:txBody>
+                  <a:tcPr anchor="ctr"/>
+                </a:tc>
+                <a:tc>
+                  <a:txBody>
+                    <a:bodyPr/>
+                    <a:lstStyle/>
+                    <a:p>
+                      <a:r>
+                        <a:rPr lang="en-US" sz="2400" dirty="0">
+                          <a:solidFill>
+                            <a:srgbClr val="00B050"/>
+                          </a:solidFill>
+                        </a:rPr>
+                        <a:t>Module processes about 10 frames per second</a:t>
+                      </a:r>
+                    </a:p>
+                  </a:txBody>
+                  <a:tcPr anchor="ctr"/>
+                </a:tc>
+                <a:extLst>
+                  <a:ext uri="{0D108BD9-81ED-4DB2-BD59-A6C34878D82A}">
+                    <a16:rowId xmlns:a16="http://schemas.microsoft.com/office/drawing/2014/main" val="222342223"/>
+                  </a:ext>
+                </a:extLst>
+              </a:tr>
+              <a:tr h="1323309">
+                <a:tc>
+                  <a:txBody>
+                    <a:bodyPr/>
+                    <a:lstStyle/>
+                    <a:p>
+                      <a:r>
+                        <a:rPr lang="en-US" sz="2400" b="0" i="0" u="none" strike="noStrike" kern="1200" dirty="0">
+                          <a:solidFill>
+                            <a:schemeClr val="dk1"/>
+                          </a:solidFill>
+                          <a:effectLst/>
+                          <a:latin typeface="+mn-lt"/>
+                          <a:ea typeface="+mn-ea"/>
+                          <a:cs typeface="+mn-cs"/>
+                        </a:rPr>
+                        <a:t>The relative distance module should be accurate within 1m</a:t>
+                      </a:r>
+                      <a:endParaRPr lang="en-US" sz="2400" dirty="0"/>
+                    </a:p>
+                  </a:txBody>
+                  <a:tcPr anchor="ctr"/>
+                </a:tc>
+                <a:tc>
+                  <a:txBody>
+                    <a:bodyPr/>
+                    <a:lstStyle/>
+                    <a:p>
+                      <a:r>
+                        <a:rPr lang="en-US" sz="2400" dirty="0">
+                          <a:solidFill>
+                            <a:srgbClr val="00B050"/>
+                          </a:solidFill>
+                        </a:rPr>
+                        <a:t>Accurate within 20cm by estimation</a:t>
+                      </a:r>
+                    </a:p>
+                  </a:txBody>
+                  <a:tcPr anchor="ctr"/>
+                </a:tc>
+                <a:extLst>
+                  <a:ext uri="{0D108BD9-81ED-4DB2-BD59-A6C34878D82A}">
+                    <a16:rowId xmlns:a16="http://schemas.microsoft.com/office/drawing/2014/main" val="547455190"/>
+                  </a:ext>
+                </a:extLst>
+              </a:tr>
+              <a:tr h="1323309">
+                <a:tc>
+                  <a:txBody>
+                    <a:bodyPr/>
+                    <a:lstStyle/>
+                    <a:p>
+                      <a:r>
+                        <a:rPr lang="en-US" sz="2400" b="0" i="0" u="none" strike="noStrike" kern="1200" dirty="0">
+                          <a:solidFill>
+                            <a:schemeClr val="dk1"/>
+                          </a:solidFill>
+                          <a:effectLst/>
+                          <a:latin typeface="+mn-lt"/>
+                          <a:ea typeface="+mn-ea"/>
+                          <a:cs typeface="+mn-cs"/>
+                        </a:rPr>
+                        <a:t>The robot should be able to move at 1m/s in the indoor gym environment</a:t>
+                      </a:r>
+                      <a:endParaRPr lang="en-US" sz="2400" dirty="0"/>
+                    </a:p>
+                  </a:txBody>
+                  <a:tcPr anchor="ctr"/>
+                </a:tc>
+                <a:tc>
+                  <a:txBody>
+                    <a:bodyPr/>
+                    <a:lstStyle/>
+                    <a:p>
+                      <a:r>
+                        <a:rPr lang="en-US" sz="2400" dirty="0">
+                          <a:solidFill>
+                            <a:srgbClr val="00B050"/>
+                          </a:solidFill>
+                        </a:rPr>
+                        <a:t>Robot can move at 1.4m/s</a:t>
+                      </a:r>
+                    </a:p>
+                  </a:txBody>
+                  <a:tcPr anchor="ctr"/>
+                </a:tc>
+                <a:extLst>
+                  <a:ext uri="{0D108BD9-81ED-4DB2-BD59-A6C34878D82A}">
+                    <a16:rowId xmlns:a16="http://schemas.microsoft.com/office/drawing/2014/main" val="2562908042"/>
+                  </a:ext>
+                </a:extLst>
+              </a:tr>
+              <a:tr h="1323309">
+                <a:tc>
+                  <a:txBody>
+                    <a:bodyPr/>
+                    <a:lstStyle/>
+                    <a:p>
+                      <a:r>
+                        <a:rPr lang="en-US" sz="2400" b="0" i="0" u="none" strike="noStrike" kern="1200" dirty="0">
+                          <a:solidFill>
+                            <a:schemeClr val="dk1"/>
+                          </a:solidFill>
+                          <a:effectLst/>
+                          <a:latin typeface="+mn-lt"/>
+                          <a:ea typeface="+mn-ea"/>
+                          <a:cs typeface="+mn-cs"/>
+                        </a:rPr>
+                        <a:t>The robot should move at an average speed of 0.5m/s towards the basketball or player</a:t>
+                      </a:r>
+                      <a:endParaRPr lang="en-US" sz="2400" dirty="0"/>
+                    </a:p>
+                  </a:txBody>
+                  <a:tcPr anchor="ctr"/>
+                </a:tc>
+                <a:tc>
+                  <a:txBody>
+                    <a:bodyPr/>
+                    <a:lstStyle/>
+                    <a:p>
+                      <a:r>
+                        <a:rPr lang="en-US" sz="2400" dirty="0">
+                          <a:solidFill>
+                            <a:srgbClr val="00B050"/>
+                          </a:solidFill>
+                        </a:rPr>
+                        <a:t>Robot can move at 0.6m/s on average after tuning</a:t>
+                      </a:r>
+                    </a:p>
+                  </a:txBody>
+                  <a:tcPr anchor="ctr"/>
+                </a:tc>
+                <a:extLst>
+                  <a:ext uri="{0D108BD9-81ED-4DB2-BD59-A6C34878D82A}">
+                    <a16:rowId xmlns:a16="http://schemas.microsoft.com/office/drawing/2014/main" val="1802795788"/>
+                  </a:ext>
+                </a:extLst>
+              </a:tr>
+              <a:tr h="1323309">
+                <a:tc>
+                  <a:txBody>
+                    <a:bodyPr/>
+                    <a:lstStyle/>
+                    <a:p>
+                      <a:r>
+                        <a:rPr lang="en-US" sz="2400" b="0" i="0" u="none" strike="noStrike" kern="1200" dirty="0">
+                          <a:solidFill>
+                            <a:schemeClr val="dk1"/>
+                          </a:solidFill>
+                          <a:effectLst/>
+                          <a:latin typeface="+mn-lt"/>
+                          <a:ea typeface="+mn-ea"/>
+                          <a:cs typeface="+mn-cs"/>
+                        </a:rPr>
+                        <a:t>90% overall success rate in ideal half court.</a:t>
+                      </a:r>
+                      <a:endParaRPr lang="en-US" sz="2400" dirty="0"/>
+                    </a:p>
+                  </a:txBody>
+                  <a:tcPr anchor="ctr"/>
+                </a:tc>
+                <a:tc>
+                  <a:txBody>
+                    <a:bodyPr/>
+                    <a:lstStyle/>
+                    <a:p>
+                      <a:r>
+                        <a:rPr lang="en-US" sz="2400" dirty="0">
+                          <a:solidFill>
+                            <a:srgbClr val="FFFF00"/>
+                          </a:solidFill>
+                        </a:rPr>
+                        <a:t>75% overall success rate in ideal half court</a:t>
+                      </a:r>
+                    </a:p>
+                  </a:txBody>
+                  <a:tcPr anchor="ctr"/>
+                </a:tc>
+                <a:extLst>
+                  <a:ext uri="{0D108BD9-81ED-4DB2-BD59-A6C34878D82A}">
+                    <a16:rowId xmlns:a16="http://schemas.microsoft.com/office/drawing/2014/main" val="4017304468"/>
+                  </a:ext>
+                </a:extLst>
+              </a:tr>
+            </a:tbl>
+          </a:graphicData>
+        </a:graphic>
+      </p:graphicFrame>
+      <p:sp>
+        <p:nvSpPr>
+          <p:cNvPr id="5" name="TextBox 4">
+            <a:extLst>
+              <a:ext uri="{FF2B5EF4-FFF2-40B4-BE49-F238E27FC236}">
+                <a16:creationId xmlns:a16="http://schemas.microsoft.com/office/drawing/2014/main" id="{3459A26C-AF42-4C5B-B302-2F886D3CE904}"/>
+              </a:ext>
+            </a:extLst>
+          </p:cNvPr>
+          <p:cNvSpPr txBox="1"/>
+          <p:nvPr/>
+        </p:nvSpPr>
+        <p:spPr>
+          <a:xfrm>
+            <a:off x="396240" y="6170034"/>
+            <a:ext cx="13106400" cy="4524315"/>
+          </a:xfrm>
+          <a:prstGeom prst="rect">
+            <a:avLst/>
+          </a:prstGeom>
+          <a:noFill/>
+        </p:spPr>
+        <p:txBody>
+          <a:bodyPr wrap="square" rtlCol="0">
+            <a:spAutoFit/>
+          </a:bodyPr>
+          <a:lstStyle/>
+          <a:p>
+            <a:r>
+              <a:rPr lang="en-US" sz="3200" dirty="0"/>
+              <a:t>This project aims to build an autonomous robot that helps a player retrieve the basketball during shooting practices. The robot should not block the view between the athlete and the basket and it should allow the player to practice at any spot on the court. The robot should start searching for the ball as soon as the basketball has been released by the player, move to the ball, pick the ball up as soon as it can, and bring the ball back to the player. Furthermore, the robot should be smart enough to know whether a ball is in a player’s possession so that it does not interfere with the player’s practice.</a:t>
             </a:r>
           </a:p>
         </p:txBody>

--- a/poster.pptx
+++ b/poster.pptx
@@ -1,19 +1,311 @@
 
 <file path=ppt/presentation.xml><?xml version="1.0" encoding="utf-8"?>
-<p:presentation xmlns:a="http://schemas.openxmlformats.org/drawingml/2006/main" xmlns:p="http://schemas.openxmlformats.org/presentationml/2006/main" xmlns:r="http://schemas.openxmlformats.org/officeDocument/2006/relationships" xmlns:p14="http://schemas.microsoft.com/office/powerpoint/2010/main" xmlns:p15="http://schemas.microsoft.com/office/powerpoint/2012/main" xmlns:mc="http://schemas.openxmlformats.org/markup-compatibility/2006">
+<p:presentation xmlns:a="http://schemas.openxmlformats.org/drawingml/2006/main" xmlns:r="http://schemas.openxmlformats.org/officeDocument/2006/relationships" xmlns:p="http://schemas.openxmlformats.org/presentationml/2006/main">
   <p:sldMasterIdLst>
-    <p:sldMasterId id="2147483648" r:id="rId2"/>
+    <p:sldMasterId id="2147483648" r:id="rId1"/>
   </p:sldMasterIdLst>
   <p:sldIdLst>
-    <p:sldId id="256" r:id="rId3"/>
+    <p:sldId id="256" r:id="rId2"/>
   </p:sldIdLst>
   <p:sldSz cx="27432000" cy="36576000"/>
   <p:notesSz cx="7772400" cy="10058400"/>
+  <p:defaultTextStyle>
+    <a:defPPr>
+      <a:defRPr lang="en-US"/>
+    </a:defPPr>
+    <a:lvl1pPr marL="0" algn="l" defTabSz="914400" rtl="0" eaLnBrk="1" latinLnBrk="0" hangingPunct="1">
+      <a:defRPr sz="1800" kern="1200">
+        <a:solidFill>
+          <a:schemeClr val="tx1"/>
+        </a:solidFill>
+        <a:latin typeface="+mn-lt"/>
+        <a:ea typeface="+mn-ea"/>
+        <a:cs typeface="+mn-cs"/>
+      </a:defRPr>
+    </a:lvl1pPr>
+    <a:lvl2pPr marL="457200" algn="l" defTabSz="914400" rtl="0" eaLnBrk="1" latinLnBrk="0" hangingPunct="1">
+      <a:defRPr sz="1800" kern="1200">
+        <a:solidFill>
+          <a:schemeClr val="tx1"/>
+        </a:solidFill>
+        <a:latin typeface="+mn-lt"/>
+        <a:ea typeface="+mn-ea"/>
+        <a:cs typeface="+mn-cs"/>
+      </a:defRPr>
+    </a:lvl2pPr>
+    <a:lvl3pPr marL="914400" algn="l" defTabSz="914400" rtl="0" eaLnBrk="1" latinLnBrk="0" hangingPunct="1">
+      <a:defRPr sz="1800" kern="1200">
+        <a:solidFill>
+          <a:schemeClr val="tx1"/>
+        </a:solidFill>
+        <a:latin typeface="+mn-lt"/>
+        <a:ea typeface="+mn-ea"/>
+        <a:cs typeface="+mn-cs"/>
+      </a:defRPr>
+    </a:lvl3pPr>
+    <a:lvl4pPr marL="1371600" algn="l" defTabSz="914400" rtl="0" eaLnBrk="1" latinLnBrk="0" hangingPunct="1">
+      <a:defRPr sz="1800" kern="1200">
+        <a:solidFill>
+          <a:schemeClr val="tx1"/>
+        </a:solidFill>
+        <a:latin typeface="+mn-lt"/>
+        <a:ea typeface="+mn-ea"/>
+        <a:cs typeface="+mn-cs"/>
+      </a:defRPr>
+    </a:lvl4pPr>
+    <a:lvl5pPr marL="1828800" algn="l" defTabSz="914400" rtl="0" eaLnBrk="1" latinLnBrk="0" hangingPunct="1">
+      <a:defRPr sz="1800" kern="1200">
+        <a:solidFill>
+          <a:schemeClr val="tx1"/>
+        </a:solidFill>
+        <a:latin typeface="+mn-lt"/>
+        <a:ea typeface="+mn-ea"/>
+        <a:cs typeface="+mn-cs"/>
+      </a:defRPr>
+    </a:lvl5pPr>
+    <a:lvl6pPr marL="2286000" algn="l" defTabSz="914400" rtl="0" eaLnBrk="1" latinLnBrk="0" hangingPunct="1">
+      <a:defRPr sz="1800" kern="1200">
+        <a:solidFill>
+          <a:schemeClr val="tx1"/>
+        </a:solidFill>
+        <a:latin typeface="+mn-lt"/>
+        <a:ea typeface="+mn-ea"/>
+        <a:cs typeface="+mn-cs"/>
+      </a:defRPr>
+    </a:lvl6pPr>
+    <a:lvl7pPr marL="2743200" algn="l" defTabSz="914400" rtl="0" eaLnBrk="1" latinLnBrk="0" hangingPunct="1">
+      <a:defRPr sz="1800" kern="1200">
+        <a:solidFill>
+          <a:schemeClr val="tx1"/>
+        </a:solidFill>
+        <a:latin typeface="+mn-lt"/>
+        <a:ea typeface="+mn-ea"/>
+        <a:cs typeface="+mn-cs"/>
+      </a:defRPr>
+    </a:lvl7pPr>
+    <a:lvl8pPr marL="3200400" algn="l" defTabSz="914400" rtl="0" eaLnBrk="1" latinLnBrk="0" hangingPunct="1">
+      <a:defRPr sz="1800" kern="1200">
+        <a:solidFill>
+          <a:schemeClr val="tx1"/>
+        </a:solidFill>
+        <a:latin typeface="+mn-lt"/>
+        <a:ea typeface="+mn-ea"/>
+        <a:cs typeface="+mn-cs"/>
+      </a:defRPr>
+    </a:lvl8pPr>
+    <a:lvl9pPr marL="3657600" algn="l" defTabSz="914400" rtl="0" eaLnBrk="1" latinLnBrk="0" hangingPunct="1">
+      <a:defRPr sz="1800" kern="1200">
+        <a:solidFill>
+          <a:schemeClr val="tx1"/>
+        </a:solidFill>
+        <a:latin typeface="+mn-lt"/>
+        <a:ea typeface="+mn-ea"/>
+        <a:cs typeface="+mn-cs"/>
+      </a:defRPr>
+    </a:lvl9pPr>
+  </p:defaultTextStyle>
 </p:presentation>
 </file>
 
+<file path=ppt/revisionInfo.xml><?xml version="1.0" encoding="utf-8"?>
+<p1510:revInfo xmlns:a="http://schemas.openxmlformats.org/drawingml/2006/main" xmlns:r="http://schemas.openxmlformats.org/officeDocument/2006/relationships" xmlns:p1510="http://schemas.microsoft.com/office/powerpoint/2015/10/main">
+  <p1510:revLst>
+    <p1510:client id="{B56D44F4-6956-4C69-9750-E5A614F5DE5F}" v="37" dt="2019-04-30T06:15:07.505"/>
+  </p1510:revLst>
+</p1510:revInfo>
+</file>
+
+<file path=ppt/changesInfos/changesInfo1.xml><?xml version="1.0" encoding="utf-8"?>
+<pc:chgInfo xmlns:a="http://schemas.openxmlformats.org/drawingml/2006/main" xmlns:r="http://schemas.openxmlformats.org/officeDocument/2006/relationships" xmlns:ac="http://schemas.microsoft.com/office/drawing/2013/main/command" xmlns:pc="http://schemas.microsoft.com/office/powerpoint/2013/main/command">
+  <pc:docChgLst>
+    <pc:chgData name="瑞轩 刘" userId="9398a30a9a7bb0c6" providerId="LiveId" clId="{B56D44F4-6956-4C69-9750-E5A614F5DE5F}"/>
+    <pc:docChg chg="undo custSel modSld">
+      <pc:chgData name="瑞轩 刘" userId="9398a30a9a7bb0c6" providerId="LiveId" clId="{B56D44F4-6956-4C69-9750-E5A614F5DE5F}" dt="2019-04-30T06:16:22.420" v="1525" actId="20577"/>
+      <pc:docMkLst>
+        <pc:docMk/>
+      </pc:docMkLst>
+      <pc:sldChg chg="addSp delSp modSp">
+        <pc:chgData name="瑞轩 刘" userId="9398a30a9a7bb0c6" providerId="LiveId" clId="{B56D44F4-6956-4C69-9750-E5A614F5DE5F}" dt="2019-04-30T06:16:22.420" v="1525" actId="20577"/>
+        <pc:sldMkLst>
+          <pc:docMk/>
+          <pc:sldMk cId="0" sldId="256"/>
+        </pc:sldMkLst>
+        <pc:spChg chg="add del mod">
+          <ac:chgData name="瑞轩 刘" userId="9398a30a9a7bb0c6" providerId="LiveId" clId="{B56D44F4-6956-4C69-9750-E5A614F5DE5F}" dt="2019-04-30T05:07:15.598" v="662" actId="478"/>
+          <ac:spMkLst>
+            <pc:docMk/>
+            <pc:sldMk cId="0" sldId="256"/>
+            <ac:spMk id="6" creationId="{2F607C0F-4095-4698-9468-FE345573E01F}"/>
+          </ac:spMkLst>
+        </pc:spChg>
+        <pc:spChg chg="add mod">
+          <ac:chgData name="瑞轩 刘" userId="9398a30a9a7bb0c6" providerId="LiveId" clId="{B56D44F4-6956-4C69-9750-E5A614F5DE5F}" dt="2019-04-30T02:03:51.846" v="565" actId="20577"/>
+          <ac:spMkLst>
+            <pc:docMk/>
+            <pc:sldMk cId="0" sldId="256"/>
+            <ac:spMk id="19" creationId="{FB5574C7-87D3-4FF7-B030-FD6864FAC0E3}"/>
+          </ac:spMkLst>
+        </pc:spChg>
+        <pc:spChg chg="mod">
+          <ac:chgData name="瑞轩 刘" userId="9398a30a9a7bb0c6" providerId="LiveId" clId="{B56D44F4-6956-4C69-9750-E5A614F5DE5F}" dt="2019-04-30T05:14:40.815" v="825" actId="1076"/>
+          <ac:spMkLst>
+            <pc:docMk/>
+            <pc:sldMk cId="0" sldId="256"/>
+            <ac:spMk id="38" creationId="{00000000-0000-0000-0000-000000000000}"/>
+          </ac:spMkLst>
+        </pc:spChg>
+        <pc:spChg chg="mod">
+          <ac:chgData name="瑞轩 刘" userId="9398a30a9a7bb0c6" providerId="LiveId" clId="{B56D44F4-6956-4C69-9750-E5A614F5DE5F}" dt="2019-04-30T05:14:50.721" v="826" actId="2710"/>
+          <ac:spMkLst>
+            <pc:docMk/>
+            <pc:sldMk cId="0" sldId="256"/>
+            <ac:spMk id="39" creationId="{00000000-0000-0000-0000-000000000000}"/>
+          </ac:spMkLst>
+        </pc:spChg>
+        <pc:spChg chg="mod">
+          <ac:chgData name="瑞轩 刘" userId="9398a30a9a7bb0c6" providerId="LiveId" clId="{B56D44F4-6956-4C69-9750-E5A614F5DE5F}" dt="2019-04-30T05:10:34.826" v="685" actId="1076"/>
+          <ac:spMkLst>
+            <pc:docMk/>
+            <pc:sldMk cId="0" sldId="256"/>
+            <ac:spMk id="42" creationId="{00000000-0000-0000-0000-000000000000}"/>
+          </ac:spMkLst>
+        </pc:spChg>
+        <pc:spChg chg="mod">
+          <ac:chgData name="瑞轩 刘" userId="9398a30a9a7bb0c6" providerId="LiveId" clId="{B56D44F4-6956-4C69-9750-E5A614F5DE5F}" dt="2019-04-30T05:41:32.855" v="1497" actId="1076"/>
+          <ac:spMkLst>
+            <pc:docMk/>
+            <pc:sldMk cId="0" sldId="256"/>
+            <ac:spMk id="44" creationId="{00000000-0000-0000-0000-000000000000}"/>
+          </ac:spMkLst>
+        </pc:spChg>
+        <pc:spChg chg="del mod">
+          <ac:chgData name="瑞轩 刘" userId="9398a30a9a7bb0c6" providerId="LiveId" clId="{B56D44F4-6956-4C69-9750-E5A614F5DE5F}" dt="2019-04-30T05:04:03.774" v="619" actId="478"/>
+          <ac:spMkLst>
+            <pc:docMk/>
+            <pc:sldMk cId="0" sldId="256"/>
+            <ac:spMk id="47" creationId="{00000000-0000-0000-0000-000000000000}"/>
+          </ac:spMkLst>
+        </pc:spChg>
+        <pc:spChg chg="mod">
+          <ac:chgData name="瑞轩 刘" userId="9398a30a9a7bb0c6" providerId="LiveId" clId="{B56D44F4-6956-4C69-9750-E5A614F5DE5F}" dt="2019-04-30T04:55:49.515" v="602" actId="14100"/>
+          <ac:spMkLst>
+            <pc:docMk/>
+            <pc:sldMk cId="0" sldId="256"/>
+            <ac:spMk id="48" creationId="{00000000-0000-0000-0000-000000000000}"/>
+          </ac:spMkLst>
+        </pc:spChg>
+        <pc:spChg chg="mod">
+          <ac:chgData name="瑞轩 刘" userId="9398a30a9a7bb0c6" providerId="LiveId" clId="{B56D44F4-6956-4C69-9750-E5A614F5DE5F}" dt="2019-04-30T04:55:38.195" v="601" actId="14100"/>
+          <ac:spMkLst>
+            <pc:docMk/>
+            <pc:sldMk cId="0" sldId="256"/>
+            <ac:spMk id="50" creationId="{00000000-0000-0000-0000-000000000000}"/>
+          </ac:spMkLst>
+        </pc:spChg>
+        <pc:spChg chg="mod">
+          <ac:chgData name="瑞轩 刘" userId="9398a30a9a7bb0c6" providerId="LiveId" clId="{B56D44F4-6956-4C69-9750-E5A614F5DE5F}" dt="2019-04-30T04:53:12.330" v="591" actId="14100"/>
+          <ac:spMkLst>
+            <pc:docMk/>
+            <pc:sldMk cId="0" sldId="256"/>
+            <ac:spMk id="51" creationId="{00000000-0000-0000-0000-000000000000}"/>
+          </ac:spMkLst>
+        </pc:spChg>
+        <pc:spChg chg="mod">
+          <ac:chgData name="瑞轩 刘" userId="9398a30a9a7bb0c6" providerId="LiveId" clId="{B56D44F4-6956-4C69-9750-E5A614F5DE5F}" dt="2019-04-30T04:54:55.270" v="598" actId="1076"/>
+          <ac:spMkLst>
+            <pc:docMk/>
+            <pc:sldMk cId="0" sldId="256"/>
+            <ac:spMk id="52" creationId="{00000000-0000-0000-0000-000000000000}"/>
+          </ac:spMkLst>
+        </pc:spChg>
+        <pc:spChg chg="mod">
+          <ac:chgData name="瑞轩 刘" userId="9398a30a9a7bb0c6" providerId="LiveId" clId="{B56D44F4-6956-4C69-9750-E5A614F5DE5F}" dt="2019-04-30T04:56:11.966" v="603" actId="14100"/>
+          <ac:spMkLst>
+            <pc:docMk/>
+            <pc:sldMk cId="0" sldId="256"/>
+            <ac:spMk id="54" creationId="{00000000-0000-0000-0000-000000000000}"/>
+          </ac:spMkLst>
+        </pc:spChg>
+        <pc:graphicFrameChg chg="add del mod modGraphic">
+          <ac:chgData name="瑞轩 刘" userId="9398a30a9a7bb0c6" providerId="LiveId" clId="{B56D44F4-6956-4C69-9750-E5A614F5DE5F}" dt="2019-04-30T05:33:34.622" v="1459" actId="478"/>
+          <ac:graphicFrameMkLst>
+            <pc:docMk/>
+            <pc:sldMk cId="0" sldId="256"/>
+            <ac:graphicFrameMk id="25" creationId="{2DC02D83-318B-4464-9CFF-0D012943877C}"/>
+          </ac:graphicFrameMkLst>
+        </pc:graphicFrameChg>
+        <pc:graphicFrameChg chg="mod modGraphic">
+          <ac:chgData name="瑞轩 刘" userId="9398a30a9a7bb0c6" providerId="LiveId" clId="{B56D44F4-6956-4C69-9750-E5A614F5DE5F}" dt="2019-04-30T06:16:22.420" v="1525" actId="20577"/>
+          <ac:graphicFrameMkLst>
+            <pc:docMk/>
+            <pc:sldMk cId="0" sldId="256"/>
+            <ac:graphicFrameMk id="53" creationId="{00000000-0000-0000-0000-000000000000}"/>
+          </ac:graphicFrameMkLst>
+        </pc:graphicFrameChg>
+        <pc:picChg chg="add del mod">
+          <ac:chgData name="瑞轩 刘" userId="9398a30a9a7bb0c6" providerId="LiveId" clId="{B56D44F4-6956-4C69-9750-E5A614F5DE5F}" dt="2019-04-30T05:34:34.263" v="1465" actId="478"/>
+          <ac:picMkLst>
+            <pc:docMk/>
+            <pc:sldMk cId="0" sldId="256"/>
+            <ac:picMk id="3" creationId="{F8F55F4F-C800-4253-86C3-32C2D52163EA}"/>
+          </ac:picMkLst>
+        </pc:picChg>
+        <pc:picChg chg="add mod">
+          <ac:chgData name="瑞轩 刘" userId="9398a30a9a7bb0c6" providerId="LiveId" clId="{B56D44F4-6956-4C69-9750-E5A614F5DE5F}" dt="2019-04-30T04:57:48.613" v="608" actId="14100"/>
+          <ac:picMkLst>
+            <pc:docMk/>
+            <pc:sldMk cId="0" sldId="256"/>
+            <ac:picMk id="5" creationId="{19F83E8E-9551-46A1-804F-5CF80CA36D3B}"/>
+          </ac:picMkLst>
+        </pc:picChg>
+        <pc:picChg chg="add mod">
+          <ac:chgData name="瑞轩 刘" userId="9398a30a9a7bb0c6" providerId="LiveId" clId="{B56D44F4-6956-4C69-9750-E5A614F5DE5F}" dt="2019-04-30T05:42:06.351" v="1502" actId="1076"/>
+          <ac:picMkLst>
+            <pc:docMk/>
+            <pc:sldMk cId="0" sldId="256"/>
+            <ac:picMk id="8" creationId="{3A8D5D1B-197E-4D13-84A7-41D315DCCC57}"/>
+          </ac:picMkLst>
+        </pc:picChg>
+        <pc:picChg chg="add del mod">
+          <ac:chgData name="瑞轩 刘" userId="9398a30a9a7bb0c6" providerId="LiveId" clId="{B56D44F4-6956-4C69-9750-E5A614F5DE5F}" dt="2019-04-30T06:14:47.245" v="1513" actId="478"/>
+          <ac:picMkLst>
+            <pc:docMk/>
+            <pc:sldMk cId="0" sldId="256"/>
+            <ac:picMk id="10" creationId="{2CA335E2-592F-4169-8C1F-5F846D84CB7A}"/>
+          </ac:picMkLst>
+        </pc:picChg>
+        <pc:picChg chg="add mod">
+          <ac:chgData name="瑞轩 刘" userId="9398a30a9a7bb0c6" providerId="LiveId" clId="{B56D44F4-6956-4C69-9750-E5A614F5DE5F}" dt="2019-04-30T06:15:52.986" v="1519" actId="1076"/>
+          <ac:picMkLst>
+            <pc:docMk/>
+            <pc:sldMk cId="0" sldId="256"/>
+            <ac:picMk id="12" creationId="{B3602056-0A6B-4761-ADE7-083B84CCBC5D}"/>
+          </ac:picMkLst>
+        </pc:picChg>
+        <pc:picChg chg="del mod">
+          <ac:chgData name="瑞轩 刘" userId="9398a30a9a7bb0c6" providerId="LiveId" clId="{B56D44F4-6956-4C69-9750-E5A614F5DE5F}" dt="2019-04-30T05:38:03.856" v="1478" actId="478"/>
+          <ac:picMkLst>
+            <pc:docMk/>
+            <pc:sldMk cId="0" sldId="256"/>
+            <ac:picMk id="45" creationId="{00000000-0000-0000-0000-000000000000}"/>
+          </ac:picMkLst>
+        </pc:picChg>
+        <pc:picChg chg="del">
+          <ac:chgData name="瑞轩 刘" userId="9398a30a9a7bb0c6" providerId="LiveId" clId="{B56D44F4-6956-4C69-9750-E5A614F5DE5F}" dt="2019-04-30T04:34:39.157" v="571" actId="478"/>
+          <ac:picMkLst>
+            <pc:docMk/>
+            <pc:sldMk cId="0" sldId="256"/>
+            <ac:picMk id="49" creationId="{00000000-0000-0000-0000-000000000000}"/>
+          </ac:picMkLst>
+        </pc:picChg>
+      </pc:sldChg>
+    </pc:docChg>
+  </pc:docChgLst>
+</pc:chgInfo>
+</file>
+
 <file path=ppt/slideLayouts/slideLayout1.xml><?xml version="1.0" encoding="utf-8"?>
-<p:sldLayout xmlns:a="http://schemas.openxmlformats.org/drawingml/2006/main" xmlns:p="http://schemas.openxmlformats.org/presentationml/2006/main" xmlns:r="http://schemas.openxmlformats.org/officeDocument/2006/relationships" xmlns:p14="http://schemas.microsoft.com/office/powerpoint/2010/main" xmlns:p15="http://schemas.microsoft.com/office/powerpoint/2012/main" xmlns:mc="http://schemas.openxmlformats.org/markup-compatibility/2006" type="blank" preserve="1">
+<p:sldLayout xmlns:a="http://schemas.openxmlformats.org/drawingml/2006/main" xmlns:r="http://schemas.openxmlformats.org/officeDocument/2006/relationships" xmlns:p="http://schemas.openxmlformats.org/presentationml/2006/main" type="blank" preserve="1">
   <p:cSld name="Blank Slide">
     <p:spTree>
       <p:nvGrpSpPr>
@@ -31,11 +323,14 @@
       </p:grpSpPr>
     </p:spTree>
   </p:cSld>
+  <p:clrMapOvr>
+    <a:masterClrMapping/>
+  </p:clrMapOvr>
 </p:sldLayout>
 </file>
 
 <file path=ppt/slideLayouts/slideLayout10.xml><?xml version="1.0" encoding="utf-8"?>
-<p:sldLayout xmlns:a="http://schemas.openxmlformats.org/drawingml/2006/main" xmlns:p="http://schemas.openxmlformats.org/presentationml/2006/main" xmlns:r="http://schemas.openxmlformats.org/officeDocument/2006/relationships" xmlns:p14="http://schemas.microsoft.com/office/powerpoint/2010/main" xmlns:p15="http://schemas.microsoft.com/office/powerpoint/2012/main" xmlns:mc="http://schemas.openxmlformats.org/markup-compatibility/2006" type="objOverTx" preserve="1">
+<p:sldLayout xmlns:a="http://schemas.openxmlformats.org/drawingml/2006/main" xmlns:r="http://schemas.openxmlformats.org/officeDocument/2006/relationships" xmlns:p="http://schemas.openxmlformats.org/presentationml/2006/main" type="objOverTx" preserve="1">
   <p:cSld name="Title, Content over Content">
     <p:spTree>
       <p:nvGrpSpPr>
@@ -71,15 +366,16 @@
           </a:prstGeom>
         </p:spPr>
         <p:txBody>
-          <a:bodyPr lIns="0" rIns="0" tIns="0" bIns="0" anchor="ctr"/>
-          <a:p>
-            <a:endParaRPr b="0" lang="en-US" sz="7400" spc="-1" strike="noStrike">
+          <a:bodyPr lIns="0" tIns="0" rIns="0" bIns="0" anchor="ctr"/>
+          <a:lstStyle/>
+          <a:p>
+            <a:endParaRPr lang="en-US" sz="7400" b="0" strike="noStrike" spc="-1">
               <a:solidFill>
                 <a:srgbClr val="000000"/>
               </a:solidFill>
               <a:uFill>
                 <a:solidFill>
-                  <a:srgbClr val="ffffff"/>
+                  <a:srgbClr val="FFFFFF"/>
                 </a:solidFill>
               </a:uFill>
               <a:latin typeface="Arial"/>
@@ -107,15 +403,16 @@
           </a:prstGeom>
         </p:spPr>
         <p:txBody>
-          <a:bodyPr lIns="0" rIns="0" tIns="0" bIns="0"/>
-          <a:p>
-            <a:endParaRPr b="0" lang="en-US" sz="5400" spc="-1" strike="noStrike">
+          <a:bodyPr lIns="0" tIns="0" rIns="0" bIns="0"/>
+          <a:lstStyle/>
+          <a:p>
+            <a:endParaRPr lang="en-US" sz="5400" b="0" strike="noStrike" spc="-1">
               <a:solidFill>
                 <a:srgbClr val="000000"/>
               </a:solidFill>
               <a:uFill>
                 <a:solidFill>
-                  <a:srgbClr val="ffffff"/>
+                  <a:srgbClr val="FFFFFF"/>
                 </a:solidFill>
               </a:uFill>
               <a:latin typeface="Arial"/>
@@ -143,15 +440,16 @@
           </a:prstGeom>
         </p:spPr>
         <p:txBody>
-          <a:bodyPr lIns="0" rIns="0" tIns="0" bIns="0"/>
-          <a:p>
-            <a:endParaRPr b="0" lang="en-US" sz="5400" spc="-1" strike="noStrike">
+          <a:bodyPr lIns="0" tIns="0" rIns="0" bIns="0"/>
+          <a:lstStyle/>
+          <a:p>
+            <a:endParaRPr lang="en-US" sz="5400" b="0" strike="noStrike" spc="-1">
               <a:solidFill>
                 <a:srgbClr val="000000"/>
               </a:solidFill>
               <a:uFill>
                 <a:solidFill>
-                  <a:srgbClr val="ffffff"/>
+                  <a:srgbClr val="FFFFFF"/>
                 </a:solidFill>
               </a:uFill>
               <a:latin typeface="Arial"/>
@@ -161,11 +459,14 @@
       </p:sp>
     </p:spTree>
   </p:cSld>
+  <p:clrMapOvr>
+    <a:masterClrMapping/>
+  </p:clrMapOvr>
 </p:sldLayout>
 </file>
 
 <file path=ppt/slideLayouts/slideLayout11.xml><?xml version="1.0" encoding="utf-8"?>
-<p:sldLayout xmlns:a="http://schemas.openxmlformats.org/drawingml/2006/main" xmlns:p="http://schemas.openxmlformats.org/presentationml/2006/main" xmlns:r="http://schemas.openxmlformats.org/officeDocument/2006/relationships" xmlns:p14="http://schemas.microsoft.com/office/powerpoint/2010/main" xmlns:p15="http://schemas.microsoft.com/office/powerpoint/2012/main" xmlns:mc="http://schemas.openxmlformats.org/markup-compatibility/2006" type="fourObj" preserve="1">
+<p:sldLayout xmlns:a="http://schemas.openxmlformats.org/drawingml/2006/main" xmlns:r="http://schemas.openxmlformats.org/officeDocument/2006/relationships" xmlns:p="http://schemas.openxmlformats.org/presentationml/2006/main" type="fourObj" preserve="1">
   <p:cSld name="Title, 4 Content">
     <p:spTree>
       <p:nvGrpSpPr>
@@ -201,15 +502,16 @@
           </a:prstGeom>
         </p:spPr>
         <p:txBody>
-          <a:bodyPr lIns="0" rIns="0" tIns="0" bIns="0" anchor="ctr"/>
-          <a:p>
-            <a:endParaRPr b="0" lang="en-US" sz="7400" spc="-1" strike="noStrike">
+          <a:bodyPr lIns="0" tIns="0" rIns="0" bIns="0" anchor="ctr"/>
+          <a:lstStyle/>
+          <a:p>
+            <a:endParaRPr lang="en-US" sz="7400" b="0" strike="noStrike" spc="-1">
               <a:solidFill>
                 <a:srgbClr val="000000"/>
               </a:solidFill>
               <a:uFill>
                 <a:solidFill>
-                  <a:srgbClr val="ffffff"/>
+                  <a:srgbClr val="FFFFFF"/>
                 </a:solidFill>
               </a:uFill>
               <a:latin typeface="Arial"/>
@@ -237,15 +539,16 @@
           </a:prstGeom>
         </p:spPr>
         <p:txBody>
-          <a:bodyPr lIns="0" rIns="0" tIns="0" bIns="0"/>
-          <a:p>
-            <a:endParaRPr b="0" lang="en-US" sz="5400" spc="-1" strike="noStrike">
+          <a:bodyPr lIns="0" tIns="0" rIns="0" bIns="0"/>
+          <a:lstStyle/>
+          <a:p>
+            <a:endParaRPr lang="en-US" sz="5400" b="0" strike="noStrike" spc="-1">
               <a:solidFill>
                 <a:srgbClr val="000000"/>
               </a:solidFill>
               <a:uFill>
                 <a:solidFill>
-                  <a:srgbClr val="ffffff"/>
+                  <a:srgbClr val="FFFFFF"/>
                 </a:solidFill>
               </a:uFill>
               <a:latin typeface="Arial"/>
@@ -273,15 +576,16 @@
           </a:prstGeom>
         </p:spPr>
         <p:txBody>
-          <a:bodyPr lIns="0" rIns="0" tIns="0" bIns="0"/>
-          <a:p>
-            <a:endParaRPr b="0" lang="en-US" sz="5400" spc="-1" strike="noStrike">
+          <a:bodyPr lIns="0" tIns="0" rIns="0" bIns="0"/>
+          <a:lstStyle/>
+          <a:p>
+            <a:endParaRPr lang="en-US" sz="5400" b="0" strike="noStrike" spc="-1">
               <a:solidFill>
                 <a:srgbClr val="000000"/>
               </a:solidFill>
               <a:uFill>
                 <a:solidFill>
-                  <a:srgbClr val="ffffff"/>
+                  <a:srgbClr val="FFFFFF"/>
                 </a:solidFill>
               </a:uFill>
               <a:latin typeface="Arial"/>
@@ -309,15 +613,16 @@
           </a:prstGeom>
         </p:spPr>
         <p:txBody>
-          <a:bodyPr lIns="0" rIns="0" tIns="0" bIns="0"/>
-          <a:p>
-            <a:endParaRPr b="0" lang="en-US" sz="5400" spc="-1" strike="noStrike">
+          <a:bodyPr lIns="0" tIns="0" rIns="0" bIns="0"/>
+          <a:lstStyle/>
+          <a:p>
+            <a:endParaRPr lang="en-US" sz="5400" b="0" strike="noStrike" spc="-1">
               <a:solidFill>
                 <a:srgbClr val="000000"/>
               </a:solidFill>
               <a:uFill>
                 <a:solidFill>
-                  <a:srgbClr val="ffffff"/>
+                  <a:srgbClr val="FFFFFF"/>
                 </a:solidFill>
               </a:uFill>
               <a:latin typeface="Arial"/>
@@ -345,15 +650,16 @@
           </a:prstGeom>
         </p:spPr>
         <p:txBody>
-          <a:bodyPr lIns="0" rIns="0" tIns="0" bIns="0"/>
-          <a:p>
-            <a:endParaRPr b="0" lang="en-US" sz="5400" spc="-1" strike="noStrike">
+          <a:bodyPr lIns="0" tIns="0" rIns="0" bIns="0"/>
+          <a:lstStyle/>
+          <a:p>
+            <a:endParaRPr lang="en-US" sz="5400" b="0" strike="noStrike" spc="-1">
               <a:solidFill>
                 <a:srgbClr val="000000"/>
               </a:solidFill>
               <a:uFill>
                 <a:solidFill>
-                  <a:srgbClr val="ffffff"/>
+                  <a:srgbClr val="FFFFFF"/>
                 </a:solidFill>
               </a:uFill>
               <a:latin typeface="Arial"/>
@@ -363,11 +669,14 @@
       </p:sp>
     </p:spTree>
   </p:cSld>
+  <p:clrMapOvr>
+    <a:masterClrMapping/>
+  </p:clrMapOvr>
 </p:sldLayout>
 </file>
 
 <file path=ppt/slideLayouts/slideLayout12.xml><?xml version="1.0" encoding="utf-8"?>
-<p:sldLayout xmlns:a="http://schemas.openxmlformats.org/drawingml/2006/main" xmlns:p="http://schemas.openxmlformats.org/presentationml/2006/main" xmlns:r="http://schemas.openxmlformats.org/officeDocument/2006/relationships" xmlns:p14="http://schemas.microsoft.com/office/powerpoint/2010/main" xmlns:p15="http://schemas.microsoft.com/office/powerpoint/2012/main" xmlns:mc="http://schemas.openxmlformats.org/markup-compatibility/2006" type="blank" preserve="1">
+<p:sldLayout xmlns:a="http://schemas.openxmlformats.org/drawingml/2006/main" xmlns:r="http://schemas.openxmlformats.org/officeDocument/2006/relationships" xmlns:p="http://schemas.openxmlformats.org/presentationml/2006/main" type="blank" preserve="1">
   <p:cSld name="Title, 6 Content">
     <p:spTree>
       <p:nvGrpSpPr>
@@ -403,15 +712,16 @@
           </a:prstGeom>
         </p:spPr>
         <p:txBody>
-          <a:bodyPr lIns="0" rIns="0" tIns="0" bIns="0" anchor="ctr"/>
-          <a:p>
-            <a:endParaRPr b="0" lang="en-US" sz="7400" spc="-1" strike="noStrike">
+          <a:bodyPr lIns="0" tIns="0" rIns="0" bIns="0" anchor="ctr"/>
+          <a:lstStyle/>
+          <a:p>
+            <a:endParaRPr lang="en-US" sz="7400" b="0" strike="noStrike" spc="-1">
               <a:solidFill>
                 <a:srgbClr val="000000"/>
               </a:solidFill>
               <a:uFill>
                 <a:solidFill>
-                  <a:srgbClr val="ffffff"/>
+                  <a:srgbClr val="FFFFFF"/>
                 </a:solidFill>
               </a:uFill>
               <a:latin typeface="Arial"/>
@@ -439,15 +749,16 @@
           </a:prstGeom>
         </p:spPr>
         <p:txBody>
-          <a:bodyPr lIns="0" rIns="0" tIns="0" bIns="0"/>
-          <a:p>
-            <a:endParaRPr b="0" lang="en-US" sz="5400" spc="-1" strike="noStrike">
+          <a:bodyPr lIns="0" tIns="0" rIns="0" bIns="0"/>
+          <a:lstStyle/>
+          <a:p>
+            <a:endParaRPr lang="en-US" sz="5400" b="0" strike="noStrike" spc="-1">
               <a:solidFill>
                 <a:srgbClr val="000000"/>
               </a:solidFill>
               <a:uFill>
                 <a:solidFill>
-                  <a:srgbClr val="ffffff"/>
+                  <a:srgbClr val="FFFFFF"/>
                 </a:solidFill>
               </a:uFill>
               <a:latin typeface="Arial"/>
@@ -475,15 +786,16 @@
           </a:prstGeom>
         </p:spPr>
         <p:txBody>
-          <a:bodyPr lIns="0" rIns="0" tIns="0" bIns="0"/>
-          <a:p>
-            <a:endParaRPr b="0" lang="en-US" sz="5400" spc="-1" strike="noStrike">
+          <a:bodyPr lIns="0" tIns="0" rIns="0" bIns="0"/>
+          <a:lstStyle/>
+          <a:p>
+            <a:endParaRPr lang="en-US" sz="5400" b="0" strike="noStrike" spc="-1">
               <a:solidFill>
                 <a:srgbClr val="000000"/>
               </a:solidFill>
               <a:uFill>
                 <a:solidFill>
-                  <a:srgbClr val="ffffff"/>
+                  <a:srgbClr val="FFFFFF"/>
                 </a:solidFill>
               </a:uFill>
               <a:latin typeface="Arial"/>
@@ -493,7 +805,7 @@
       </p:sp>
       <p:pic>
         <p:nvPicPr>
-          <p:cNvPr id="36" name="" descr=""/>
+          <p:cNvPr id="36" name="Picture 35"/>
           <p:cNvPicPr/>
           <p:nvPr/>
         </p:nvPicPr>
@@ -516,12 +828,12 @@
       </p:pic>
       <p:pic>
         <p:nvPicPr>
-          <p:cNvPr id="37" name="" descr=""/>
+          <p:cNvPr id="37" name="Picture 36"/>
           <p:cNvPicPr/>
           <p:nvPr/>
         </p:nvPicPr>
         <p:blipFill>
-          <a:blip r:embed="rId3"/>
+          <a:blip r:embed="rId2"/>
           <a:stretch/>
         </p:blipFill>
         <p:spPr>
@@ -539,11 +851,14 @@
       </p:pic>
     </p:spTree>
   </p:cSld>
+  <p:clrMapOvr>
+    <a:masterClrMapping/>
+  </p:clrMapOvr>
 </p:sldLayout>
 </file>
 
 <file path=ppt/slideLayouts/slideLayout2.xml><?xml version="1.0" encoding="utf-8"?>
-<p:sldLayout xmlns:a="http://schemas.openxmlformats.org/drawingml/2006/main" xmlns:p="http://schemas.openxmlformats.org/presentationml/2006/main" xmlns:r="http://schemas.openxmlformats.org/officeDocument/2006/relationships" xmlns:p14="http://schemas.microsoft.com/office/powerpoint/2010/main" xmlns:p15="http://schemas.microsoft.com/office/powerpoint/2012/main" xmlns:mc="http://schemas.openxmlformats.org/markup-compatibility/2006" type="tx" preserve="1">
+<p:sldLayout xmlns:a="http://schemas.openxmlformats.org/drawingml/2006/main" xmlns:r="http://schemas.openxmlformats.org/officeDocument/2006/relationships" xmlns:p="http://schemas.openxmlformats.org/presentationml/2006/main" type="tx" preserve="1">
   <p:cSld name="Title Slide">
     <p:spTree>
       <p:nvGrpSpPr>
@@ -579,15 +894,16 @@
           </a:prstGeom>
         </p:spPr>
         <p:txBody>
-          <a:bodyPr lIns="0" rIns="0" tIns="0" bIns="0" anchor="ctr"/>
-          <a:p>
-            <a:endParaRPr b="0" lang="en-US" sz="7400" spc="-1" strike="noStrike">
+          <a:bodyPr lIns="0" tIns="0" rIns="0" bIns="0" anchor="ctr"/>
+          <a:lstStyle/>
+          <a:p>
+            <a:endParaRPr lang="en-US" sz="7400" b="0" strike="noStrike" spc="-1">
               <a:solidFill>
                 <a:srgbClr val="000000"/>
               </a:solidFill>
               <a:uFill>
                 <a:solidFill>
-                  <a:srgbClr val="ffffff"/>
+                  <a:srgbClr val="FFFFFF"/>
                 </a:solidFill>
               </a:uFill>
               <a:latin typeface="Arial"/>
@@ -615,16 +931,17 @@
           </a:prstGeom>
         </p:spPr>
         <p:txBody>
-          <a:bodyPr lIns="0" rIns="0" tIns="0" bIns="0" anchor="ctr"/>
+          <a:bodyPr lIns="0" tIns="0" rIns="0" bIns="0" anchor="ctr"/>
+          <a:lstStyle/>
           <a:p>
             <a:pPr algn="ctr"/>
-            <a:endParaRPr b="0" lang="en-US" sz="3200" spc="-1" strike="noStrike">
+            <a:endParaRPr lang="en-US" sz="3200" b="0" strike="noStrike" spc="-1">
               <a:solidFill>
                 <a:srgbClr val="000000"/>
               </a:solidFill>
               <a:uFill>
                 <a:solidFill>
-                  <a:srgbClr val="ffffff"/>
+                  <a:srgbClr val="FFFFFF"/>
                 </a:solidFill>
               </a:uFill>
               <a:latin typeface="Arial"/>
@@ -634,11 +951,14 @@
       </p:sp>
     </p:spTree>
   </p:cSld>
+  <p:clrMapOvr>
+    <a:masterClrMapping/>
+  </p:clrMapOvr>
 </p:sldLayout>
 </file>
 
 <file path=ppt/slideLayouts/slideLayout3.xml><?xml version="1.0" encoding="utf-8"?>
-<p:sldLayout xmlns:a="http://schemas.openxmlformats.org/drawingml/2006/main" xmlns:p="http://schemas.openxmlformats.org/presentationml/2006/main" xmlns:r="http://schemas.openxmlformats.org/officeDocument/2006/relationships" xmlns:p14="http://schemas.microsoft.com/office/powerpoint/2010/main" xmlns:p15="http://schemas.microsoft.com/office/powerpoint/2012/main" xmlns:mc="http://schemas.openxmlformats.org/markup-compatibility/2006" type="obj" preserve="1">
+<p:sldLayout xmlns:a="http://schemas.openxmlformats.org/drawingml/2006/main" xmlns:r="http://schemas.openxmlformats.org/officeDocument/2006/relationships" xmlns:p="http://schemas.openxmlformats.org/presentationml/2006/main" type="obj" preserve="1">
   <p:cSld name="Title, Content">
     <p:spTree>
       <p:nvGrpSpPr>
@@ -674,15 +994,16 @@
           </a:prstGeom>
         </p:spPr>
         <p:txBody>
-          <a:bodyPr lIns="0" rIns="0" tIns="0" bIns="0" anchor="ctr"/>
-          <a:p>
-            <a:endParaRPr b="0" lang="en-US" sz="7400" spc="-1" strike="noStrike">
+          <a:bodyPr lIns="0" tIns="0" rIns="0" bIns="0" anchor="ctr"/>
+          <a:lstStyle/>
+          <a:p>
+            <a:endParaRPr lang="en-US" sz="7400" b="0" strike="noStrike" spc="-1">
               <a:solidFill>
                 <a:srgbClr val="000000"/>
               </a:solidFill>
               <a:uFill>
                 <a:solidFill>
-                  <a:srgbClr val="ffffff"/>
+                  <a:srgbClr val="FFFFFF"/>
                 </a:solidFill>
               </a:uFill>
               <a:latin typeface="Arial"/>
@@ -710,15 +1031,16 @@
           </a:prstGeom>
         </p:spPr>
         <p:txBody>
-          <a:bodyPr lIns="0" rIns="0" tIns="0" bIns="0"/>
-          <a:p>
-            <a:endParaRPr b="0" lang="en-US" sz="5400" spc="-1" strike="noStrike">
+          <a:bodyPr lIns="0" tIns="0" rIns="0" bIns="0"/>
+          <a:lstStyle/>
+          <a:p>
+            <a:endParaRPr lang="en-US" sz="5400" b="0" strike="noStrike" spc="-1">
               <a:solidFill>
                 <a:srgbClr val="000000"/>
               </a:solidFill>
               <a:uFill>
                 <a:solidFill>
-                  <a:srgbClr val="ffffff"/>
+                  <a:srgbClr val="FFFFFF"/>
                 </a:solidFill>
               </a:uFill>
               <a:latin typeface="Arial"/>
@@ -728,11 +1050,14 @@
       </p:sp>
     </p:spTree>
   </p:cSld>
+  <p:clrMapOvr>
+    <a:masterClrMapping/>
+  </p:clrMapOvr>
 </p:sldLayout>
 </file>
 
 <file path=ppt/slideLayouts/slideLayout4.xml><?xml version="1.0" encoding="utf-8"?>
-<p:sldLayout xmlns:a="http://schemas.openxmlformats.org/drawingml/2006/main" xmlns:p="http://schemas.openxmlformats.org/presentationml/2006/main" xmlns:r="http://schemas.openxmlformats.org/officeDocument/2006/relationships" xmlns:p14="http://schemas.microsoft.com/office/powerpoint/2010/main" xmlns:p15="http://schemas.microsoft.com/office/powerpoint/2012/main" xmlns:mc="http://schemas.openxmlformats.org/markup-compatibility/2006" type="twoObj" preserve="1">
+<p:sldLayout xmlns:a="http://schemas.openxmlformats.org/drawingml/2006/main" xmlns:r="http://schemas.openxmlformats.org/officeDocument/2006/relationships" xmlns:p="http://schemas.openxmlformats.org/presentationml/2006/main" type="twoObj" preserve="1">
   <p:cSld name="Title, 2 Content">
     <p:spTree>
       <p:nvGrpSpPr>
@@ -768,15 +1093,16 @@
           </a:prstGeom>
         </p:spPr>
         <p:txBody>
-          <a:bodyPr lIns="0" rIns="0" tIns="0" bIns="0" anchor="ctr"/>
-          <a:p>
-            <a:endParaRPr b="0" lang="en-US" sz="7400" spc="-1" strike="noStrike">
+          <a:bodyPr lIns="0" tIns="0" rIns="0" bIns="0" anchor="ctr"/>
+          <a:lstStyle/>
+          <a:p>
+            <a:endParaRPr lang="en-US" sz="7400" b="0" strike="noStrike" spc="-1">
               <a:solidFill>
                 <a:srgbClr val="000000"/>
               </a:solidFill>
               <a:uFill>
                 <a:solidFill>
-                  <a:srgbClr val="ffffff"/>
+                  <a:srgbClr val="FFFFFF"/>
                 </a:solidFill>
               </a:uFill>
               <a:latin typeface="Arial"/>
@@ -804,15 +1130,16 @@
           </a:prstGeom>
         </p:spPr>
         <p:txBody>
-          <a:bodyPr lIns="0" rIns="0" tIns="0" bIns="0"/>
-          <a:p>
-            <a:endParaRPr b="0" lang="en-US" sz="5400" spc="-1" strike="noStrike">
+          <a:bodyPr lIns="0" tIns="0" rIns="0" bIns="0"/>
+          <a:lstStyle/>
+          <a:p>
+            <a:endParaRPr lang="en-US" sz="5400" b="0" strike="noStrike" spc="-1">
               <a:solidFill>
                 <a:srgbClr val="000000"/>
               </a:solidFill>
               <a:uFill>
                 <a:solidFill>
-                  <a:srgbClr val="ffffff"/>
+                  <a:srgbClr val="FFFFFF"/>
                 </a:solidFill>
               </a:uFill>
               <a:latin typeface="Arial"/>
@@ -840,15 +1167,16 @@
           </a:prstGeom>
         </p:spPr>
         <p:txBody>
-          <a:bodyPr lIns="0" rIns="0" tIns="0" bIns="0"/>
-          <a:p>
-            <a:endParaRPr b="0" lang="en-US" sz="5400" spc="-1" strike="noStrike">
+          <a:bodyPr lIns="0" tIns="0" rIns="0" bIns="0"/>
+          <a:lstStyle/>
+          <a:p>
+            <a:endParaRPr lang="en-US" sz="5400" b="0" strike="noStrike" spc="-1">
               <a:solidFill>
                 <a:srgbClr val="000000"/>
               </a:solidFill>
               <a:uFill>
                 <a:solidFill>
-                  <a:srgbClr val="ffffff"/>
+                  <a:srgbClr val="FFFFFF"/>
                 </a:solidFill>
               </a:uFill>
               <a:latin typeface="Arial"/>
@@ -858,11 +1186,14 @@
       </p:sp>
     </p:spTree>
   </p:cSld>
+  <p:clrMapOvr>
+    <a:masterClrMapping/>
+  </p:clrMapOvr>
 </p:sldLayout>
 </file>
 
 <file path=ppt/slideLayouts/slideLayout5.xml><?xml version="1.0" encoding="utf-8"?>
-<p:sldLayout xmlns:a="http://schemas.openxmlformats.org/drawingml/2006/main" xmlns:p="http://schemas.openxmlformats.org/presentationml/2006/main" xmlns:r="http://schemas.openxmlformats.org/officeDocument/2006/relationships" xmlns:p14="http://schemas.microsoft.com/office/powerpoint/2010/main" xmlns:p15="http://schemas.microsoft.com/office/powerpoint/2012/main" xmlns:mc="http://schemas.openxmlformats.org/markup-compatibility/2006" type="titleOnly" preserve="1">
+<p:sldLayout xmlns:a="http://schemas.openxmlformats.org/drawingml/2006/main" xmlns:r="http://schemas.openxmlformats.org/officeDocument/2006/relationships" xmlns:p="http://schemas.openxmlformats.org/presentationml/2006/main" type="titleOnly" preserve="1">
   <p:cSld name="Title Only">
     <p:spTree>
       <p:nvGrpSpPr>
@@ -898,15 +1229,16 @@
           </a:prstGeom>
         </p:spPr>
         <p:txBody>
-          <a:bodyPr lIns="0" rIns="0" tIns="0" bIns="0" anchor="ctr"/>
-          <a:p>
-            <a:endParaRPr b="0" lang="en-US" sz="7400" spc="-1" strike="noStrike">
+          <a:bodyPr lIns="0" tIns="0" rIns="0" bIns="0" anchor="ctr"/>
+          <a:lstStyle/>
+          <a:p>
+            <a:endParaRPr lang="en-US" sz="7400" b="0" strike="noStrike" spc="-1">
               <a:solidFill>
                 <a:srgbClr val="000000"/>
               </a:solidFill>
               <a:uFill>
                 <a:solidFill>
-                  <a:srgbClr val="ffffff"/>
+                  <a:srgbClr val="FFFFFF"/>
                 </a:solidFill>
               </a:uFill>
               <a:latin typeface="Arial"/>
@@ -916,11 +1248,14 @@
       </p:sp>
     </p:spTree>
   </p:cSld>
+  <p:clrMapOvr>
+    <a:masterClrMapping/>
+  </p:clrMapOvr>
 </p:sldLayout>
 </file>
 
 <file path=ppt/slideLayouts/slideLayout6.xml><?xml version="1.0" encoding="utf-8"?>
-<p:sldLayout xmlns:a="http://schemas.openxmlformats.org/drawingml/2006/main" xmlns:p="http://schemas.openxmlformats.org/presentationml/2006/main" xmlns:r="http://schemas.openxmlformats.org/officeDocument/2006/relationships" xmlns:p14="http://schemas.microsoft.com/office/powerpoint/2010/main" xmlns:p15="http://schemas.microsoft.com/office/powerpoint/2012/main" xmlns:mc="http://schemas.openxmlformats.org/markup-compatibility/2006" type="objOnly" preserve="1">
+<p:sldLayout xmlns:a="http://schemas.openxmlformats.org/drawingml/2006/main" xmlns:r="http://schemas.openxmlformats.org/officeDocument/2006/relationships" xmlns:p="http://schemas.openxmlformats.org/presentationml/2006/main" type="objOnly" preserve="1">
   <p:cSld name="Centered Text">
     <p:spTree>
       <p:nvGrpSpPr>
@@ -956,16 +1291,17 @@
           </a:prstGeom>
         </p:spPr>
         <p:txBody>
-          <a:bodyPr lIns="0" rIns="0" tIns="0" bIns="0" anchor="ctr"/>
+          <a:bodyPr lIns="0" tIns="0" rIns="0" bIns="0" anchor="ctr"/>
+          <a:lstStyle/>
           <a:p>
             <a:pPr algn="ctr"/>
-            <a:endParaRPr b="0" lang="en-US" sz="3200" spc="-1" strike="noStrike">
+            <a:endParaRPr lang="en-US" sz="3200" b="0" strike="noStrike" spc="-1">
               <a:solidFill>
                 <a:srgbClr val="000000"/>
               </a:solidFill>
               <a:uFill>
                 <a:solidFill>
-                  <a:srgbClr val="ffffff"/>
+                  <a:srgbClr val="FFFFFF"/>
                 </a:solidFill>
               </a:uFill>
               <a:latin typeface="Arial"/>
@@ -975,11 +1311,14 @@
       </p:sp>
     </p:spTree>
   </p:cSld>
+  <p:clrMapOvr>
+    <a:masterClrMapping/>
+  </p:clrMapOvr>
 </p:sldLayout>
 </file>
 
 <file path=ppt/slideLayouts/slideLayout7.xml><?xml version="1.0" encoding="utf-8"?>
-<p:sldLayout xmlns:a="http://schemas.openxmlformats.org/drawingml/2006/main" xmlns:p="http://schemas.openxmlformats.org/presentationml/2006/main" xmlns:r="http://schemas.openxmlformats.org/officeDocument/2006/relationships" xmlns:p14="http://schemas.microsoft.com/office/powerpoint/2010/main" xmlns:p15="http://schemas.microsoft.com/office/powerpoint/2012/main" xmlns:mc="http://schemas.openxmlformats.org/markup-compatibility/2006" type="twoObjAndObj" preserve="1">
+<p:sldLayout xmlns:a="http://schemas.openxmlformats.org/drawingml/2006/main" xmlns:r="http://schemas.openxmlformats.org/officeDocument/2006/relationships" xmlns:p="http://schemas.openxmlformats.org/presentationml/2006/main" type="twoObjAndObj" preserve="1">
   <p:cSld name="Title, 2 Content and Content">
     <p:spTree>
       <p:nvGrpSpPr>
@@ -1015,15 +1354,16 @@
           </a:prstGeom>
         </p:spPr>
         <p:txBody>
-          <a:bodyPr lIns="0" rIns="0" tIns="0" bIns="0" anchor="ctr"/>
-          <a:p>
-            <a:endParaRPr b="0" lang="en-US" sz="7400" spc="-1" strike="noStrike">
+          <a:bodyPr lIns="0" tIns="0" rIns="0" bIns="0" anchor="ctr"/>
+          <a:lstStyle/>
+          <a:p>
+            <a:endParaRPr lang="en-US" sz="7400" b="0" strike="noStrike" spc="-1">
               <a:solidFill>
                 <a:srgbClr val="000000"/>
               </a:solidFill>
               <a:uFill>
                 <a:solidFill>
-                  <a:srgbClr val="ffffff"/>
+                  <a:srgbClr val="FFFFFF"/>
                 </a:solidFill>
               </a:uFill>
               <a:latin typeface="Arial"/>
@@ -1051,15 +1391,16 @@
           </a:prstGeom>
         </p:spPr>
         <p:txBody>
-          <a:bodyPr lIns="0" rIns="0" tIns="0" bIns="0"/>
-          <a:p>
-            <a:endParaRPr b="0" lang="en-US" sz="5400" spc="-1" strike="noStrike">
+          <a:bodyPr lIns="0" tIns="0" rIns="0" bIns="0"/>
+          <a:lstStyle/>
+          <a:p>
+            <a:endParaRPr lang="en-US" sz="5400" b="0" strike="noStrike" spc="-1">
               <a:solidFill>
                 <a:srgbClr val="000000"/>
               </a:solidFill>
               <a:uFill>
                 <a:solidFill>
-                  <a:srgbClr val="ffffff"/>
+                  <a:srgbClr val="FFFFFF"/>
                 </a:solidFill>
               </a:uFill>
               <a:latin typeface="Arial"/>
@@ -1087,15 +1428,16 @@
           </a:prstGeom>
         </p:spPr>
         <p:txBody>
-          <a:bodyPr lIns="0" rIns="0" tIns="0" bIns="0"/>
-          <a:p>
-            <a:endParaRPr b="0" lang="en-US" sz="5400" spc="-1" strike="noStrike">
+          <a:bodyPr lIns="0" tIns="0" rIns="0" bIns="0"/>
+          <a:lstStyle/>
+          <a:p>
+            <a:endParaRPr lang="en-US" sz="5400" b="0" strike="noStrike" spc="-1">
               <a:solidFill>
                 <a:srgbClr val="000000"/>
               </a:solidFill>
               <a:uFill>
                 <a:solidFill>
-                  <a:srgbClr val="ffffff"/>
+                  <a:srgbClr val="FFFFFF"/>
                 </a:solidFill>
               </a:uFill>
               <a:latin typeface="Arial"/>
@@ -1123,15 +1465,16 @@
           </a:prstGeom>
         </p:spPr>
         <p:txBody>
-          <a:bodyPr lIns="0" rIns="0" tIns="0" bIns="0"/>
-          <a:p>
-            <a:endParaRPr b="0" lang="en-US" sz="5400" spc="-1" strike="noStrike">
+          <a:bodyPr lIns="0" tIns="0" rIns="0" bIns="0"/>
+          <a:lstStyle/>
+          <a:p>
+            <a:endParaRPr lang="en-US" sz="5400" b="0" strike="noStrike" spc="-1">
               <a:solidFill>
                 <a:srgbClr val="000000"/>
               </a:solidFill>
               <a:uFill>
                 <a:solidFill>
-                  <a:srgbClr val="ffffff"/>
+                  <a:srgbClr val="FFFFFF"/>
                 </a:solidFill>
               </a:uFill>
               <a:latin typeface="Arial"/>
@@ -1141,11 +1484,14 @@
       </p:sp>
     </p:spTree>
   </p:cSld>
+  <p:clrMapOvr>
+    <a:masterClrMapping/>
+  </p:clrMapOvr>
 </p:sldLayout>
 </file>
 
 <file path=ppt/slideLayouts/slideLayout8.xml><?xml version="1.0" encoding="utf-8"?>
-<p:sldLayout xmlns:a="http://schemas.openxmlformats.org/drawingml/2006/main" xmlns:p="http://schemas.openxmlformats.org/presentationml/2006/main" xmlns:r="http://schemas.openxmlformats.org/officeDocument/2006/relationships" xmlns:p14="http://schemas.microsoft.com/office/powerpoint/2010/main" xmlns:p15="http://schemas.microsoft.com/office/powerpoint/2012/main" xmlns:mc="http://schemas.openxmlformats.org/markup-compatibility/2006" type="objAndTwoObj" preserve="1">
+<p:sldLayout xmlns:a="http://schemas.openxmlformats.org/drawingml/2006/main" xmlns:r="http://schemas.openxmlformats.org/officeDocument/2006/relationships" xmlns:p="http://schemas.openxmlformats.org/presentationml/2006/main" type="objAndTwoObj" preserve="1">
   <p:cSld name="Title Content and 2 Content">
     <p:spTree>
       <p:nvGrpSpPr>
@@ -1181,15 +1527,16 @@
           </a:prstGeom>
         </p:spPr>
         <p:txBody>
-          <a:bodyPr lIns="0" rIns="0" tIns="0" bIns="0" anchor="ctr"/>
-          <a:p>
-            <a:endParaRPr b="0" lang="en-US" sz="7400" spc="-1" strike="noStrike">
+          <a:bodyPr lIns="0" tIns="0" rIns="0" bIns="0" anchor="ctr"/>
+          <a:lstStyle/>
+          <a:p>
+            <a:endParaRPr lang="en-US" sz="7400" b="0" strike="noStrike" spc="-1">
               <a:solidFill>
                 <a:srgbClr val="000000"/>
               </a:solidFill>
               <a:uFill>
                 <a:solidFill>
-                  <a:srgbClr val="ffffff"/>
+                  <a:srgbClr val="FFFFFF"/>
                 </a:solidFill>
               </a:uFill>
               <a:latin typeface="Arial"/>
@@ -1217,15 +1564,16 @@
           </a:prstGeom>
         </p:spPr>
         <p:txBody>
-          <a:bodyPr lIns="0" rIns="0" tIns="0" bIns="0"/>
-          <a:p>
-            <a:endParaRPr b="0" lang="en-US" sz="5400" spc="-1" strike="noStrike">
+          <a:bodyPr lIns="0" tIns="0" rIns="0" bIns="0"/>
+          <a:lstStyle/>
+          <a:p>
+            <a:endParaRPr lang="en-US" sz="5400" b="0" strike="noStrike" spc="-1">
               <a:solidFill>
                 <a:srgbClr val="000000"/>
               </a:solidFill>
               <a:uFill>
                 <a:solidFill>
-                  <a:srgbClr val="ffffff"/>
+                  <a:srgbClr val="FFFFFF"/>
                 </a:solidFill>
               </a:uFill>
               <a:latin typeface="Arial"/>
@@ -1253,15 +1601,16 @@
           </a:prstGeom>
         </p:spPr>
         <p:txBody>
-          <a:bodyPr lIns="0" rIns="0" tIns="0" bIns="0"/>
-          <a:p>
-            <a:endParaRPr b="0" lang="en-US" sz="5400" spc="-1" strike="noStrike">
+          <a:bodyPr lIns="0" tIns="0" rIns="0" bIns="0"/>
+          <a:lstStyle/>
+          <a:p>
+            <a:endParaRPr lang="en-US" sz="5400" b="0" strike="noStrike" spc="-1">
               <a:solidFill>
                 <a:srgbClr val="000000"/>
               </a:solidFill>
               <a:uFill>
                 <a:solidFill>
-                  <a:srgbClr val="ffffff"/>
+                  <a:srgbClr val="FFFFFF"/>
                 </a:solidFill>
               </a:uFill>
               <a:latin typeface="Arial"/>
@@ -1289,15 +1638,16 @@
           </a:prstGeom>
         </p:spPr>
         <p:txBody>
-          <a:bodyPr lIns="0" rIns="0" tIns="0" bIns="0"/>
-          <a:p>
-            <a:endParaRPr b="0" lang="en-US" sz="5400" spc="-1" strike="noStrike">
+          <a:bodyPr lIns="0" tIns="0" rIns="0" bIns="0"/>
+          <a:lstStyle/>
+          <a:p>
+            <a:endParaRPr lang="en-US" sz="5400" b="0" strike="noStrike" spc="-1">
               <a:solidFill>
                 <a:srgbClr val="000000"/>
               </a:solidFill>
               <a:uFill>
                 <a:solidFill>
-                  <a:srgbClr val="ffffff"/>
+                  <a:srgbClr val="FFFFFF"/>
                 </a:solidFill>
               </a:uFill>
               <a:latin typeface="Arial"/>
@@ -1307,11 +1657,14 @@
       </p:sp>
     </p:spTree>
   </p:cSld>
+  <p:clrMapOvr>
+    <a:masterClrMapping/>
+  </p:clrMapOvr>
 </p:sldLayout>
 </file>
 
 <file path=ppt/slideLayouts/slideLayout9.xml><?xml version="1.0" encoding="utf-8"?>
-<p:sldLayout xmlns:a="http://schemas.openxmlformats.org/drawingml/2006/main" xmlns:p="http://schemas.openxmlformats.org/presentationml/2006/main" xmlns:r="http://schemas.openxmlformats.org/officeDocument/2006/relationships" xmlns:p14="http://schemas.microsoft.com/office/powerpoint/2010/main" xmlns:p15="http://schemas.microsoft.com/office/powerpoint/2012/main" xmlns:mc="http://schemas.openxmlformats.org/markup-compatibility/2006" type="twoObjOverTx" preserve="1">
+<p:sldLayout xmlns:a="http://schemas.openxmlformats.org/drawingml/2006/main" xmlns:r="http://schemas.openxmlformats.org/officeDocument/2006/relationships" xmlns:p="http://schemas.openxmlformats.org/presentationml/2006/main" type="twoObjOverTx" preserve="1">
   <p:cSld name="Title, 2 Content over Content">
     <p:spTree>
       <p:nvGrpSpPr>
@@ -1347,15 +1700,16 @@
           </a:prstGeom>
         </p:spPr>
         <p:txBody>
-          <a:bodyPr lIns="0" rIns="0" tIns="0" bIns="0" anchor="ctr"/>
-          <a:p>
-            <a:endParaRPr b="0" lang="en-US" sz="7400" spc="-1" strike="noStrike">
+          <a:bodyPr lIns="0" tIns="0" rIns="0" bIns="0" anchor="ctr"/>
+          <a:lstStyle/>
+          <a:p>
+            <a:endParaRPr lang="en-US" sz="7400" b="0" strike="noStrike" spc="-1">
               <a:solidFill>
                 <a:srgbClr val="000000"/>
               </a:solidFill>
               <a:uFill>
                 <a:solidFill>
-                  <a:srgbClr val="ffffff"/>
+                  <a:srgbClr val="FFFFFF"/>
                 </a:solidFill>
               </a:uFill>
               <a:latin typeface="Arial"/>
@@ -1383,15 +1737,16 @@
           </a:prstGeom>
         </p:spPr>
         <p:txBody>
-          <a:bodyPr lIns="0" rIns="0" tIns="0" bIns="0"/>
-          <a:p>
-            <a:endParaRPr b="0" lang="en-US" sz="5400" spc="-1" strike="noStrike">
+          <a:bodyPr lIns="0" tIns="0" rIns="0" bIns="0"/>
+          <a:lstStyle/>
+          <a:p>
+            <a:endParaRPr lang="en-US" sz="5400" b="0" strike="noStrike" spc="-1">
               <a:solidFill>
                 <a:srgbClr val="000000"/>
               </a:solidFill>
               <a:uFill>
                 <a:solidFill>
-                  <a:srgbClr val="ffffff"/>
+                  <a:srgbClr val="FFFFFF"/>
                 </a:solidFill>
               </a:uFill>
               <a:latin typeface="Arial"/>
@@ -1419,15 +1774,16 @@
           </a:prstGeom>
         </p:spPr>
         <p:txBody>
-          <a:bodyPr lIns="0" rIns="0" tIns="0" bIns="0"/>
-          <a:p>
-            <a:endParaRPr b="0" lang="en-US" sz="5400" spc="-1" strike="noStrike">
+          <a:bodyPr lIns="0" tIns="0" rIns="0" bIns="0"/>
+          <a:lstStyle/>
+          <a:p>
+            <a:endParaRPr lang="en-US" sz="5400" b="0" strike="noStrike" spc="-1">
               <a:solidFill>
                 <a:srgbClr val="000000"/>
               </a:solidFill>
               <a:uFill>
                 <a:solidFill>
-                  <a:srgbClr val="ffffff"/>
+                  <a:srgbClr val="FFFFFF"/>
                 </a:solidFill>
               </a:uFill>
               <a:latin typeface="Arial"/>
@@ -1455,15 +1811,16 @@
           </a:prstGeom>
         </p:spPr>
         <p:txBody>
-          <a:bodyPr lIns="0" rIns="0" tIns="0" bIns="0"/>
-          <a:p>
-            <a:endParaRPr b="0" lang="en-US" sz="5400" spc="-1" strike="noStrike">
+          <a:bodyPr lIns="0" tIns="0" rIns="0" bIns="0"/>
+          <a:lstStyle/>
+          <a:p>
+            <a:endParaRPr lang="en-US" sz="5400" b="0" strike="noStrike" spc="-1">
               <a:solidFill>
                 <a:srgbClr val="000000"/>
               </a:solidFill>
               <a:uFill>
                 <a:solidFill>
-                  <a:srgbClr val="ffffff"/>
+                  <a:srgbClr val="FFFFFF"/>
                 </a:solidFill>
               </a:uFill>
               <a:latin typeface="Arial"/>
@@ -1473,17 +1830,21 @@
       </p:sp>
     </p:spTree>
   </p:cSld>
+  <p:clrMapOvr>
+    <a:masterClrMapping/>
+  </p:clrMapOvr>
 </p:sldLayout>
 </file>
 
 <file path=ppt/slideMasters/slideMaster1.xml><?xml version="1.0" encoding="utf-8"?>
-<p:sldMaster xmlns:a="http://schemas.openxmlformats.org/drawingml/2006/main" xmlns:p="http://schemas.openxmlformats.org/presentationml/2006/main" xmlns:r="http://schemas.openxmlformats.org/officeDocument/2006/relationships" xmlns:p14="http://schemas.microsoft.com/office/powerpoint/2010/main" xmlns:p15="http://schemas.microsoft.com/office/powerpoint/2012/main" xmlns:mc="http://schemas.openxmlformats.org/markup-compatibility/2006">
+<p:sldMaster xmlns:a="http://schemas.openxmlformats.org/drawingml/2006/main" xmlns:r="http://schemas.openxmlformats.org/officeDocument/2006/relationships" xmlns:p="http://schemas.openxmlformats.org/presentationml/2006/main">
   <p:cSld>
     <p:bg>
       <p:bgPr>
         <a:solidFill>
-          <a:srgbClr val="ffffff"/>
+          <a:srgbClr val="FFFFFF"/>
         </a:solidFill>
+        <a:effectLst/>
       </p:bgPr>
     </p:bg>
     <p:spTree>
@@ -1502,7 +1863,7 @@
       </p:grpSpPr>
       <p:sp>
         <p:nvSpPr>
-          <p:cNvPr id="0" name="PlaceHolder 1"/>
+          <p:cNvPr id="4" name="PlaceHolder 1"/>
           <p:cNvSpPr>
             <a:spLocks noGrp="1"/>
           </p:cNvSpPr>
@@ -1520,7 +1881,8 @@
           </a:prstGeom>
         </p:spPr>
         <p:txBody>
-          <a:bodyPr lIns="90000" rIns="90000" tIns="45000" bIns="45000"/>
+          <a:bodyPr lIns="90000" tIns="45000" rIns="90000" bIns="45000"/>
+          <a:lstStyle/>
           <a:p>
             <a:pPr algn="ctr">
               <a:lnSpc>
@@ -1528,87 +1890,27 @@
               </a:lnSpc>
             </a:pPr>
             <a:r>
-              <a:rPr b="0" lang="en-US" sz="18100" spc="-1" strike="noStrike">
-                <a:solidFill>
-                  <a:srgbClr val="263b86"/>
+              <a:rPr lang="en-US" sz="18100" b="0" strike="noStrike" spc="-1">
+                <a:solidFill>
+                  <a:srgbClr val="263B86"/>
                 </a:solidFill>
                 <a:uFill>
                   <a:solidFill>
-                    <a:srgbClr val="ffffff"/>
+                    <a:srgbClr val="FFFFFF"/>
                   </a:solidFill>
                 </a:uFill>
                 <a:latin typeface="Arial"/>
                 <a:ea typeface="ＭＳ Ｐゴシック"/>
               </a:rPr>
-              <a:t>Click </a:t>
+              <a:t>Click to edit Master title style</a:t>
             </a:r>
-            <a:r>
-              <a:rPr b="0" lang="en-US" sz="18100" spc="-1" strike="noStrike">
-                <a:solidFill>
-                  <a:srgbClr val="263b86"/>
-                </a:solidFill>
-                <a:uFill>
-                  <a:solidFill>
-                    <a:srgbClr val="ffffff"/>
-                  </a:solidFill>
-                </a:uFill>
-                <a:latin typeface="Arial"/>
-                <a:ea typeface="ＭＳ Ｐゴシック"/>
-              </a:rPr>
-              <a:t>to edit </a:t>
-            </a:r>
-            <a:r>
-              <a:rPr b="0" lang="en-US" sz="18100" spc="-1" strike="noStrike">
-                <a:solidFill>
-                  <a:srgbClr val="263b86"/>
-                </a:solidFill>
-                <a:uFill>
-                  <a:solidFill>
-                    <a:srgbClr val="ffffff"/>
-                  </a:solidFill>
-                </a:uFill>
-                <a:latin typeface="Arial"/>
-                <a:ea typeface="ＭＳ Ｐゴシック"/>
-              </a:rPr>
-              <a:t>Maste</a:t>
-            </a:r>
-            <a:r>
-              <a:rPr b="0" lang="en-US" sz="18100" spc="-1" strike="noStrike">
-                <a:solidFill>
-                  <a:srgbClr val="263b86"/>
-                </a:solidFill>
-                <a:uFill>
-                  <a:solidFill>
-                    <a:srgbClr val="ffffff"/>
-                  </a:solidFill>
-                </a:uFill>
-                <a:latin typeface="Arial"/>
-                <a:ea typeface="ＭＳ Ｐゴシック"/>
-              </a:rPr>
-              <a:t>r title </a:t>
-            </a:r>
-            <a:r>
-              <a:rPr b="0" lang="en-US" sz="18100" spc="-1" strike="noStrike">
-                <a:solidFill>
-                  <a:srgbClr val="263b86"/>
-                </a:solidFill>
-                <a:uFill>
-                  <a:solidFill>
-                    <a:srgbClr val="ffffff"/>
-                  </a:solidFill>
-                </a:uFill>
-                <a:latin typeface="Arial"/>
-                <a:ea typeface="ＭＳ Ｐゴシック"/>
-              </a:rPr>
-              <a:t>style</a:t>
-            </a:r>
-            <a:endParaRPr b="0" lang="en-US" sz="7400" spc="-1" strike="noStrike">
+            <a:endParaRPr lang="en-US" sz="7400" b="0" strike="noStrike" spc="-1">
               <a:solidFill>
                 <a:srgbClr val="000000"/>
               </a:solidFill>
               <a:uFill>
                 <a:solidFill>
-                  <a:srgbClr val="ffffff"/>
+                  <a:srgbClr val="FFFFFF"/>
                 </a:solidFill>
               </a:uFill>
               <a:latin typeface="Arial"/>
@@ -1618,7 +1920,7 @@
       </p:sp>
       <p:sp>
         <p:nvSpPr>
-          <p:cNvPr id="1" name="PlaceHolder 2"/>
+          <p:cNvPr id="5" name="PlaceHolder 2"/>
           <p:cNvSpPr>
             <a:spLocks noGrp="1"/>
           </p:cNvSpPr>
@@ -1637,14 +1939,15 @@
         </p:spPr>
         <p:txBody>
           <a:bodyPr/>
-          <a:p>
-            <a:endParaRPr b="0" lang="en-US" sz="2400" spc="-1" strike="noStrike">
+          <a:lstStyle/>
+          <a:p>
+            <a:endParaRPr lang="en-US" sz="2400" b="0" strike="noStrike" spc="-1">
               <a:solidFill>
                 <a:srgbClr val="000000"/>
               </a:solidFill>
               <a:uFill>
                 <a:solidFill>
-                  <a:srgbClr val="ffffff"/>
+                  <a:srgbClr val="FFFFFF"/>
                 </a:solidFill>
               </a:uFill>
               <a:latin typeface="Times New Roman"/>
@@ -1673,14 +1976,15 @@
         </p:spPr>
         <p:txBody>
           <a:bodyPr/>
-          <a:p>
-            <a:endParaRPr b="0" lang="en-US" sz="2400" spc="-1" strike="noStrike">
+          <a:lstStyle/>
+          <a:p>
+            <a:endParaRPr lang="en-US" sz="2400" b="0" strike="noStrike" spc="-1">
               <a:solidFill>
                 <a:srgbClr val="000000"/>
               </a:solidFill>
               <a:uFill>
                 <a:solidFill>
-                  <a:srgbClr val="ffffff"/>
+                  <a:srgbClr val="FFFFFF"/>
                 </a:solidFill>
               </a:uFill>
               <a:latin typeface="Times New Roman"/>
@@ -1709,6 +2013,7 @@
         </p:spPr>
         <p:txBody>
           <a:bodyPr/>
+          <a:lstStyle/>
           <a:p>
             <a:pPr>
               <a:lnSpc>
@@ -1716,27 +2021,27 @@
               </a:lnSpc>
             </a:pPr>
             <a:fld id="{BEB33070-6E7C-466D-B25E-C892CA63D65F}" type="slidenum">
-              <a:rPr b="0" lang="en-US" sz="7400" spc="-1" strike="noStrike">
+              <a:rPr lang="en-US" sz="7400" b="0" strike="noStrike" spc="-1">
                 <a:solidFill>
                   <a:srgbClr val="000000"/>
                 </a:solidFill>
                 <a:uFill>
                   <a:solidFill>
-                    <a:srgbClr val="ffffff"/>
+                    <a:srgbClr val="FFFFFF"/>
                   </a:solidFill>
                 </a:uFill>
                 <a:latin typeface="Arial"/>
                 <a:ea typeface="ＭＳ Ｐゴシック"/>
               </a:rPr>
-              <a:t>&lt;number&gt;</a:t>
+              <a:t>‹#›</a:t>
             </a:fld>
-            <a:endParaRPr b="0" lang="en-US" sz="1400" spc="-1" strike="noStrike">
+            <a:endParaRPr lang="en-US" sz="1400" b="0" strike="noStrike" spc="-1">
               <a:solidFill>
                 <a:srgbClr val="000000"/>
               </a:solidFill>
               <a:uFill>
                 <a:solidFill>
-                  <a:srgbClr val="ffffff"/>
+                  <a:srgbClr val="FFFFFF"/>
                 </a:solidFill>
               </a:uFill>
               <a:latin typeface="Times New Roman"/>
@@ -1746,26 +2051,306 @@
       </p:sp>
     </p:spTree>
   </p:cSld>
-  <p:clrMap bg1="lt1" bg2="lt2" tx1="dk1" tx2="dk2" accent1="accent1" accent2="accent2" accent3="accent3" accent4="accent4" accent5="accent5" accent6="accent6" hlink="hlink" folHlink="folHlink"/>
+  <p:clrMap bg1="lt1" tx1="dk1" bg2="lt2" tx2="dk2" accent1="accent1" accent2="accent2" accent3="accent3" accent4="accent4" accent5="accent5" accent6="accent6" hlink="hlink" folHlink="folHlink"/>
   <p:sldLayoutIdLst>
-    <p:sldLayoutId id="2147483649" r:id="rId2"/>
-    <p:sldLayoutId id="2147483650" r:id="rId3"/>
-    <p:sldLayoutId id="2147483651" r:id="rId4"/>
-    <p:sldLayoutId id="2147483652" r:id="rId5"/>
-    <p:sldLayoutId id="2147483653" r:id="rId6"/>
-    <p:sldLayoutId id="2147483654" r:id="rId7"/>
-    <p:sldLayoutId id="2147483655" r:id="rId8"/>
-    <p:sldLayoutId id="2147483656" r:id="rId9"/>
-    <p:sldLayoutId id="2147483657" r:id="rId10"/>
-    <p:sldLayoutId id="2147483658" r:id="rId11"/>
-    <p:sldLayoutId id="2147483659" r:id="rId12"/>
-    <p:sldLayoutId id="2147483660" r:id="rId13"/>
+    <p:sldLayoutId id="2147483649" r:id="rId1"/>
+    <p:sldLayoutId id="2147483650" r:id="rId2"/>
+    <p:sldLayoutId id="2147483651" r:id="rId3"/>
+    <p:sldLayoutId id="2147483652" r:id="rId4"/>
+    <p:sldLayoutId id="2147483653" r:id="rId5"/>
+    <p:sldLayoutId id="2147483654" r:id="rId6"/>
+    <p:sldLayoutId id="2147483655" r:id="rId7"/>
+    <p:sldLayoutId id="2147483656" r:id="rId8"/>
+    <p:sldLayoutId id="2147483657" r:id="rId9"/>
+    <p:sldLayoutId id="2147483658" r:id="rId10"/>
+    <p:sldLayoutId id="2147483659" r:id="rId11"/>
+    <p:sldLayoutId id="2147483660" r:id="rId12"/>
   </p:sldLayoutIdLst>
+  <p:txStyles>
+    <p:titleStyle>
+      <a:lvl1pPr algn="l" defTabSz="914400" rtl="0" eaLnBrk="1" latinLnBrk="0" hangingPunct="1">
+        <a:lnSpc>
+          <a:spcPct val="90000"/>
+        </a:lnSpc>
+        <a:spcBef>
+          <a:spcPct val="0"/>
+        </a:spcBef>
+        <a:buNone/>
+        <a:defRPr sz="4400" kern="1200">
+          <a:solidFill>
+            <a:schemeClr val="tx1"/>
+          </a:solidFill>
+          <a:latin typeface="+mj-lt"/>
+          <a:ea typeface="+mj-ea"/>
+          <a:cs typeface="+mj-cs"/>
+        </a:defRPr>
+      </a:lvl1pPr>
+    </p:titleStyle>
+    <p:bodyStyle>
+      <a:lvl1pPr marL="228600" indent="-228600" algn="l" defTabSz="914400" rtl="0" eaLnBrk="1" latinLnBrk="0" hangingPunct="1">
+        <a:lnSpc>
+          <a:spcPct val="90000"/>
+        </a:lnSpc>
+        <a:spcBef>
+          <a:spcPts val="1000"/>
+        </a:spcBef>
+        <a:buFont typeface="Arial" panose="020B0604020202020204" pitchFamily="34" charset="0"/>
+        <a:buChar char="•"/>
+        <a:defRPr sz="2800" kern="1200">
+          <a:solidFill>
+            <a:schemeClr val="tx1"/>
+          </a:solidFill>
+          <a:latin typeface="+mn-lt"/>
+          <a:ea typeface="+mn-ea"/>
+          <a:cs typeface="+mn-cs"/>
+        </a:defRPr>
+      </a:lvl1pPr>
+      <a:lvl2pPr marL="685800" indent="-228600" algn="l" defTabSz="914400" rtl="0" eaLnBrk="1" latinLnBrk="0" hangingPunct="1">
+        <a:lnSpc>
+          <a:spcPct val="90000"/>
+        </a:lnSpc>
+        <a:spcBef>
+          <a:spcPts val="500"/>
+        </a:spcBef>
+        <a:buFont typeface="Arial" panose="020B0604020202020204" pitchFamily="34" charset="0"/>
+        <a:buChar char="•"/>
+        <a:defRPr sz="2400" kern="1200">
+          <a:solidFill>
+            <a:schemeClr val="tx1"/>
+          </a:solidFill>
+          <a:latin typeface="+mn-lt"/>
+          <a:ea typeface="+mn-ea"/>
+          <a:cs typeface="+mn-cs"/>
+        </a:defRPr>
+      </a:lvl2pPr>
+      <a:lvl3pPr marL="1143000" indent="-228600" algn="l" defTabSz="914400" rtl="0" eaLnBrk="1" latinLnBrk="0" hangingPunct="1">
+        <a:lnSpc>
+          <a:spcPct val="90000"/>
+        </a:lnSpc>
+        <a:spcBef>
+          <a:spcPts val="500"/>
+        </a:spcBef>
+        <a:buFont typeface="Arial" panose="020B0604020202020204" pitchFamily="34" charset="0"/>
+        <a:buChar char="•"/>
+        <a:defRPr sz="2000" kern="1200">
+          <a:solidFill>
+            <a:schemeClr val="tx1"/>
+          </a:solidFill>
+          <a:latin typeface="+mn-lt"/>
+          <a:ea typeface="+mn-ea"/>
+          <a:cs typeface="+mn-cs"/>
+        </a:defRPr>
+      </a:lvl3pPr>
+      <a:lvl4pPr marL="1600200" indent="-228600" algn="l" defTabSz="914400" rtl="0" eaLnBrk="1" latinLnBrk="0" hangingPunct="1">
+        <a:lnSpc>
+          <a:spcPct val="90000"/>
+        </a:lnSpc>
+        <a:spcBef>
+          <a:spcPts val="500"/>
+        </a:spcBef>
+        <a:buFont typeface="Arial" panose="020B0604020202020204" pitchFamily="34" charset="0"/>
+        <a:buChar char="•"/>
+        <a:defRPr sz="1800" kern="1200">
+          <a:solidFill>
+            <a:schemeClr val="tx1"/>
+          </a:solidFill>
+          <a:latin typeface="+mn-lt"/>
+          <a:ea typeface="+mn-ea"/>
+          <a:cs typeface="+mn-cs"/>
+        </a:defRPr>
+      </a:lvl4pPr>
+      <a:lvl5pPr marL="2057400" indent="-228600" algn="l" defTabSz="914400" rtl="0" eaLnBrk="1" latinLnBrk="0" hangingPunct="1">
+        <a:lnSpc>
+          <a:spcPct val="90000"/>
+        </a:lnSpc>
+        <a:spcBef>
+          <a:spcPts val="500"/>
+        </a:spcBef>
+        <a:buFont typeface="Arial" panose="020B0604020202020204" pitchFamily="34" charset="0"/>
+        <a:buChar char="•"/>
+        <a:defRPr sz="1800" kern="1200">
+          <a:solidFill>
+            <a:schemeClr val="tx1"/>
+          </a:solidFill>
+          <a:latin typeface="+mn-lt"/>
+          <a:ea typeface="+mn-ea"/>
+          <a:cs typeface="+mn-cs"/>
+        </a:defRPr>
+      </a:lvl5pPr>
+      <a:lvl6pPr marL="2514600" indent="-228600" algn="l" defTabSz="914400" rtl="0" eaLnBrk="1" latinLnBrk="0" hangingPunct="1">
+        <a:lnSpc>
+          <a:spcPct val="90000"/>
+        </a:lnSpc>
+        <a:spcBef>
+          <a:spcPts val="500"/>
+        </a:spcBef>
+        <a:buFont typeface="Arial" panose="020B0604020202020204" pitchFamily="34" charset="0"/>
+        <a:buChar char="•"/>
+        <a:defRPr sz="1800" kern="1200">
+          <a:solidFill>
+            <a:schemeClr val="tx1"/>
+          </a:solidFill>
+          <a:latin typeface="+mn-lt"/>
+          <a:ea typeface="+mn-ea"/>
+          <a:cs typeface="+mn-cs"/>
+        </a:defRPr>
+      </a:lvl6pPr>
+      <a:lvl7pPr marL="2971800" indent="-228600" algn="l" defTabSz="914400" rtl="0" eaLnBrk="1" latinLnBrk="0" hangingPunct="1">
+        <a:lnSpc>
+          <a:spcPct val="90000"/>
+        </a:lnSpc>
+        <a:spcBef>
+          <a:spcPts val="500"/>
+        </a:spcBef>
+        <a:buFont typeface="Arial" panose="020B0604020202020204" pitchFamily="34" charset="0"/>
+        <a:buChar char="•"/>
+        <a:defRPr sz="1800" kern="1200">
+          <a:solidFill>
+            <a:schemeClr val="tx1"/>
+          </a:solidFill>
+          <a:latin typeface="+mn-lt"/>
+          <a:ea typeface="+mn-ea"/>
+          <a:cs typeface="+mn-cs"/>
+        </a:defRPr>
+      </a:lvl7pPr>
+      <a:lvl8pPr marL="3429000" indent="-228600" algn="l" defTabSz="914400" rtl="0" eaLnBrk="1" latinLnBrk="0" hangingPunct="1">
+        <a:lnSpc>
+          <a:spcPct val="90000"/>
+        </a:lnSpc>
+        <a:spcBef>
+          <a:spcPts val="500"/>
+        </a:spcBef>
+        <a:buFont typeface="Arial" panose="020B0604020202020204" pitchFamily="34" charset="0"/>
+        <a:buChar char="•"/>
+        <a:defRPr sz="1800" kern="1200">
+          <a:solidFill>
+            <a:schemeClr val="tx1"/>
+          </a:solidFill>
+          <a:latin typeface="+mn-lt"/>
+          <a:ea typeface="+mn-ea"/>
+          <a:cs typeface="+mn-cs"/>
+        </a:defRPr>
+      </a:lvl8pPr>
+      <a:lvl9pPr marL="3886200" indent="-228600" algn="l" defTabSz="914400" rtl="0" eaLnBrk="1" latinLnBrk="0" hangingPunct="1">
+        <a:lnSpc>
+          <a:spcPct val="90000"/>
+        </a:lnSpc>
+        <a:spcBef>
+          <a:spcPts val="500"/>
+        </a:spcBef>
+        <a:buFont typeface="Arial" panose="020B0604020202020204" pitchFamily="34" charset="0"/>
+        <a:buChar char="•"/>
+        <a:defRPr sz="1800" kern="1200">
+          <a:solidFill>
+            <a:schemeClr val="tx1"/>
+          </a:solidFill>
+          <a:latin typeface="+mn-lt"/>
+          <a:ea typeface="+mn-ea"/>
+          <a:cs typeface="+mn-cs"/>
+        </a:defRPr>
+      </a:lvl9pPr>
+    </p:bodyStyle>
+    <p:otherStyle>
+      <a:defPPr>
+        <a:defRPr lang="en-US"/>
+      </a:defPPr>
+      <a:lvl1pPr marL="0" algn="l" defTabSz="914400" rtl="0" eaLnBrk="1" latinLnBrk="0" hangingPunct="1">
+        <a:defRPr sz="1800" kern="1200">
+          <a:solidFill>
+            <a:schemeClr val="tx1"/>
+          </a:solidFill>
+          <a:latin typeface="+mn-lt"/>
+          <a:ea typeface="+mn-ea"/>
+          <a:cs typeface="+mn-cs"/>
+        </a:defRPr>
+      </a:lvl1pPr>
+      <a:lvl2pPr marL="457200" algn="l" defTabSz="914400" rtl="0" eaLnBrk="1" latinLnBrk="0" hangingPunct="1">
+        <a:defRPr sz="1800" kern="1200">
+          <a:solidFill>
+            <a:schemeClr val="tx1"/>
+          </a:solidFill>
+          <a:latin typeface="+mn-lt"/>
+          <a:ea typeface="+mn-ea"/>
+          <a:cs typeface="+mn-cs"/>
+        </a:defRPr>
+      </a:lvl2pPr>
+      <a:lvl3pPr marL="914400" algn="l" defTabSz="914400" rtl="0" eaLnBrk="1" latinLnBrk="0" hangingPunct="1">
+        <a:defRPr sz="1800" kern="1200">
+          <a:solidFill>
+            <a:schemeClr val="tx1"/>
+          </a:solidFill>
+          <a:latin typeface="+mn-lt"/>
+          <a:ea typeface="+mn-ea"/>
+          <a:cs typeface="+mn-cs"/>
+        </a:defRPr>
+      </a:lvl3pPr>
+      <a:lvl4pPr marL="1371600" algn="l" defTabSz="914400" rtl="0" eaLnBrk="1" latinLnBrk="0" hangingPunct="1">
+        <a:defRPr sz="1800" kern="1200">
+          <a:solidFill>
+            <a:schemeClr val="tx1"/>
+          </a:solidFill>
+          <a:latin typeface="+mn-lt"/>
+          <a:ea typeface="+mn-ea"/>
+          <a:cs typeface="+mn-cs"/>
+        </a:defRPr>
+      </a:lvl4pPr>
+      <a:lvl5pPr marL="1828800" algn="l" defTabSz="914400" rtl="0" eaLnBrk="1" latinLnBrk="0" hangingPunct="1">
+        <a:defRPr sz="1800" kern="1200">
+          <a:solidFill>
+            <a:schemeClr val="tx1"/>
+          </a:solidFill>
+          <a:latin typeface="+mn-lt"/>
+          <a:ea typeface="+mn-ea"/>
+          <a:cs typeface="+mn-cs"/>
+        </a:defRPr>
+      </a:lvl5pPr>
+      <a:lvl6pPr marL="2286000" algn="l" defTabSz="914400" rtl="0" eaLnBrk="1" latinLnBrk="0" hangingPunct="1">
+        <a:defRPr sz="1800" kern="1200">
+          <a:solidFill>
+            <a:schemeClr val="tx1"/>
+          </a:solidFill>
+          <a:latin typeface="+mn-lt"/>
+          <a:ea typeface="+mn-ea"/>
+          <a:cs typeface="+mn-cs"/>
+        </a:defRPr>
+      </a:lvl6pPr>
+      <a:lvl7pPr marL="2743200" algn="l" defTabSz="914400" rtl="0" eaLnBrk="1" latinLnBrk="0" hangingPunct="1">
+        <a:defRPr sz="1800" kern="1200">
+          <a:solidFill>
+            <a:schemeClr val="tx1"/>
+          </a:solidFill>
+          <a:latin typeface="+mn-lt"/>
+          <a:ea typeface="+mn-ea"/>
+          <a:cs typeface="+mn-cs"/>
+        </a:defRPr>
+      </a:lvl7pPr>
+      <a:lvl8pPr marL="3200400" algn="l" defTabSz="914400" rtl="0" eaLnBrk="1" latinLnBrk="0" hangingPunct="1">
+        <a:defRPr sz="1800" kern="1200">
+          <a:solidFill>
+            <a:schemeClr val="tx1"/>
+          </a:solidFill>
+          <a:latin typeface="+mn-lt"/>
+          <a:ea typeface="+mn-ea"/>
+          <a:cs typeface="+mn-cs"/>
+        </a:defRPr>
+      </a:lvl8pPr>
+      <a:lvl9pPr marL="3657600" algn="l" defTabSz="914400" rtl="0" eaLnBrk="1" latinLnBrk="0" hangingPunct="1">
+        <a:defRPr sz="1800" kern="1200">
+          <a:solidFill>
+            <a:schemeClr val="tx1"/>
+          </a:solidFill>
+          <a:latin typeface="+mn-lt"/>
+          <a:ea typeface="+mn-ea"/>
+          <a:cs typeface="+mn-cs"/>
+        </a:defRPr>
+      </a:lvl9pPr>
+    </p:otherStyle>
+  </p:txStyles>
 </p:sldMaster>
 </file>
 
 <file path=ppt/slides/slide1.xml><?xml version="1.0" encoding="utf-8"?>
-<p:sld xmlns:a="http://schemas.openxmlformats.org/drawingml/2006/main" xmlns:p="http://schemas.openxmlformats.org/presentationml/2006/main" xmlns:r="http://schemas.openxmlformats.org/officeDocument/2006/relationships" xmlns:p14="http://schemas.microsoft.com/office/powerpoint/2010/main" xmlns:p15="http://schemas.microsoft.com/office/powerpoint/2012/main" xmlns:mc="http://schemas.openxmlformats.org/markup-compatibility/2006">
+<p:sld xmlns:a="http://schemas.openxmlformats.org/drawingml/2006/main" xmlns:r="http://schemas.openxmlformats.org/officeDocument/2006/relationships" xmlns:p="http://schemas.openxmlformats.org/presentationml/2006/main">
   <p:cSld>
     <p:spTree>
       <p:nvGrpSpPr>
@@ -1789,7 +2374,7 @@
         </p:nvSpPr>
         <p:spPr>
           <a:xfrm>
-            <a:off x="-914400" y="0"/>
+            <a:off x="-723900" y="0"/>
             <a:ext cx="36575640" cy="1230840"/>
           </a:xfrm>
           <a:prstGeom prst="rect">
@@ -1801,9 +2386,15 @@
           </a:ln>
         </p:spPr>
         <p:style>
-          <a:lnRef idx="0"/>
-          <a:fillRef idx="0"/>
-          <a:effectRef idx="0"/>
+          <a:lnRef idx="0">
+            <a:scrgbClr r="0" g="0" b="0"/>
+          </a:lnRef>
+          <a:fillRef idx="0">
+            <a:scrgbClr r="0" g="0" b="0"/>
+          </a:fillRef>
+          <a:effectRef idx="0">
+            <a:scrgbClr r="0" g="0" b="0"/>
+          </a:effectRef>
           <a:fontRef idx="minor"/>
         </p:style>
       </p:sp>
@@ -1815,8 +2406,8 @@
         </p:nvSpPr>
         <p:spPr>
           <a:xfrm>
-            <a:off x="-914400" y="533520"/>
-            <a:ext cx="29260440" cy="3418200"/>
+            <a:off x="-914400" y="533519"/>
+            <a:ext cx="29260440" cy="2933581"/>
           </a:xfrm>
           <a:prstGeom prst="rect">
             <a:avLst/>
@@ -1827,27 +2418,30 @@
           </a:ln>
         </p:spPr>
         <p:style>
-          <a:lnRef idx="0"/>
-          <a:fillRef idx="0"/>
-          <a:effectRef idx="0"/>
+          <a:lnRef idx="0">
+            <a:scrgbClr r="0" g="0" b="0"/>
+          </a:lnRef>
+          <a:fillRef idx="0">
+            <a:scrgbClr r="0" g="0" b="0"/>
+          </a:fillRef>
+          <a:effectRef idx="0">
+            <a:scrgbClr r="0" g="0" b="0"/>
+          </a:effectRef>
           <a:fontRef idx="minor"/>
         </p:style>
         <p:txBody>
-          <a:bodyPr lIns="90000" rIns="90000" tIns="45000" bIns="45000"/>
-          <a:p>
-            <a:pPr algn="ctr">
-              <a:lnSpc>
-                <a:spcPct val="80000"/>
-              </a:lnSpc>
-            </a:pPr>
+          <a:bodyPr lIns="90000" tIns="45000" rIns="90000" bIns="45000"/>
+          <a:lstStyle/>
+          <a:p>
+            <a:pPr algn="ctr"/>
             <a:r>
-              <a:rPr b="1" lang="en-US" sz="7200" spc="-1" strike="noStrike">
-                <a:solidFill>
-                  <a:srgbClr val="be0204"/>
+              <a:rPr lang="en-US" sz="7200" b="1" strike="noStrike" spc="-1" dirty="0">
+                <a:solidFill>
+                  <a:srgbClr val="BE0204"/>
                 </a:solidFill>
                 <a:uFill>
                   <a:solidFill>
-                    <a:srgbClr val="ffffff"/>
+                    <a:srgbClr val="FFFFFF"/>
                   </a:solidFill>
                 </a:uFill>
                 <a:latin typeface="Arial"/>
@@ -1855,32 +2449,28 @@
               </a:rPr>
               <a:t>Basketball Retriever (Team B6)</a:t>
             </a:r>
-            <a:endParaRPr b="0" lang="en-US" sz="1800" spc="-1" strike="noStrike">
+            <a:endParaRPr lang="en-US" sz="1800" b="0" strike="noStrike" spc="-1" dirty="0">
               <a:solidFill>
                 <a:srgbClr val="000000"/>
               </a:solidFill>
               <a:uFill>
                 <a:solidFill>
-                  <a:srgbClr val="ffffff"/>
+                  <a:srgbClr val="FFFFFF"/>
                 </a:solidFill>
               </a:uFill>
               <a:latin typeface="Arial"/>
             </a:endParaRPr>
           </a:p>
           <a:p>
-            <a:pPr algn="ctr">
-              <a:lnSpc>
-                <a:spcPct val="60000"/>
-              </a:lnSpc>
-            </a:pPr>
+            <a:pPr algn="ctr"/>
             <a:r>
-              <a:rPr b="1" lang="en-US" sz="3600" spc="-1" strike="noStrike">
+              <a:rPr lang="en-US" sz="3600" b="1" strike="noStrike" spc="-1" dirty="0">
                 <a:solidFill>
                   <a:srgbClr val="000000"/>
                 </a:solidFill>
                 <a:uFill>
                   <a:solidFill>
-                    <a:srgbClr val="ffffff"/>
+                    <a:srgbClr val="FFFFFF"/>
                   </a:solidFill>
                 </a:uFill>
                 <a:latin typeface="Arial"/>
@@ -1888,32 +2478,28 @@
               </a:rPr>
               <a:t>Electrical and Computer Engineering Department</a:t>
             </a:r>
-            <a:endParaRPr b="0" lang="en-US" sz="1800" spc="-1" strike="noStrike">
+            <a:endParaRPr lang="en-US" sz="1800" b="0" strike="noStrike" spc="-1" dirty="0">
               <a:solidFill>
                 <a:srgbClr val="000000"/>
               </a:solidFill>
               <a:uFill>
                 <a:solidFill>
-                  <a:srgbClr val="ffffff"/>
+                  <a:srgbClr val="FFFFFF"/>
                 </a:solidFill>
               </a:uFill>
               <a:latin typeface="Arial"/>
             </a:endParaRPr>
           </a:p>
           <a:p>
-            <a:pPr algn="ctr">
-              <a:lnSpc>
-                <a:spcPct val="60000"/>
-              </a:lnSpc>
-            </a:pPr>
+            <a:pPr algn="ctr"/>
             <a:r>
-              <a:rPr b="1" lang="en-US" sz="3600" spc="-1" strike="noStrike">
+              <a:rPr lang="en-US" sz="3600" b="1" strike="noStrike" spc="-1" dirty="0">
                 <a:solidFill>
                   <a:srgbClr val="000000"/>
                 </a:solidFill>
                 <a:uFill>
                   <a:solidFill>
-                    <a:srgbClr val="ffffff"/>
+                    <a:srgbClr val="FFFFFF"/>
                   </a:solidFill>
                 </a:uFill>
                 <a:latin typeface="Arial"/>
@@ -1921,32 +2507,28 @@
               </a:rPr>
               <a:t>Carnegie Mellon University</a:t>
             </a:r>
-            <a:endParaRPr b="0" lang="en-US" sz="1800" spc="-1" strike="noStrike">
+            <a:endParaRPr lang="en-US" sz="1800" b="0" strike="noStrike" spc="-1" dirty="0">
               <a:solidFill>
                 <a:srgbClr val="000000"/>
               </a:solidFill>
               <a:uFill>
                 <a:solidFill>
-                  <a:srgbClr val="ffffff"/>
+                  <a:srgbClr val="FFFFFF"/>
                 </a:solidFill>
               </a:uFill>
               <a:latin typeface="Arial"/>
             </a:endParaRPr>
           </a:p>
           <a:p>
-            <a:pPr algn="ctr">
-              <a:lnSpc>
-                <a:spcPct val="60000"/>
-              </a:lnSpc>
-            </a:pPr>
+            <a:pPr algn="ctr"/>
             <a:r>
-              <a:rPr b="1" lang="en-US" sz="3600" spc="-1" strike="noStrike">
+              <a:rPr lang="en-US" sz="3600" b="1" strike="noStrike" spc="-1" dirty="0">
                 <a:solidFill>
                   <a:srgbClr val="000000"/>
                 </a:solidFill>
                 <a:uFill>
                   <a:solidFill>
-                    <a:srgbClr val="ffffff"/>
+                    <a:srgbClr val="FFFFFF"/>
                   </a:solidFill>
                 </a:uFill>
                 <a:latin typeface="Arial"/>
@@ -1954,46 +2536,72 @@
               </a:rPr>
               <a:t>Alvin Shi, Wayne Liu, Roy Li</a:t>
             </a:r>
-            <a:endParaRPr b="0" lang="en-US" sz="1800" spc="-1" strike="noStrike">
+            <a:endParaRPr lang="en-US" sz="1800" b="0" strike="noStrike" spc="-1" dirty="0">
               <a:solidFill>
                 <a:srgbClr val="000000"/>
               </a:solidFill>
               <a:uFill>
                 <a:solidFill>
-                  <a:srgbClr val="ffffff"/>
+                  <a:srgbClr val="FFFFFF"/>
                 </a:solidFill>
               </a:uFill>
               <a:latin typeface="Arial"/>
             </a:endParaRPr>
           </a:p>
           <a:p>
-            <a:pPr algn="ctr">
-              <a:lnSpc>
-                <a:spcPct val="60000"/>
-              </a:lnSpc>
-            </a:pPr>
+            <a:pPr algn="ctr"/>
             <a:r>
-              <a:rPr b="0" lang="en-US" sz="3600" spc="-1" strike="noStrike">
+              <a:rPr lang="en-US" sz="3600" b="0" strike="noStrike" spc="-1" dirty="0">
                 <a:solidFill>
                   <a:srgbClr val="000000"/>
                 </a:solidFill>
                 <a:uFill>
                   <a:solidFill>
-                    <a:srgbClr val="ffffff"/>
+                    <a:srgbClr val="FFFFFF"/>
                   </a:solidFill>
                 </a:uFill>
                 <a:latin typeface="Arial"/>
                 <a:ea typeface="ＭＳ Ｐゴシック"/>
               </a:rPr>
-              <a:t>{xiangs1, ruixuanl, tianqil1}@andrew.cmu.edu</a:t>
+              <a:t>{xiangs1, </a:t>
             </a:r>
-            <a:endParaRPr b="0" lang="en-US" sz="1800" spc="-1" strike="noStrike">
+            <a:r>
+              <a:rPr lang="en-US" sz="3600" b="0" strike="noStrike" spc="-1" dirty="0" err="1">
+                <a:solidFill>
+                  <a:srgbClr val="000000"/>
+                </a:solidFill>
+                <a:uFill>
+                  <a:solidFill>
+                    <a:srgbClr val="FFFFFF"/>
+                  </a:solidFill>
+                </a:uFill>
+                <a:latin typeface="Arial"/>
+                <a:ea typeface="ＭＳ Ｐゴシック"/>
+              </a:rPr>
+              <a:t>ruixuanl</a:t>
+            </a:r>
+            <a:r>
+              <a:rPr lang="en-US" sz="3600" b="0" strike="noStrike" spc="-1" dirty="0">
+                <a:solidFill>
+                  <a:srgbClr val="000000"/>
+                </a:solidFill>
+                <a:uFill>
+                  <a:solidFill>
+                    <a:srgbClr val="FFFFFF"/>
+                  </a:solidFill>
+                </a:uFill>
+                <a:latin typeface="Arial"/>
+                <a:ea typeface="ＭＳ Ｐゴシック"/>
+              </a:rPr>
+              <a:t>, tianqil1}@andrew.cmu.edu</a:t>
+            </a:r>
+            <a:endParaRPr lang="en-US" sz="1800" b="0" strike="noStrike" spc="-1" dirty="0">
               <a:solidFill>
                 <a:srgbClr val="000000"/>
               </a:solidFill>
               <a:uFill>
                 <a:solidFill>
-                  <a:srgbClr val="ffffff"/>
+                  <a:srgbClr val="FFFFFF"/>
                 </a:solidFill>
               </a:uFill>
               <a:latin typeface="Arial"/>
@@ -2003,43 +2611,19 @@
       </p:sp>
       <p:pic>
         <p:nvPicPr>
-          <p:cNvPr id="40" name="Picture 560" descr=""/>
-          <p:cNvPicPr/>
-          <p:nvPr/>
-        </p:nvPicPr>
-        <p:blipFill>
-          <a:blip r:embed="rId1"/>
-          <a:srcRect l="0" t="20213" r="0" b="20754"/>
-          <a:stretch/>
-        </p:blipFill>
-        <p:spPr>
-          <a:xfrm>
-            <a:off x="20878920" y="35046720"/>
-            <a:ext cx="6552720" cy="1396800"/>
-          </a:xfrm>
-          <a:prstGeom prst="rect">
-            <a:avLst/>
-          </a:prstGeom>
-          <a:ln>
-            <a:noFill/>
-          </a:ln>
-        </p:spPr>
-      </p:pic>
-      <p:pic>
-        <p:nvPicPr>
-          <p:cNvPr id="41" name="Picture 561" descr=""/>
+          <p:cNvPr id="40" name="Picture 560"/>
           <p:cNvPicPr/>
           <p:nvPr/>
         </p:nvPicPr>
         <p:blipFill>
           <a:blip r:embed="rId2"/>
-          <a:srcRect l="0" t="28527" r="0" b="24889"/>
+          <a:srcRect t="20213" b="20754"/>
           <a:stretch/>
         </p:blipFill>
         <p:spPr>
           <a:xfrm>
-            <a:off x="198000" y="35410320"/>
-            <a:ext cx="6476760" cy="1089000"/>
+            <a:off x="20878920" y="35046720"/>
+            <a:ext cx="6552720" cy="1396800"/>
           </a:xfrm>
           <a:prstGeom prst="rect">
             <a:avLst/>
@@ -2049,6 +2633,30 @@
           </a:ln>
         </p:spPr>
       </p:pic>
+      <p:pic>
+        <p:nvPicPr>
+          <p:cNvPr id="41" name="Picture 561"/>
+          <p:cNvPicPr/>
+          <p:nvPr/>
+        </p:nvPicPr>
+        <p:blipFill>
+          <a:blip r:embed="rId3"/>
+          <a:srcRect t="28527" b="24889"/>
+          <a:stretch/>
+        </p:blipFill>
+        <p:spPr>
+          <a:xfrm>
+            <a:off x="198000" y="35410320"/>
+            <a:ext cx="6476760" cy="1089000"/>
+          </a:xfrm>
+          <a:prstGeom prst="rect">
+            <a:avLst/>
+          </a:prstGeom>
+          <a:ln>
+            <a:noFill/>
+          </a:ln>
+        </p:spPr>
+      </p:pic>
       <p:sp>
         <p:nvSpPr>
           <p:cNvPr id="42" name="CustomShape 3"/>
@@ -2057,27 +2665,34 @@
         </p:nvSpPr>
         <p:spPr>
           <a:xfrm>
-            <a:off x="380880" y="5105520"/>
+            <a:off x="380880" y="5003920"/>
             <a:ext cx="13106160" cy="914040"/>
           </a:xfrm>
           <a:prstGeom prst="rect">
             <a:avLst/>
           </a:prstGeom>
           <a:solidFill>
-            <a:srgbClr val="a50021"/>
+            <a:srgbClr val="A50021"/>
           </a:solidFill>
           <a:ln>
             <a:noFill/>
           </a:ln>
         </p:spPr>
         <p:style>
-          <a:lnRef idx="0"/>
-          <a:fillRef idx="0"/>
-          <a:effectRef idx="0"/>
+          <a:lnRef idx="0">
+            <a:scrgbClr r="0" g="0" b="0"/>
+          </a:lnRef>
+          <a:fillRef idx="0">
+            <a:scrgbClr r="0" g="0" b="0"/>
+          </a:fillRef>
+          <a:effectRef idx="0">
+            <a:scrgbClr r="0" g="0" b="0"/>
+          </a:effectRef>
           <a:fontRef idx="minor"/>
         </p:style>
         <p:txBody>
-          <a:bodyPr lIns="182880" rIns="182880" tIns="45000" bIns="45000" anchor="ctr"/>
+          <a:bodyPr lIns="182880" tIns="45000" rIns="182880" bIns="45000" anchor="ctr"/>
+          <a:lstStyle/>
           <a:p>
             <a:pPr>
               <a:lnSpc>
@@ -2085,13 +2700,13 @@
               </a:lnSpc>
             </a:pPr>
             <a:r>
-              <a:rPr b="1" lang="en-US" sz="4800" spc="-1" strike="noStrike">
-                <a:solidFill>
-                  <a:srgbClr val="ffffff"/>
+              <a:rPr lang="en-US" sz="4800" b="1" strike="noStrike" spc="-1">
+                <a:solidFill>
+                  <a:srgbClr val="FFFFFF"/>
                 </a:solidFill>
                 <a:uFill>
                   <a:solidFill>
-                    <a:srgbClr val="ffffff"/>
+                    <a:srgbClr val="FFFFFF"/>
                   </a:solidFill>
                 </a:uFill>
                 <a:latin typeface="Arial"/>
@@ -2099,13 +2714,13 @@
               </a:rPr>
               <a:t>Overview</a:t>
             </a:r>
-            <a:endParaRPr b="0" lang="en-US" sz="1800" spc="-1" strike="noStrike">
+            <a:endParaRPr lang="en-US" sz="1800" b="0" strike="noStrike" spc="-1">
               <a:solidFill>
                 <a:srgbClr val="000000"/>
               </a:solidFill>
               <a:uFill>
                 <a:solidFill>
-                  <a:srgbClr val="ffffff"/>
+                  <a:srgbClr val="FFFFFF"/>
                 </a:solidFill>
               </a:uFill>
               <a:latin typeface="Arial"/>
@@ -2133,9 +2748,15 @@
           </a:ln>
         </p:spPr>
         <p:style>
-          <a:lnRef idx="0"/>
-          <a:fillRef idx="0"/>
-          <a:effectRef idx="0"/>
+          <a:lnRef idx="0">
+            <a:scrgbClr r="0" g="0" b="0"/>
+          </a:lnRef>
+          <a:fillRef idx="0">
+            <a:scrgbClr r="0" g="0" b="0"/>
+          </a:fillRef>
+          <a:effectRef idx="0">
+            <a:scrgbClr r="0" g="0" b="0"/>
+          </a:effectRef>
           <a:fontRef idx="minor"/>
         </p:style>
       </p:sp>
@@ -2147,8 +2768,8 @@
         </p:nvSpPr>
         <p:spPr>
           <a:xfrm>
-            <a:off x="838080" y="34426800"/>
-            <a:ext cx="3200040" cy="577080"/>
+            <a:off x="1293860" y="34467178"/>
+            <a:ext cx="4285040" cy="579542"/>
           </a:xfrm>
           <a:prstGeom prst="rect">
             <a:avLst/>
@@ -2159,13 +2780,20 @@
           </a:ln>
         </p:spPr>
         <p:style>
-          <a:lnRef idx="0"/>
-          <a:fillRef idx="0"/>
-          <a:effectRef idx="0"/>
+          <a:lnRef idx="0">
+            <a:scrgbClr r="0" g="0" b="0"/>
+          </a:lnRef>
+          <a:fillRef idx="0">
+            <a:scrgbClr r="0" g="0" b="0"/>
+          </a:fillRef>
+          <a:effectRef idx="0">
+            <a:scrgbClr r="0" g="0" b="0"/>
+          </a:effectRef>
           <a:fontRef idx="minor"/>
         </p:style>
         <p:txBody>
-          <a:bodyPr lIns="90000" rIns="90000" tIns="45000" bIns="45000"/>
+          <a:bodyPr lIns="90000" tIns="45000" rIns="90000" bIns="45000"/>
+          <a:lstStyle/>
           <a:p>
             <a:pPr algn="ctr">
               <a:lnSpc>
@@ -2173,27 +2801,13 @@
               </a:lnSpc>
             </a:pPr>
             <a:r>
-              <a:rPr b="0" lang="en-US" sz="1600" spc="-1" strike="noStrike">
-                <a:solidFill>
-                  <a:srgbClr val="000000"/>
-                </a:solidFill>
-                <a:uFill>
-                  <a:solidFill>
-                    <a:srgbClr val="ffffff"/>
-                  </a:solidFill>
-                </a:uFill>
-                <a:latin typeface="Arial"/>
-                <a:ea typeface="ＭＳ Ｐゴシック"/>
-              </a:rPr>
-              <a:t>http://wise.ece.cmu.edu/redmine/projects/safebike/wiki/</a:t>
+              <a:rPr lang="en-US" sz="2000" dirty="0"/>
+              <a:t>http://course.ece.cmu.edu/~ece500/projects/s19-teamb6/</a:t>
             </a:r>
-            <a:endParaRPr b="0" lang="en-US" sz="1800" spc="-1" strike="noStrike">
-              <a:solidFill>
-                <a:srgbClr val="000000"/>
-              </a:solidFill>
-              <a:uFill>
-                <a:solidFill>
-                  <a:srgbClr val="ffffff"/>
+            <a:endParaRPr lang="en-US" sz="2000" b="0" strike="noStrike" spc="-1" dirty="0">
+              <a:uFill>
+                <a:solidFill>
+                  <a:srgbClr val="FFFFFF"/>
                 </a:solidFill>
               </a:uFill>
               <a:latin typeface="Arial"/>
@@ -2201,29 +2815,6 @@
           </a:p>
         </p:txBody>
       </p:sp>
-      <p:pic>
-        <p:nvPicPr>
-          <p:cNvPr id="45" name="Picture 26" descr=""/>
-          <p:cNvPicPr/>
-          <p:nvPr/>
-        </p:nvPicPr>
-        <p:blipFill>
-          <a:blip r:embed="rId3"/>
-          <a:stretch/>
-        </p:blipFill>
-        <p:spPr>
-          <a:xfrm>
-            <a:off x="1066680" y="31683600"/>
-            <a:ext cx="2742840" cy="2742840"/>
-          </a:xfrm>
-          <a:prstGeom prst="rect">
-            <a:avLst/>
-          </a:prstGeom>
-          <a:ln>
-            <a:noFill/>
-          </a:ln>
-        </p:spPr>
-      </p:pic>
       <p:sp>
         <p:nvSpPr>
           <p:cNvPr id="46" name="CustomShape 6"/>
@@ -2239,20 +2830,27 @@
             <a:avLst/>
           </a:prstGeom>
           <a:solidFill>
-            <a:srgbClr val="a50021"/>
+            <a:srgbClr val="A50021"/>
           </a:solidFill>
           <a:ln>
             <a:noFill/>
           </a:ln>
         </p:spPr>
         <p:style>
-          <a:lnRef idx="0"/>
-          <a:fillRef idx="0"/>
-          <a:effectRef idx="0"/>
+          <a:lnRef idx="0">
+            <a:scrgbClr r="0" g="0" b="0"/>
+          </a:lnRef>
+          <a:fillRef idx="0">
+            <a:scrgbClr r="0" g="0" b="0"/>
+          </a:fillRef>
+          <a:effectRef idx="0">
+            <a:scrgbClr r="0" g="0" b="0"/>
+          </a:effectRef>
           <a:fontRef idx="minor"/>
         </p:style>
         <p:txBody>
-          <a:bodyPr lIns="182880" rIns="182880" tIns="45000" bIns="45000" anchor="ctr"/>
+          <a:bodyPr lIns="182880" tIns="45000" rIns="182880" bIns="45000" anchor="ctr"/>
+          <a:lstStyle/>
           <a:p>
             <a:pPr>
               <a:lnSpc>
@@ -2260,13 +2858,13 @@
               </a:lnSpc>
             </a:pPr>
             <a:r>
-              <a:rPr b="1" lang="en-US" sz="4800" spc="-1" strike="noStrike">
-                <a:solidFill>
-                  <a:srgbClr val="ffffff"/>
+              <a:rPr lang="en-US" sz="4800" b="1" strike="noStrike" spc="-1">
+                <a:solidFill>
+                  <a:srgbClr val="FFFFFF"/>
                 </a:solidFill>
                 <a:uFill>
                   <a:solidFill>
-                    <a:srgbClr val="ffffff"/>
+                    <a:srgbClr val="FFFFFF"/>
                   </a:solidFill>
                 </a:uFill>
                 <a:latin typeface="Arial"/>
@@ -2274,13 +2872,13 @@
               </a:rPr>
               <a:t>Motivation</a:t>
             </a:r>
-            <a:endParaRPr b="0" lang="en-US" sz="1800" spc="-1" strike="noStrike">
+            <a:endParaRPr lang="en-US" sz="1800" b="0" strike="noStrike" spc="-1">
               <a:solidFill>
                 <a:srgbClr val="000000"/>
               </a:solidFill>
               <a:uFill>
                 <a:solidFill>
-                  <a:srgbClr val="ffffff"/>
+                  <a:srgbClr val="FFFFFF"/>
                 </a:solidFill>
               </a:uFill>
               <a:latin typeface="Arial"/>
@@ -2290,33 +2888,103 @@
       </p:sp>
       <p:sp>
         <p:nvSpPr>
-          <p:cNvPr id="47" name="CustomShape 7"/>
+          <p:cNvPr id="48" name="CustomShape 8"/>
           <p:cNvSpPr/>
           <p:nvPr/>
         </p:nvSpPr>
         <p:spPr>
           <a:xfrm>
-            <a:off x="335160" y="29337120"/>
-            <a:ext cx="13106160" cy="914040"/>
+            <a:off x="14036040" y="6162120"/>
+            <a:ext cx="13075560" cy="4964760"/>
+          </a:xfrm>
+          <a:prstGeom prst="rect">
+            <a:avLst/>
+          </a:prstGeom>
+          <a:noFill/>
+          <a:ln>
+            <a:noFill/>
+          </a:ln>
+        </p:spPr>
+        <p:style>
+          <a:lnRef idx="0">
+            <a:scrgbClr r="0" g="0" b="0"/>
+          </a:lnRef>
+          <a:fillRef idx="0">
+            <a:scrgbClr r="0" g="0" b="0"/>
+          </a:fillRef>
+          <a:effectRef idx="0">
+            <a:scrgbClr r="0" g="0" b="0"/>
+          </a:effectRef>
+          <a:fontRef idx="minor"/>
+        </p:style>
+        <p:txBody>
+          <a:bodyPr lIns="90000" tIns="45000" rIns="90000" bIns="45000"/>
+          <a:lstStyle/>
+          <a:p>
+            <a:pPr algn="just">
+              <a:lnSpc>
+                <a:spcPct val="100000"/>
+              </a:lnSpc>
+            </a:pPr>
+            <a:r>
+              <a:rPr lang="en-US" sz="3200" b="0" strike="noStrike" spc="-1" dirty="0">
+                <a:uFill>
+                  <a:solidFill>
+                    <a:srgbClr val="FFFFFF"/>
+                  </a:solidFill>
+                </a:uFill>
+                <a:latin typeface="Arial"/>
+                <a:ea typeface="ＭＳ Ｐゴシック"/>
+              </a:rPr>
+              <a:t>When practicing basketball drills alone, most of the player’s time is spent retrieving the basketball. In order to maximize the practice efficiency, a player can either find a partner or place a basketball collector under the basket. However, neither approach is optimal, as it is difficult to find someone willing to do the menial work and the basketball collector partially blocks the basket. As big fans of the sport, we believe that we can use the advancements in technology to implement a much smarter way of returning the ball back to the player quickly to ensure that the player is getting the most out of the practice session. Hence, the idea of a basketball retriever robot comes to life.</a:t>
+            </a:r>
+            <a:endParaRPr lang="en-US" sz="1800" b="0" strike="noStrike" spc="-1" dirty="0">
+              <a:uFill>
+                <a:solidFill>
+                  <a:srgbClr val="FFFFFF"/>
+                </a:solidFill>
+              </a:uFill>
+              <a:latin typeface="Arial"/>
+            </a:endParaRPr>
+          </a:p>
+        </p:txBody>
+      </p:sp>
+      <p:sp>
+        <p:nvSpPr>
+          <p:cNvPr id="50" name="CustomShape 9"/>
+          <p:cNvSpPr/>
+          <p:nvPr/>
+        </p:nvSpPr>
+        <p:spPr>
+          <a:xfrm>
+            <a:off x="380880" y="11340360"/>
+            <a:ext cx="26761320" cy="906480"/>
           </a:xfrm>
           <a:prstGeom prst="rect">
             <a:avLst/>
           </a:prstGeom>
           <a:solidFill>
-            <a:srgbClr val="a50021"/>
+            <a:srgbClr val="A50021"/>
           </a:solidFill>
           <a:ln>
             <a:noFill/>
           </a:ln>
         </p:spPr>
         <p:style>
-          <a:lnRef idx="0"/>
-          <a:fillRef idx="0"/>
-          <a:effectRef idx="0"/>
+          <a:lnRef idx="0">
+            <a:scrgbClr r="0" g="0" b="0"/>
+          </a:lnRef>
+          <a:fillRef idx="0">
+            <a:scrgbClr r="0" g="0" b="0"/>
+          </a:fillRef>
+          <a:effectRef idx="0">
+            <a:scrgbClr r="0" g="0" b="0"/>
+          </a:effectRef>
           <a:fontRef idx="minor"/>
         </p:style>
         <p:txBody>
-          <a:bodyPr lIns="182880" rIns="182880" tIns="45000" bIns="45000" anchor="ctr"/>
+          <a:bodyPr lIns="182880" tIns="45000" rIns="182880" bIns="45000" anchor="ctr"/>
+          <a:lstStyle/>
           <a:p>
             <a:pPr>
               <a:lnSpc>
@@ -2324,162 +2992,13 @@
               </a:lnSpc>
             </a:pPr>
             <a:r>
-              <a:rPr b="1" lang="en-US" sz="4800" spc="-1" strike="noStrike">
-                <a:solidFill>
-                  <a:srgbClr val="ffffff"/>
+              <a:rPr lang="en-US" sz="4800" b="1" strike="noStrike" spc="-1">
+                <a:solidFill>
+                  <a:srgbClr val="FFFFFF"/>
                 </a:solidFill>
                 <a:uFill>
                   <a:solidFill>
-                    <a:srgbClr val="ffffff"/>
-                  </a:solidFill>
-                </a:uFill>
-                <a:latin typeface="Arial"/>
-                <a:ea typeface="ＭＳ Ｐゴシック"/>
-              </a:rPr>
-              <a:t>Additional Information</a:t>
-            </a:r>
-            <a:endParaRPr b="0" lang="en-US" sz="1800" spc="-1" strike="noStrike">
-              <a:solidFill>
-                <a:srgbClr val="000000"/>
-              </a:solidFill>
-              <a:uFill>
-                <a:solidFill>
-                  <a:srgbClr val="ffffff"/>
-                </a:solidFill>
-              </a:uFill>
-              <a:latin typeface="Arial"/>
-            </a:endParaRPr>
-          </a:p>
-        </p:txBody>
-      </p:sp>
-      <p:sp>
-        <p:nvSpPr>
-          <p:cNvPr id="48" name="CustomShape 8"/>
-          <p:cNvSpPr/>
-          <p:nvPr/>
-        </p:nvSpPr>
-        <p:spPr>
-          <a:xfrm>
-            <a:off x="14036040" y="6158880"/>
-            <a:ext cx="13243320" cy="4964760"/>
-          </a:xfrm>
-          <a:prstGeom prst="rect">
-            <a:avLst/>
-          </a:prstGeom>
-          <a:noFill/>
-          <a:ln>
-            <a:noFill/>
-          </a:ln>
-        </p:spPr>
-        <p:style>
-          <a:lnRef idx="0"/>
-          <a:fillRef idx="0"/>
-          <a:effectRef idx="0"/>
-          <a:fontRef idx="minor"/>
-        </p:style>
-        <p:txBody>
-          <a:bodyPr lIns="90000" rIns="90000" tIns="45000" bIns="45000"/>
-          <a:p>
-            <a:pPr>
-              <a:lnSpc>
-                <a:spcPct val="100000"/>
-              </a:lnSpc>
-            </a:pPr>
-            <a:r>
-              <a:rPr b="0" lang="en-US" sz="3200" spc="-1" strike="noStrike">
-                <a:solidFill>
-                  <a:srgbClr val="000000"/>
-                </a:solidFill>
-                <a:uFill>
-                  <a:solidFill>
-                    <a:srgbClr val="ffffff"/>
-                  </a:solidFill>
-                </a:uFill>
-                <a:latin typeface="Arial"/>
-                <a:ea typeface="ＭＳ Ｐゴシック"/>
-              </a:rPr>
-              <a:t>When practicing basketball drills alone, most of the player’s time is spent retrieving the basketball. In order to maximize the practice efficiency, a player can either find a partner or use a basketball collector. However, neither approach is optimal, as it is difficult to find someone willing to do the menial work and the basketball collector partially blocks the basket. As big fans of the sport, we believe that we can use the advancements in technology to implement a much smarter way of returning the ball back to the player quickly to ensure that the player is getting the most out of the practice session. Hence, the idea of a basketball retriever robot comes to life.</a:t>
-            </a:r>
-            <a:endParaRPr b="0" lang="en-US" sz="1800" spc="-1" strike="noStrike">
-              <a:solidFill>
-                <a:srgbClr val="000000"/>
-              </a:solidFill>
-              <a:uFill>
-                <a:solidFill>
-                  <a:srgbClr val="ffffff"/>
-                </a:solidFill>
-              </a:uFill>
-              <a:latin typeface="Arial"/>
-            </a:endParaRPr>
-          </a:p>
-        </p:txBody>
-      </p:sp>
-      <p:pic>
-        <p:nvPicPr>
-          <p:cNvPr id="49" name="Picture 2" descr=""/>
-          <p:cNvPicPr/>
-          <p:nvPr/>
-        </p:nvPicPr>
-        <p:blipFill>
-          <a:blip r:embed="rId4"/>
-          <a:stretch/>
-        </p:blipFill>
-        <p:spPr>
-          <a:xfrm>
-            <a:off x="0" y="11947320"/>
-            <a:ext cx="17906760" cy="11624760"/>
-          </a:xfrm>
-          <a:prstGeom prst="rect">
-            <a:avLst/>
-          </a:prstGeom>
-          <a:ln>
-            <a:noFill/>
-          </a:ln>
-        </p:spPr>
-      </p:pic>
-      <p:sp>
-        <p:nvSpPr>
-          <p:cNvPr id="50" name="CustomShape 9"/>
-          <p:cNvSpPr/>
-          <p:nvPr/>
-        </p:nvSpPr>
-        <p:spPr>
-          <a:xfrm>
-            <a:off x="380880" y="11340360"/>
-            <a:ext cx="26776440" cy="906480"/>
-          </a:xfrm>
-          <a:prstGeom prst="rect">
-            <a:avLst/>
-          </a:prstGeom>
-          <a:solidFill>
-            <a:srgbClr val="a50021"/>
-          </a:solidFill>
-          <a:ln>
-            <a:noFill/>
-          </a:ln>
-        </p:spPr>
-        <p:style>
-          <a:lnRef idx="0"/>
-          <a:fillRef idx="0"/>
-          <a:effectRef idx="0"/>
-          <a:fontRef idx="minor"/>
-        </p:style>
-        <p:txBody>
-          <a:bodyPr lIns="182880" rIns="182880" tIns="45000" bIns="45000" anchor="ctr"/>
-          <a:p>
-            <a:pPr>
-              <a:lnSpc>
-                <a:spcPct val="100000"/>
-              </a:lnSpc>
-            </a:pPr>
-            <a:r>
-              <a:rPr b="1" lang="en-US" sz="4800" spc="-1" strike="noStrike">
-                <a:solidFill>
-                  <a:srgbClr val="ffffff"/>
-                </a:solidFill>
-                <a:uFill>
-                  <a:solidFill>
-                    <a:srgbClr val="ffffff"/>
+                    <a:srgbClr val="FFFFFF"/>
                   </a:solidFill>
                 </a:uFill>
                 <a:latin typeface="Arial"/>
@@ -2487,13 +3006,13 @@
               </a:rPr>
               <a:t>System Architecture</a:t>
             </a:r>
-            <a:endParaRPr b="0" lang="en-US" sz="1800" spc="-1" strike="noStrike">
+            <a:endParaRPr lang="en-US" sz="1800" b="0" strike="noStrike" spc="-1">
               <a:solidFill>
                 <a:srgbClr val="000000"/>
               </a:solidFill>
               <a:uFill>
                 <a:solidFill>
-                  <a:srgbClr val="ffffff"/>
+                  <a:srgbClr val="FFFFFF"/>
                 </a:solidFill>
               </a:uFill>
               <a:latin typeface="Arial"/>
@@ -2510,26 +3029,33 @@
         <p:spPr>
           <a:xfrm>
             <a:off x="335160" y="23403600"/>
-            <a:ext cx="13106160" cy="914040"/>
+            <a:ext cx="13151880" cy="914040"/>
           </a:xfrm>
           <a:prstGeom prst="rect">
             <a:avLst/>
           </a:prstGeom>
           <a:solidFill>
-            <a:srgbClr val="a50021"/>
+            <a:srgbClr val="A50021"/>
           </a:solidFill>
           <a:ln>
             <a:noFill/>
           </a:ln>
         </p:spPr>
         <p:style>
-          <a:lnRef idx="0"/>
-          <a:fillRef idx="0"/>
-          <a:effectRef idx="0"/>
+          <a:lnRef idx="0">
+            <a:scrgbClr r="0" g="0" b="0"/>
+          </a:lnRef>
+          <a:fillRef idx="0">
+            <a:scrgbClr r="0" g="0" b="0"/>
+          </a:fillRef>
+          <a:effectRef idx="0">
+            <a:scrgbClr r="0" g="0" b="0"/>
+          </a:effectRef>
           <a:fontRef idx="minor"/>
         </p:style>
         <p:txBody>
-          <a:bodyPr lIns="182880" rIns="182880" tIns="45000" bIns="45000" anchor="ctr"/>
+          <a:bodyPr lIns="182880" tIns="45000" rIns="182880" bIns="45000" anchor="ctr"/>
+          <a:lstStyle/>
           <a:p>
             <a:pPr>
               <a:lnSpc>
@@ -2537,13 +3063,13 @@
               </a:lnSpc>
             </a:pPr>
             <a:r>
-              <a:rPr b="1" lang="en-US" sz="4800" spc="-1" strike="noStrike">
-                <a:solidFill>
-                  <a:srgbClr val="ffffff"/>
+              <a:rPr lang="en-US" sz="4800" b="1" strike="noStrike" spc="-1">
+                <a:solidFill>
+                  <a:srgbClr val="FFFFFF"/>
                 </a:solidFill>
                 <a:uFill>
                   <a:solidFill>
-                    <a:srgbClr val="ffffff"/>
+                    <a:srgbClr val="FFFFFF"/>
                   </a:solidFill>
                 </a:uFill>
                 <a:latin typeface="Arial"/>
@@ -2551,13 +3077,13 @@
               </a:rPr>
               <a:t>Approach</a:t>
             </a:r>
-            <a:endParaRPr b="0" lang="en-US" sz="1800" spc="-1" strike="noStrike">
+            <a:endParaRPr lang="en-US" sz="1800" b="0" strike="noStrike" spc="-1">
               <a:solidFill>
                 <a:srgbClr val="000000"/>
               </a:solidFill>
               <a:uFill>
                 <a:solidFill>
-                  <a:srgbClr val="ffffff"/>
+                  <a:srgbClr val="FFFFFF"/>
                 </a:solidFill>
               </a:uFill>
               <a:latin typeface="Arial"/>
@@ -2573,27 +3099,34 @@
         </p:nvSpPr>
         <p:spPr>
           <a:xfrm>
-            <a:off x="13959720" y="23416200"/>
+            <a:off x="14036040" y="23403600"/>
             <a:ext cx="13106160" cy="914040"/>
           </a:xfrm>
           <a:prstGeom prst="rect">
             <a:avLst/>
           </a:prstGeom>
           <a:solidFill>
-            <a:srgbClr val="a50021"/>
+            <a:srgbClr val="A50021"/>
           </a:solidFill>
           <a:ln>
             <a:noFill/>
           </a:ln>
         </p:spPr>
         <p:style>
-          <a:lnRef idx="0"/>
-          <a:fillRef idx="0"/>
-          <a:effectRef idx="0"/>
+          <a:lnRef idx="0">
+            <a:scrgbClr r="0" g="0" b="0"/>
+          </a:lnRef>
+          <a:fillRef idx="0">
+            <a:scrgbClr r="0" g="0" b="0"/>
+          </a:fillRef>
+          <a:effectRef idx="0">
+            <a:scrgbClr r="0" g="0" b="0"/>
+          </a:effectRef>
           <a:fontRef idx="minor"/>
         </p:style>
         <p:txBody>
-          <a:bodyPr lIns="182880" rIns="182880" tIns="45000" bIns="45000" anchor="ctr"/>
+          <a:bodyPr lIns="182880" tIns="45000" rIns="182880" bIns="45000" anchor="ctr"/>
+          <a:lstStyle/>
           <a:p>
             <a:pPr>
               <a:lnSpc>
@@ -2601,13 +3134,13 @@
               </a:lnSpc>
             </a:pPr>
             <a:r>
-              <a:rPr b="1" lang="en-US" sz="4800" spc="-1" strike="noStrike">
-                <a:solidFill>
-                  <a:srgbClr val="ffffff"/>
+              <a:rPr lang="en-US" sz="4800" b="1" strike="noStrike" spc="-1">
+                <a:solidFill>
+                  <a:srgbClr val="FFFFFF"/>
                 </a:solidFill>
                 <a:uFill>
                   <a:solidFill>
-                    <a:srgbClr val="ffffff"/>
+                    <a:srgbClr val="FFFFFF"/>
                   </a:solidFill>
                 </a:uFill>
                 <a:latin typeface="Arial"/>
@@ -2615,13 +3148,13 @@
               </a:rPr>
               <a:t>Evaluation</a:t>
             </a:r>
-            <a:endParaRPr b="0" lang="en-US" sz="1800" spc="-1" strike="noStrike">
+            <a:endParaRPr lang="en-US" sz="1800" b="0" strike="noStrike" spc="-1">
               <a:solidFill>
                 <a:srgbClr val="000000"/>
               </a:solidFill>
               <a:uFill>
                 <a:solidFill>
-                  <a:srgbClr val="ffffff"/>
+                  <a:srgbClr val="FFFFFF"/>
                 </a:solidFill>
               </a:uFill>
               <a:latin typeface="Arial"/>
@@ -2633,24 +3166,43 @@
         <p:nvGraphicFramePr>
           <p:cNvPr id="53" name="Table 12"/>
           <p:cNvGraphicFramePr/>
-          <p:nvPr/>
+          <p:nvPr>
+            <p:extLst>
+              <p:ext uri="{D42A27DB-BD31-4B8C-83A1-F6EECF244321}">
+                <p14:modId xmlns:p14="http://schemas.microsoft.com/office/powerpoint/2010/main" val="3469632964"/>
+              </p:ext>
+            </p:extLst>
+          </p:nvPr>
         </p:nvGraphicFramePr>
         <p:xfrm>
-          <a:off x="13959720" y="24460200"/>
-          <a:ext cx="13106160" cy="10586160"/>
+          <a:off x="14036040" y="24317640"/>
+          <a:ext cx="13106160" cy="9489440"/>
         </p:xfrm>
         <a:graphic>
           <a:graphicData uri="http://schemas.openxmlformats.org/drawingml/2006/table">
             <a:tbl>
               <a:tblPr/>
               <a:tblGrid>
-                <a:gridCol w="6553080"/>
-                <a:gridCol w="6553080"/>
+                <a:gridCol w="6553080">
+                  <a:extLst>
+                    <a:ext uri="{9D8B030D-6E8A-4147-A177-3AD203B41FA5}">
+                      <a16:colId xmlns:a16="http://schemas.microsoft.com/office/drawing/2014/main" val="20000"/>
+                    </a:ext>
+                  </a:extLst>
+                </a:gridCol>
+                <a:gridCol w="6553080">
+                  <a:extLst>
+                    <a:ext uri="{9D8B030D-6E8A-4147-A177-3AD203B41FA5}">
+                      <a16:colId xmlns:a16="http://schemas.microsoft.com/office/drawing/2014/main" val="20001"/>
+                    </a:ext>
+                  </a:extLst>
+                </a:gridCol>
               </a:tblGrid>
               <a:tr h="1323000">
                 <a:tc>
                   <a:txBody>
-                    <a:bodyPr anchor="ctr"/>
+                    <a:bodyPr/>
+                    <a:lstStyle/>
                     <a:p>
                       <a:pPr algn="ctr">
                         <a:lnSpc>
@@ -2658,51 +3210,51 @@
                         </a:lnSpc>
                       </a:pPr>
                       <a:r>
-                        <a:rPr b="1" lang="en-US" sz="4000" spc="-1" strike="noStrike">
+                        <a:rPr lang="en-US" sz="4000" b="1" strike="noStrike" spc="-1" dirty="0">
                           <a:solidFill>
-                            <a:srgbClr val="ffffff"/>
+                            <a:srgbClr val="FFFFFF"/>
                           </a:solidFill>
                           <a:uFill>
                             <a:solidFill>
-                              <a:srgbClr val="ffffff"/>
+                              <a:srgbClr val="FFFFFF"/>
                             </a:solidFill>
                           </a:uFill>
                           <a:latin typeface="Arial"/>
                         </a:rPr>
                         <a:t>Specification</a:t>
                       </a:r>
-                      <a:endParaRPr b="0" lang="en-US" sz="1800" spc="-1" strike="noStrike">
+                      <a:endParaRPr lang="en-US" sz="1800" b="0" strike="noStrike" spc="-1" dirty="0">
                         <a:solidFill>
                           <a:srgbClr val="000000"/>
                         </a:solidFill>
                         <a:uFill>
                           <a:solidFill>
-                            <a:srgbClr val="ffffff"/>
+                            <a:srgbClr val="FFFFFF"/>
                           </a:solidFill>
                         </a:uFill>
                         <a:latin typeface="Arial"/>
                       </a:endParaRPr>
                     </a:p>
                   </a:txBody>
-                  <a:tcPr marL="91440" marR="91440">
+                  <a:tcPr>
                     <a:lnL w="12240">
                       <a:solidFill>
-                        <a:srgbClr val="ffffff"/>
+                        <a:srgbClr val="FFFFFF"/>
                       </a:solidFill>
                     </a:lnL>
                     <a:lnR w="12240">
                       <a:solidFill>
-                        <a:srgbClr val="ffffff"/>
+                        <a:srgbClr val="FFFFFF"/>
                       </a:solidFill>
                     </a:lnR>
                     <a:lnT w="12240">
                       <a:solidFill>
-                        <a:srgbClr val="ffffff"/>
+                        <a:srgbClr val="FFFFFF"/>
                       </a:solidFill>
                     </a:lnT>
                     <a:lnB w="38160">
                       <a:solidFill>
-                        <a:srgbClr val="ffffff"/>
+                        <a:srgbClr val="FFFFFF"/>
                       </a:solidFill>
                     </a:lnB>
                     <a:solidFill>
@@ -2712,7 +3264,8 @@
                 </a:tc>
                 <a:tc>
                   <a:txBody>
-                    <a:bodyPr anchor="ctr"/>
+                    <a:bodyPr/>
+                    <a:lstStyle/>
                     <a:p>
                       <a:pPr algn="ctr">
                         <a:lnSpc>
@@ -2720,51 +3273,51 @@
                         </a:lnSpc>
                       </a:pPr>
                       <a:r>
-                        <a:rPr b="1" lang="en-US" sz="4000" spc="-1" strike="noStrike">
+                        <a:rPr lang="en-US" sz="4000" b="1" strike="noStrike" spc="-1">
                           <a:solidFill>
-                            <a:srgbClr val="ffffff"/>
+                            <a:srgbClr val="FFFFFF"/>
                           </a:solidFill>
                           <a:uFill>
                             <a:solidFill>
-                              <a:srgbClr val="ffffff"/>
+                              <a:srgbClr val="FFFFFF"/>
                             </a:solidFill>
                           </a:uFill>
                           <a:latin typeface="Arial"/>
                         </a:rPr>
                         <a:t>Result</a:t>
                       </a:r>
-                      <a:endParaRPr b="0" lang="en-US" sz="1800" spc="-1" strike="noStrike">
+                      <a:endParaRPr lang="en-US" sz="1800" b="0" strike="noStrike" spc="-1">
                         <a:solidFill>
                           <a:srgbClr val="000000"/>
                         </a:solidFill>
                         <a:uFill>
                           <a:solidFill>
-                            <a:srgbClr val="ffffff"/>
+                            <a:srgbClr val="FFFFFF"/>
                           </a:solidFill>
                         </a:uFill>
                         <a:latin typeface="Arial"/>
                       </a:endParaRPr>
                     </a:p>
                   </a:txBody>
-                  <a:tcPr marL="91440" marR="91440">
+                  <a:tcPr>
                     <a:lnL w="12240">
                       <a:solidFill>
-                        <a:srgbClr val="ffffff"/>
+                        <a:srgbClr val="FFFFFF"/>
                       </a:solidFill>
                     </a:lnL>
                     <a:lnR w="12240">
                       <a:solidFill>
-                        <a:srgbClr val="ffffff"/>
+                        <a:srgbClr val="FFFFFF"/>
                       </a:solidFill>
                     </a:lnR>
                     <a:lnT w="12240">
                       <a:solidFill>
-                        <a:srgbClr val="ffffff"/>
+                        <a:srgbClr val="FFFFFF"/>
                       </a:solidFill>
                     </a:lnT>
                     <a:lnB w="38160">
                       <a:solidFill>
-                        <a:srgbClr val="ffffff"/>
+                        <a:srgbClr val="FFFFFF"/>
                       </a:solidFill>
                     </a:lnB>
                     <a:solidFill>
@@ -2772,888 +3325,782 @@
                     </a:solidFill>
                   </a:tcPr>
                 </a:tc>
+                <a:extLst>
+                  <a:ext uri="{0D108BD9-81ED-4DB2-BD59-A6C34878D82A}">
+                    <a16:rowId xmlns:a16="http://schemas.microsoft.com/office/drawing/2014/main" val="10000"/>
+                  </a:ext>
+                </a:extLst>
               </a:tr>
-              <a:tr h="1323000">
+              <a:tr h="1229700">
                 <a:tc>
                   <a:txBody>
-                    <a:bodyPr anchor="ctr"/>
+                    <a:bodyPr/>
+                    <a:lstStyle/>
                     <a:p>
-                      <a:pPr>
+                      <a:pPr algn="l">
                         <a:lnSpc>
                           <a:spcPct val="100000"/>
                         </a:lnSpc>
                       </a:pPr>
                       <a:r>
-                        <a:rPr b="0" lang="en-US" sz="2400" spc="-1" strike="noStrike">
+                        <a:rPr lang="en-US" sz="3200" b="0" strike="noStrike" spc="-1" dirty="0">
                           <a:solidFill>
                             <a:srgbClr val="000000"/>
                           </a:solidFill>
                           <a:uFill>
                             <a:solidFill>
-                              <a:srgbClr val="ffffff"/>
+                              <a:srgbClr val="FFFFFF"/>
                             </a:solidFill>
                           </a:uFill>
-                          <a:latin typeface="Arial"/>
+                          <a:latin typeface="+mn-lt"/>
                         </a:rPr>
-                        <a:t>Ultrasonic sensor should take at most 2s to determine whether ball is in frame</a:t>
+                        <a:t>Ultrasonic sensor should output a decision within 2s.</a:t>
                       </a:r>
-                      <a:endParaRPr b="0" lang="en-US" sz="1800" spc="-1" strike="noStrike">
+                    </a:p>
+                  </a:txBody>
+                  <a:tcPr>
+                    <a:lnL w="12240">
+                      <a:solidFill>
+                        <a:srgbClr val="FFFFFF"/>
+                      </a:solidFill>
+                    </a:lnL>
+                    <a:lnR w="12240">
+                      <a:solidFill>
+                        <a:srgbClr val="FFFFFF"/>
+                      </a:solidFill>
+                    </a:lnR>
+                    <a:lnT w="38160" cap="flat" cmpd="sng" algn="ctr">
+                      <a:solidFill>
+                        <a:srgbClr val="FFFFFF"/>
+                      </a:solidFill>
+                      <a:prstDash val="solid"/>
+                      <a:round/>
+                      <a:headEnd type="none" w="med" len="med"/>
+                      <a:tailEnd type="none" w="med" len="med"/>
+                    </a:lnT>
+                    <a:lnB w="12240">
+                      <a:solidFill>
+                        <a:srgbClr val="FFFFFF"/>
+                      </a:solidFill>
+                    </a:lnB>
+                    <a:solidFill>
+                      <a:srgbClr val="CCCCCC"/>
+                    </a:solidFill>
+                  </a:tcPr>
+                </a:tc>
+                <a:tc>
+                  <a:txBody>
+                    <a:bodyPr/>
+                    <a:lstStyle/>
+                    <a:p>
+                      <a:pPr algn="l">
+                        <a:lnSpc>
+                          <a:spcPct val="100000"/>
+                        </a:lnSpc>
+                      </a:pPr>
+                      <a:r>
+                        <a:rPr lang="en-US" sz="3200" b="0" strike="noStrike" spc="-1" dirty="0">
+                          <a:solidFill>
+                            <a:srgbClr val="00B050"/>
+                          </a:solidFill>
+                          <a:uFill>
+                            <a:solidFill>
+                              <a:srgbClr val="FFFFFF"/>
+                            </a:solidFill>
+                          </a:uFill>
+                          <a:latin typeface="+mn-lt"/>
+                        </a:rPr>
+                        <a:t>Time negligible; 0.5s max.</a:t>
+                      </a:r>
+                      <a:endParaRPr lang="en-US" sz="3200" b="0" strike="noStrike" spc="-1" dirty="0">
                         <a:solidFill>
                           <a:srgbClr val="000000"/>
                         </a:solidFill>
                         <a:uFill>
                           <a:solidFill>
-                            <a:srgbClr val="ffffff"/>
+                            <a:srgbClr val="FFFFFF"/>
                           </a:solidFill>
                         </a:uFill>
-                        <a:latin typeface="Arial"/>
+                        <a:latin typeface="+mn-lt"/>
                       </a:endParaRPr>
                     </a:p>
                   </a:txBody>
-                  <a:tcPr marL="91440" marR="91440">
+                  <a:tcPr>
                     <a:lnL w="12240">
                       <a:solidFill>
-                        <a:srgbClr val="ffffff"/>
+                        <a:srgbClr val="FFFFFF"/>
                       </a:solidFill>
                     </a:lnL>
                     <a:lnR w="12240">
                       <a:solidFill>
-                        <a:srgbClr val="ffffff"/>
+                        <a:srgbClr val="FFFFFF"/>
+                      </a:solidFill>
+                    </a:lnR>
+                    <a:lnT w="38160" cap="flat" cmpd="sng" algn="ctr">
+                      <a:solidFill>
+                        <a:srgbClr val="FFFFFF"/>
+                      </a:solidFill>
+                      <a:prstDash val="solid"/>
+                      <a:round/>
+                      <a:headEnd type="none" w="med" len="med"/>
+                      <a:tailEnd type="none" w="med" len="med"/>
+                    </a:lnT>
+                    <a:lnB w="12240">
+                      <a:solidFill>
+                        <a:srgbClr val="FFFFFF"/>
+                      </a:solidFill>
+                    </a:lnB>
+                    <a:solidFill>
+                      <a:srgbClr val="CCCCCC"/>
+                    </a:solidFill>
+                  </a:tcPr>
+                </a:tc>
+                <a:extLst>
+                  <a:ext uri="{0D108BD9-81ED-4DB2-BD59-A6C34878D82A}">
+                    <a16:rowId xmlns:a16="http://schemas.microsoft.com/office/drawing/2014/main" val="10001"/>
+                  </a:ext>
+                </a:extLst>
+              </a:tr>
+              <a:tr h="1117600">
+                <a:tc>
+                  <a:txBody>
+                    <a:bodyPr/>
+                    <a:lstStyle/>
+                    <a:p>
+                      <a:pPr algn="l">
+                        <a:lnSpc>
+                          <a:spcPct val="100000"/>
+                        </a:lnSpc>
+                      </a:pPr>
+                      <a:r>
+                        <a:rPr lang="en-US" sz="3200" b="0" strike="noStrike" spc="-1" dirty="0">
+                          <a:solidFill>
+                            <a:srgbClr val="000000"/>
+                          </a:solidFill>
+                          <a:uFill>
+                            <a:solidFill>
+                              <a:srgbClr val="FFFFFF"/>
+                            </a:solidFill>
+                          </a:uFill>
+                          <a:latin typeface="+mn-lt"/>
+                        </a:rPr>
+                        <a:t>Ball tracking module should have 90% accuracy.</a:t>
+                      </a:r>
+                    </a:p>
+                  </a:txBody>
+                  <a:tcPr>
+                    <a:lnL w="12240">
+                      <a:solidFill>
+                        <a:srgbClr val="FFFFFF"/>
+                      </a:solidFill>
+                    </a:lnL>
+                    <a:lnR w="12240">
+                      <a:solidFill>
+                        <a:srgbClr val="FFFFFF"/>
                       </a:solidFill>
                     </a:lnR>
                     <a:lnT w="12240">
                       <a:solidFill>
-                        <a:srgbClr val="ffffff"/>
+                        <a:srgbClr val="FFFFFF"/>
                       </a:solidFill>
                     </a:lnT>
                     <a:lnB w="12240">
                       <a:solidFill>
-                        <a:srgbClr val="ffffff"/>
+                        <a:srgbClr val="FFFFFF"/>
                       </a:solidFill>
                     </a:lnB>
                     <a:solidFill>
-                      <a:srgbClr val="cccccc"/>
+                      <a:srgbClr val="E7E7E7"/>
                     </a:solidFill>
                   </a:tcPr>
                 </a:tc>
                 <a:tc>
                   <a:txBody>
-                    <a:bodyPr anchor="ctr"/>
+                    <a:bodyPr/>
+                    <a:lstStyle/>
                     <a:p>
-                      <a:pPr>
+                      <a:pPr algn="l">
                         <a:lnSpc>
                           <a:spcPct val="100000"/>
                         </a:lnSpc>
                       </a:pPr>
                       <a:r>
-                        <a:rPr b="0" lang="en-US" sz="2400" spc="-1" strike="noStrike">
+                        <a:rPr lang="en-US" sz="3200" b="0" strike="noStrike" spc="-1" dirty="0">
                           <a:solidFill>
-                            <a:srgbClr val="00b050"/>
+                            <a:srgbClr val="00B050"/>
                           </a:solidFill>
                           <a:uFill>
                             <a:solidFill>
-                              <a:srgbClr val="ffffff"/>
+                              <a:srgbClr val="FFFFFF"/>
                             </a:solidFill>
                           </a:uFill>
-                          <a:latin typeface="Arial"/>
+                          <a:latin typeface="+mn-lt"/>
                         </a:rPr>
-                        <a:t>Time negligible; 0.5s max</a:t>
+                        <a:t>91.5% accuracy from 200 images.</a:t>
                       </a:r>
-                      <a:endParaRPr b="0" lang="en-US" sz="1800" spc="-1" strike="noStrike">
+                      <a:endParaRPr lang="en-US" sz="3200" b="0" strike="noStrike" spc="-1" dirty="0">
                         <a:solidFill>
                           <a:srgbClr val="000000"/>
                         </a:solidFill>
                         <a:uFill>
                           <a:solidFill>
-                            <a:srgbClr val="ffffff"/>
+                            <a:srgbClr val="FFFFFF"/>
                           </a:solidFill>
                         </a:uFill>
-                        <a:latin typeface="Arial"/>
+                        <a:latin typeface="+mn-lt"/>
                       </a:endParaRPr>
                     </a:p>
                   </a:txBody>
-                  <a:tcPr marL="91440" marR="91440">
+                  <a:tcPr>
                     <a:lnL w="12240">
                       <a:solidFill>
-                        <a:srgbClr val="ffffff"/>
+                        <a:srgbClr val="FFFFFF"/>
                       </a:solidFill>
                     </a:lnL>
                     <a:lnR w="12240">
                       <a:solidFill>
-                        <a:srgbClr val="ffffff"/>
+                        <a:srgbClr val="FFFFFF"/>
                       </a:solidFill>
                     </a:lnR>
                     <a:lnT w="12240">
                       <a:solidFill>
-                        <a:srgbClr val="ffffff"/>
+                        <a:srgbClr val="FFFFFF"/>
                       </a:solidFill>
                     </a:lnT>
                     <a:lnB w="12240">
                       <a:solidFill>
-                        <a:srgbClr val="ffffff"/>
+                        <a:srgbClr val="FFFFFF"/>
                       </a:solidFill>
                     </a:lnB>
                     <a:solidFill>
-                      <a:srgbClr val="cccccc"/>
+                      <a:srgbClr val="E7E7E7"/>
                     </a:solidFill>
                   </a:tcPr>
                 </a:tc>
+                <a:extLst>
+                  <a:ext uri="{0D108BD9-81ED-4DB2-BD59-A6C34878D82A}">
+                    <a16:rowId xmlns:a16="http://schemas.microsoft.com/office/drawing/2014/main" val="10002"/>
+                  </a:ext>
+                </a:extLst>
               </a:tr>
-              <a:tr h="1323000">
+              <a:tr h="1143000">
                 <a:tc>
                   <a:txBody>
-                    <a:bodyPr anchor="ctr"/>
+                    <a:bodyPr/>
+                    <a:lstStyle/>
                     <a:p>
-                      <a:pPr>
+                      <a:pPr algn="l">
                         <a:lnSpc>
                           <a:spcPct val="100000"/>
                         </a:lnSpc>
                       </a:pPr>
                       <a:r>
-                        <a:rPr b="0" lang="en-US" sz="2400" spc="-1" strike="noStrike">
+                        <a:rPr lang="en-US" sz="3200" b="0" strike="noStrike" spc="-1" dirty="0">
                           <a:solidFill>
                             <a:srgbClr val="000000"/>
                           </a:solidFill>
                           <a:uFill>
                             <a:solidFill>
-                              <a:srgbClr val="ffffff"/>
+                              <a:srgbClr val="FFFFFF"/>
                             </a:solidFill>
                           </a:uFill>
-                          <a:latin typeface="Arial"/>
+                          <a:latin typeface="+mn-lt"/>
                         </a:rPr>
-                        <a:t>The ball recognition module should have 90% accuracy for images taken in ideal conditions</a:t>
+                        <a:t>Ball tracking module should process at least 5 fps to run in real time.</a:t>
                       </a:r>
-                      <a:endParaRPr b="0" lang="en-US" sz="1800" spc="-1" strike="noStrike">
+                    </a:p>
+                  </a:txBody>
+                  <a:tcPr>
+                    <a:lnL w="12240">
+                      <a:solidFill>
+                        <a:srgbClr val="FFFFFF"/>
+                      </a:solidFill>
+                    </a:lnL>
+                    <a:lnR w="12240">
+                      <a:solidFill>
+                        <a:srgbClr val="FFFFFF"/>
+                      </a:solidFill>
+                    </a:lnR>
+                    <a:lnT w="12240">
+                      <a:solidFill>
+                        <a:srgbClr val="FFFFFF"/>
+                      </a:solidFill>
+                    </a:lnT>
+                    <a:lnB w="12240">
+                      <a:solidFill>
+                        <a:srgbClr val="FFFFFF"/>
+                      </a:solidFill>
+                    </a:lnB>
+                    <a:solidFill>
+                      <a:srgbClr val="CCCCCC"/>
+                    </a:solidFill>
+                  </a:tcPr>
+                </a:tc>
+                <a:tc>
+                  <a:txBody>
+                    <a:bodyPr/>
+                    <a:lstStyle/>
+                    <a:p>
+                      <a:pPr algn="l">
+                        <a:lnSpc>
+                          <a:spcPct val="100000"/>
+                        </a:lnSpc>
+                      </a:pPr>
+                      <a:r>
+                        <a:rPr lang="en-US" sz="3200" b="0" strike="noStrike" spc="-1" dirty="0">
+                          <a:solidFill>
+                            <a:srgbClr val="00B050"/>
+                          </a:solidFill>
+                          <a:uFill>
+                            <a:solidFill>
+                              <a:srgbClr val="FFFFFF"/>
+                            </a:solidFill>
+                          </a:uFill>
+                          <a:latin typeface="+mn-lt"/>
+                        </a:rPr>
+                        <a:t>Module processes at 10 fps.</a:t>
+                      </a:r>
+                      <a:endParaRPr lang="en-US" sz="3200" b="0" strike="noStrike" spc="-1" dirty="0">
                         <a:solidFill>
                           <a:srgbClr val="000000"/>
                         </a:solidFill>
                         <a:uFill>
                           <a:solidFill>
-                            <a:srgbClr val="ffffff"/>
+                            <a:srgbClr val="FFFFFF"/>
                           </a:solidFill>
                         </a:uFill>
-                        <a:latin typeface="Arial"/>
+                        <a:latin typeface="+mn-lt"/>
                       </a:endParaRPr>
                     </a:p>
                   </a:txBody>
-                  <a:tcPr marL="91440" marR="91440">
+                  <a:tcPr>
                     <a:lnL w="12240">
                       <a:solidFill>
-                        <a:srgbClr val="ffffff"/>
+                        <a:srgbClr val="FFFFFF"/>
                       </a:solidFill>
                     </a:lnL>
                     <a:lnR w="12240">
                       <a:solidFill>
-                        <a:srgbClr val="ffffff"/>
+                        <a:srgbClr val="FFFFFF"/>
                       </a:solidFill>
                     </a:lnR>
                     <a:lnT w="12240">
                       <a:solidFill>
-                        <a:srgbClr val="ffffff"/>
+                        <a:srgbClr val="FFFFFF"/>
                       </a:solidFill>
                     </a:lnT>
                     <a:lnB w="12240">
                       <a:solidFill>
-                        <a:srgbClr val="ffffff"/>
+                        <a:srgbClr val="FFFFFF"/>
                       </a:solidFill>
                     </a:lnB>
                     <a:solidFill>
-                      <a:srgbClr val="e7e7e7"/>
+                      <a:srgbClr val="CCCCCC"/>
+                    </a:solidFill>
+                  </a:tcPr>
+                </a:tc>
+                <a:extLst>
+                  <a:ext uri="{0D108BD9-81ED-4DB2-BD59-A6C34878D82A}">
+                    <a16:rowId xmlns:a16="http://schemas.microsoft.com/office/drawing/2014/main" val="10003"/>
+                  </a:ext>
+                </a:extLst>
+              </a:tr>
+              <a:tr h="1155700">
+                <a:tc>
+                  <a:txBody>
+                    <a:bodyPr/>
+                    <a:lstStyle/>
+                    <a:p>
+                      <a:pPr algn="l">
+                        <a:lnSpc>
+                          <a:spcPct val="100000"/>
+                        </a:lnSpc>
+                      </a:pPr>
+                      <a:r>
+                        <a:rPr lang="en-US" sz="3200" b="0" strike="noStrike" spc="-1" dirty="0">
+                          <a:solidFill>
+                            <a:srgbClr val="000000"/>
+                          </a:solidFill>
+                          <a:uFill>
+                            <a:solidFill>
+                              <a:srgbClr val="FFFFFF"/>
+                            </a:solidFill>
+                          </a:uFill>
+                          <a:latin typeface="+mn-lt"/>
+                        </a:rPr>
+                        <a:t>Stereo vision module should output distance with an error within 1m.</a:t>
+                      </a:r>
+                    </a:p>
+                  </a:txBody>
+                  <a:tcPr>
+                    <a:lnL w="12240">
+                      <a:solidFill>
+                        <a:srgbClr val="FFFFFF"/>
+                      </a:solidFill>
+                    </a:lnL>
+                    <a:lnR w="12240">
+                      <a:solidFill>
+                        <a:srgbClr val="FFFFFF"/>
+                      </a:solidFill>
+                    </a:lnR>
+                    <a:lnT w="12240">
+                      <a:solidFill>
+                        <a:srgbClr val="FFFFFF"/>
+                      </a:solidFill>
+                    </a:lnT>
+                    <a:lnB w="12240">
+                      <a:solidFill>
+                        <a:srgbClr val="FFFFFF"/>
+                      </a:solidFill>
+                    </a:lnB>
+                    <a:solidFill>
+                      <a:srgbClr val="E7E7E7"/>
                     </a:solidFill>
                   </a:tcPr>
                 </a:tc>
                 <a:tc>
                   <a:txBody>
-                    <a:bodyPr anchor="ctr"/>
+                    <a:bodyPr/>
+                    <a:lstStyle/>
                     <a:p>
-                      <a:pPr>
+                      <a:pPr algn="l">
                         <a:lnSpc>
                           <a:spcPct val="100000"/>
                         </a:lnSpc>
                       </a:pPr>
                       <a:r>
-                        <a:rPr b="0" lang="en-US" sz="2400" spc="-1" strike="noStrike">
+                        <a:rPr lang="en-US" sz="3200" b="0" strike="noStrike" spc="-1" dirty="0">
                           <a:solidFill>
-                            <a:srgbClr val="00b050"/>
+                            <a:srgbClr val="00B050"/>
                           </a:solidFill>
                           <a:uFill>
                             <a:solidFill>
-                              <a:srgbClr val="ffffff"/>
+                              <a:srgbClr val="FFFFFF"/>
                             </a:solidFill>
                           </a:uFill>
-                          <a:latin typeface="Arial"/>
+                          <a:latin typeface="+mn-lt"/>
                         </a:rPr>
-                        <a:t>91.5% accuracy from 200 images</a:t>
+                        <a:t>Error within 20cm.</a:t>
                       </a:r>
-                      <a:endParaRPr b="0" lang="en-US" sz="1800" spc="-1" strike="noStrike">
+                      <a:endParaRPr lang="en-US" sz="3200" b="0" strike="noStrike" spc="-1" dirty="0">
                         <a:solidFill>
                           <a:srgbClr val="000000"/>
                         </a:solidFill>
                         <a:uFill>
                           <a:solidFill>
-                            <a:srgbClr val="ffffff"/>
+                            <a:srgbClr val="FFFFFF"/>
                           </a:solidFill>
                         </a:uFill>
-                        <a:latin typeface="Arial"/>
+                        <a:latin typeface="+mn-lt"/>
                       </a:endParaRPr>
                     </a:p>
                   </a:txBody>
-                  <a:tcPr marL="91440" marR="91440">
+                  <a:tcPr>
                     <a:lnL w="12240">
                       <a:solidFill>
-                        <a:srgbClr val="ffffff"/>
+                        <a:srgbClr val="FFFFFF"/>
                       </a:solidFill>
                     </a:lnL>
                     <a:lnR w="12240">
                       <a:solidFill>
-                        <a:srgbClr val="ffffff"/>
+                        <a:srgbClr val="FFFFFF"/>
                       </a:solidFill>
                     </a:lnR>
                     <a:lnT w="12240">
                       <a:solidFill>
-                        <a:srgbClr val="ffffff"/>
+                        <a:srgbClr val="FFFFFF"/>
                       </a:solidFill>
                     </a:lnT>
                     <a:lnB w="12240">
                       <a:solidFill>
-                        <a:srgbClr val="ffffff"/>
+                        <a:srgbClr val="FFFFFF"/>
                       </a:solidFill>
                     </a:lnB>
                     <a:solidFill>
-                      <a:srgbClr val="e7e7e7"/>
+                      <a:srgbClr val="E7E7E7"/>
                     </a:solidFill>
                   </a:tcPr>
                 </a:tc>
+                <a:extLst>
+                  <a:ext uri="{0D108BD9-81ED-4DB2-BD59-A6C34878D82A}">
+                    <a16:rowId xmlns:a16="http://schemas.microsoft.com/office/drawing/2014/main" val="10004"/>
+                  </a:ext>
+                </a:extLst>
               </a:tr>
-              <a:tr h="1323000">
+              <a:tr h="1308100">
                 <a:tc>
                   <a:txBody>
-                    <a:bodyPr anchor="ctr"/>
+                    <a:bodyPr/>
+                    <a:lstStyle/>
                     <a:p>
-                      <a:pPr>
+                      <a:pPr algn="l">
                         <a:lnSpc>
                           <a:spcPct val="100000"/>
                         </a:lnSpc>
                       </a:pPr>
                       <a:r>
-                        <a:rPr b="0" lang="en-US" sz="2400" spc="-1" strike="noStrike">
+                        <a:rPr lang="en-US" sz="3200" b="0" strike="noStrike" spc="-1" dirty="0">
                           <a:solidFill>
                             <a:srgbClr val="000000"/>
                           </a:solidFill>
                           <a:uFill>
                             <a:solidFill>
-                              <a:srgbClr val="ffffff"/>
+                              <a:srgbClr val="FFFFFF"/>
                             </a:solidFill>
                           </a:uFill>
-                          <a:latin typeface="Arial"/>
+                          <a:latin typeface="+mn-lt"/>
                         </a:rPr>
-                        <a:t>The ball recognition module should be able to process the images at 5 frames per second</a:t>
+                        <a:t>The robot should move at an average speed of 0.5m/s when tracking.</a:t>
                       </a:r>
-                      <a:endParaRPr b="0" lang="en-US" sz="1800" spc="-1" strike="noStrike">
+                    </a:p>
+                  </a:txBody>
+                  <a:tcPr>
+                    <a:lnL w="12240">
+                      <a:solidFill>
+                        <a:srgbClr val="FFFFFF"/>
+                      </a:solidFill>
+                    </a:lnL>
+                    <a:lnR w="12240">
+                      <a:solidFill>
+                        <a:srgbClr val="FFFFFF"/>
+                      </a:solidFill>
+                    </a:lnR>
+                    <a:lnT w="12240">
+                      <a:solidFill>
+                        <a:srgbClr val="FFFFFF"/>
+                      </a:solidFill>
+                    </a:lnT>
+                    <a:lnB w="12240">
+                      <a:solidFill>
+                        <a:srgbClr val="FFFFFF"/>
+                      </a:solidFill>
+                    </a:lnB>
+                    <a:solidFill>
+                      <a:srgbClr val="CCCCCC"/>
+                    </a:solidFill>
+                  </a:tcPr>
+                </a:tc>
+                <a:tc>
+                  <a:txBody>
+                    <a:bodyPr/>
+                    <a:lstStyle/>
+                    <a:p>
+                      <a:pPr algn="l">
+                        <a:lnSpc>
+                          <a:spcPct val="100000"/>
+                        </a:lnSpc>
+                      </a:pPr>
+                      <a:r>
+                        <a:rPr lang="en-US" sz="3200" b="0" strike="noStrike" spc="-1" dirty="0">
+                          <a:solidFill>
+                            <a:srgbClr val="00B050"/>
+                          </a:solidFill>
+                          <a:uFill>
+                            <a:solidFill>
+                              <a:srgbClr val="FFFFFF"/>
+                            </a:solidFill>
+                          </a:uFill>
+                          <a:latin typeface="+mn-lt"/>
+                        </a:rPr>
+                        <a:t>Robot moves at 0.6m/s</a:t>
+                      </a:r>
+                      <a:endParaRPr lang="en-US" sz="3200" b="0" strike="noStrike" spc="-1" dirty="0">
                         <a:solidFill>
                           <a:srgbClr val="000000"/>
                         </a:solidFill>
                         <a:uFill>
                           <a:solidFill>
-                            <a:srgbClr val="ffffff"/>
+                            <a:srgbClr val="FFFFFF"/>
                           </a:solidFill>
                         </a:uFill>
-                        <a:latin typeface="Arial"/>
+                        <a:latin typeface="+mn-lt"/>
                       </a:endParaRPr>
                     </a:p>
                   </a:txBody>
-                  <a:tcPr marL="91440" marR="91440">
+                  <a:tcPr>
                     <a:lnL w="12240">
                       <a:solidFill>
-                        <a:srgbClr val="ffffff"/>
+                        <a:srgbClr val="FFFFFF"/>
                       </a:solidFill>
                     </a:lnL>
                     <a:lnR w="12240">
                       <a:solidFill>
-                        <a:srgbClr val="ffffff"/>
+                        <a:srgbClr val="FFFFFF"/>
                       </a:solidFill>
                     </a:lnR>
                     <a:lnT w="12240">
                       <a:solidFill>
-                        <a:srgbClr val="ffffff"/>
+                        <a:srgbClr val="FFFFFF"/>
                       </a:solidFill>
                     </a:lnT>
                     <a:lnB w="12240">
                       <a:solidFill>
-                        <a:srgbClr val="ffffff"/>
+                        <a:srgbClr val="FFFFFF"/>
                       </a:solidFill>
                     </a:lnB>
                     <a:solidFill>
-                      <a:srgbClr val="cccccc"/>
+                      <a:srgbClr val="CCCCCC"/>
+                    </a:solidFill>
+                  </a:tcPr>
+                </a:tc>
+                <a:extLst>
+                  <a:ext uri="{0D108BD9-81ED-4DB2-BD59-A6C34878D82A}">
+                    <a16:rowId xmlns:a16="http://schemas.microsoft.com/office/drawing/2014/main" val="10005"/>
+                  </a:ext>
+                </a:extLst>
+              </a:tr>
+              <a:tr h="1323000">
+                <a:tc>
+                  <a:txBody>
+                    <a:bodyPr/>
+                    <a:lstStyle/>
+                    <a:p>
+                      <a:pPr marL="0" marR="0" lvl="0" indent="0" algn="l" defTabSz="914400" rtl="0" eaLnBrk="1" fontAlgn="auto" latinLnBrk="0" hangingPunct="1">
+                        <a:lnSpc>
+                          <a:spcPct val="100000"/>
+                        </a:lnSpc>
+                        <a:spcBef>
+                          <a:spcPts val="0"/>
+                        </a:spcBef>
+                        <a:spcAft>
+                          <a:spcPts val="0"/>
+                        </a:spcAft>
+                        <a:buClrTx/>
+                        <a:buSzTx/>
+                        <a:buFontTx/>
+                        <a:buNone/>
+                        <a:tabLst/>
+                        <a:defRPr/>
+                      </a:pPr>
+                      <a:r>
+                        <a:rPr lang="en-US" sz="3200" b="0" strike="noStrike" spc="-1" dirty="0">
+                          <a:solidFill>
+                            <a:srgbClr val="000000"/>
+                          </a:solidFill>
+                          <a:uFill>
+                            <a:solidFill>
+                              <a:srgbClr val="FFFFFF"/>
+                            </a:solidFill>
+                          </a:uFill>
+                          <a:latin typeface="+mn-lt"/>
+                        </a:rPr>
+                        <a:t>90% overall success rate in ideal half court.</a:t>
+                      </a:r>
+                    </a:p>
+                  </a:txBody>
+                  <a:tcPr>
+                    <a:lnL w="12240">
+                      <a:solidFill>
+                        <a:srgbClr val="FFFFFF"/>
+                      </a:solidFill>
+                    </a:lnL>
+                    <a:lnR w="12240">
+                      <a:solidFill>
+                        <a:srgbClr val="FFFFFF"/>
+                      </a:solidFill>
+                    </a:lnR>
+                    <a:lnT w="12240">
+                      <a:solidFill>
+                        <a:srgbClr val="FFFFFF"/>
+                      </a:solidFill>
+                    </a:lnT>
+                    <a:lnB w="12240">
+                      <a:solidFill>
+                        <a:srgbClr val="FFFFFF"/>
+                      </a:solidFill>
+                    </a:lnB>
+                    <a:solidFill>
+                      <a:srgbClr val="E7E7E7"/>
                     </a:solidFill>
                   </a:tcPr>
                 </a:tc>
                 <a:tc>
                   <a:txBody>
-                    <a:bodyPr anchor="ctr"/>
+                    <a:bodyPr/>
+                    <a:lstStyle/>
                     <a:p>
-                      <a:pPr>
+                      <a:pPr marL="0" marR="0" lvl="0" indent="0" algn="l" defTabSz="914400" rtl="0" eaLnBrk="1" fontAlgn="auto" latinLnBrk="0" hangingPunct="1">
+                        <a:lnSpc>
+                          <a:spcPct val="100000"/>
+                        </a:lnSpc>
+                        <a:spcBef>
+                          <a:spcPts val="0"/>
+                        </a:spcBef>
+                        <a:spcAft>
+                          <a:spcPts val="0"/>
+                        </a:spcAft>
+                        <a:buClrTx/>
+                        <a:buSzTx/>
+                        <a:buFontTx/>
+                        <a:buNone/>
+                        <a:tabLst/>
+                        <a:defRPr/>
+                      </a:pPr>
+                      <a:r>
+                        <a:rPr lang="en-US" sz="3200" b="0" strike="noStrike" spc="-1" dirty="0">
+                          <a:solidFill>
+                            <a:srgbClr val="FF0000"/>
+                          </a:solidFill>
+                          <a:uFill>
+                            <a:solidFill>
+                              <a:srgbClr val="FFFFFF"/>
+                            </a:solidFill>
+                          </a:uFill>
+                          <a:latin typeface="+mn-lt"/>
+                        </a:rPr>
+                        <a:t>86.7% overall success rate in ideal half court</a:t>
+                      </a:r>
+                    </a:p>
+                    <a:p>
+                      <a:pPr algn="l">
                         <a:lnSpc>
                           <a:spcPct val="100000"/>
                         </a:lnSpc>
                       </a:pPr>
-                      <a:r>
-                        <a:rPr b="0" lang="en-US" sz="2400" spc="-1" strike="noStrike">
-                          <a:solidFill>
-                            <a:srgbClr val="00b050"/>
-                          </a:solidFill>
-                          <a:uFill>
-                            <a:solidFill>
-                              <a:srgbClr val="ffffff"/>
-                            </a:solidFill>
-                          </a:uFill>
-                          <a:latin typeface="Arial"/>
-                        </a:rPr>
-                        <a:t>Module processes about 10 frames per second</a:t>
-                      </a:r>
-                      <a:endParaRPr b="0" lang="en-US" sz="1800" spc="-1" strike="noStrike">
+                      <a:endParaRPr lang="en-US" sz="3200" b="0" strike="noStrike" spc="-1" dirty="0">
                         <a:solidFill>
                           <a:srgbClr val="000000"/>
                         </a:solidFill>
                         <a:uFill>
                           <a:solidFill>
-                            <a:srgbClr val="ffffff"/>
+                            <a:srgbClr val="FFFFFF"/>
                           </a:solidFill>
                         </a:uFill>
-                        <a:latin typeface="Arial"/>
+                        <a:latin typeface="+mn-lt"/>
                       </a:endParaRPr>
                     </a:p>
                   </a:txBody>
-                  <a:tcPr marL="91440" marR="91440">
+                  <a:tcPr>
                     <a:lnL w="12240">
                       <a:solidFill>
-                        <a:srgbClr val="ffffff"/>
+                        <a:srgbClr val="FFFFFF"/>
                       </a:solidFill>
                     </a:lnL>
                     <a:lnR w="12240">
                       <a:solidFill>
-                        <a:srgbClr val="ffffff"/>
+                        <a:srgbClr val="FFFFFF"/>
                       </a:solidFill>
                     </a:lnR>
                     <a:lnT w="12240">
                       <a:solidFill>
-                        <a:srgbClr val="ffffff"/>
+                        <a:srgbClr val="FFFFFF"/>
                       </a:solidFill>
                     </a:lnT>
                     <a:lnB w="12240">
                       <a:solidFill>
-                        <a:srgbClr val="ffffff"/>
+                        <a:srgbClr val="FFFFFF"/>
                       </a:solidFill>
                     </a:lnB>
                     <a:solidFill>
-                      <a:srgbClr val="cccccc"/>
+                      <a:srgbClr val="E7E7E7"/>
                     </a:solidFill>
                   </a:tcPr>
                 </a:tc>
-              </a:tr>
-              <a:tr h="1323000">
-                <a:tc>
-                  <a:txBody>
-                    <a:bodyPr anchor="ctr"/>
-                    <a:p>
-                      <a:pPr>
-                        <a:lnSpc>
-                          <a:spcPct val="100000"/>
-                        </a:lnSpc>
-                      </a:pPr>
-                      <a:r>
-                        <a:rPr b="0" lang="en-US" sz="2400" spc="-1" strike="noStrike">
-                          <a:solidFill>
-                            <a:srgbClr val="000000"/>
-                          </a:solidFill>
-                          <a:uFill>
-                            <a:solidFill>
-                              <a:srgbClr val="ffffff"/>
-                            </a:solidFill>
-                          </a:uFill>
-                          <a:latin typeface="Arial"/>
-                        </a:rPr>
-                        <a:t>The relative distance module should be accurate within 1m</a:t>
-                      </a:r>
-                      <a:endParaRPr b="0" lang="en-US" sz="1800" spc="-1" strike="noStrike">
-                        <a:solidFill>
-                          <a:srgbClr val="000000"/>
-                        </a:solidFill>
-                        <a:uFill>
-                          <a:solidFill>
-                            <a:srgbClr val="ffffff"/>
-                          </a:solidFill>
-                        </a:uFill>
-                        <a:latin typeface="Arial"/>
-                      </a:endParaRPr>
-                    </a:p>
-                  </a:txBody>
-                  <a:tcPr marL="91440" marR="91440">
-                    <a:lnL w="12240">
-                      <a:solidFill>
-                        <a:srgbClr val="ffffff"/>
-                      </a:solidFill>
-                    </a:lnL>
-                    <a:lnR w="12240">
-                      <a:solidFill>
-                        <a:srgbClr val="ffffff"/>
-                      </a:solidFill>
-                    </a:lnR>
-                    <a:lnT w="12240">
-                      <a:solidFill>
-                        <a:srgbClr val="ffffff"/>
-                      </a:solidFill>
-                    </a:lnT>
-                    <a:lnB w="12240">
-                      <a:solidFill>
-                        <a:srgbClr val="ffffff"/>
-                      </a:solidFill>
-                    </a:lnB>
-                    <a:solidFill>
-                      <a:srgbClr val="e7e7e7"/>
-                    </a:solidFill>
-                  </a:tcPr>
-                </a:tc>
-                <a:tc>
-                  <a:txBody>
-                    <a:bodyPr anchor="ctr"/>
-                    <a:p>
-                      <a:pPr>
-                        <a:lnSpc>
-                          <a:spcPct val="100000"/>
-                        </a:lnSpc>
-                      </a:pPr>
-                      <a:r>
-                        <a:rPr b="0" lang="en-US" sz="2400" spc="-1" strike="noStrike">
-                          <a:solidFill>
-                            <a:srgbClr val="00b050"/>
-                          </a:solidFill>
-                          <a:uFill>
-                            <a:solidFill>
-                              <a:srgbClr val="ffffff"/>
-                            </a:solidFill>
-                          </a:uFill>
-                          <a:latin typeface="Arial"/>
-                        </a:rPr>
-                        <a:t>Accurate within 20cm by estimation</a:t>
-                      </a:r>
-                      <a:endParaRPr b="0" lang="en-US" sz="1800" spc="-1" strike="noStrike">
-                        <a:solidFill>
-                          <a:srgbClr val="000000"/>
-                        </a:solidFill>
-                        <a:uFill>
-                          <a:solidFill>
-                            <a:srgbClr val="ffffff"/>
-                          </a:solidFill>
-                        </a:uFill>
-                        <a:latin typeface="Arial"/>
-                      </a:endParaRPr>
-                    </a:p>
-                  </a:txBody>
-                  <a:tcPr marL="91440" marR="91440">
-                    <a:lnL w="12240">
-                      <a:solidFill>
-                        <a:srgbClr val="ffffff"/>
-                      </a:solidFill>
-                    </a:lnL>
-                    <a:lnR w="12240">
-                      <a:solidFill>
-                        <a:srgbClr val="ffffff"/>
-                      </a:solidFill>
-                    </a:lnR>
-                    <a:lnT w="12240">
-                      <a:solidFill>
-                        <a:srgbClr val="ffffff"/>
-                      </a:solidFill>
-                    </a:lnT>
-                    <a:lnB w="12240">
-                      <a:solidFill>
-                        <a:srgbClr val="ffffff"/>
-                      </a:solidFill>
-                    </a:lnB>
-                    <a:solidFill>
-                      <a:srgbClr val="e7e7e7"/>
-                    </a:solidFill>
-                  </a:tcPr>
-                </a:tc>
-              </a:tr>
-              <a:tr h="1323000">
-                <a:tc>
-                  <a:txBody>
-                    <a:bodyPr anchor="ctr"/>
-                    <a:p>
-                      <a:pPr>
-                        <a:lnSpc>
-                          <a:spcPct val="100000"/>
-                        </a:lnSpc>
-                      </a:pPr>
-                      <a:r>
-                        <a:rPr b="0" lang="en-US" sz="2400" spc="-1" strike="noStrike">
-                          <a:solidFill>
-                            <a:srgbClr val="000000"/>
-                          </a:solidFill>
-                          <a:uFill>
-                            <a:solidFill>
-                              <a:srgbClr val="ffffff"/>
-                            </a:solidFill>
-                          </a:uFill>
-                          <a:latin typeface="Arial"/>
-                        </a:rPr>
-                        <a:t>The robot should be able to move at 1m/s in the indoor gym environment</a:t>
-                      </a:r>
-                      <a:endParaRPr b="0" lang="en-US" sz="1800" spc="-1" strike="noStrike">
-                        <a:solidFill>
-                          <a:srgbClr val="000000"/>
-                        </a:solidFill>
-                        <a:uFill>
-                          <a:solidFill>
-                            <a:srgbClr val="ffffff"/>
-                          </a:solidFill>
-                        </a:uFill>
-                        <a:latin typeface="Arial"/>
-                      </a:endParaRPr>
-                    </a:p>
-                  </a:txBody>
-                  <a:tcPr marL="91440" marR="91440">
-                    <a:lnL w="12240">
-                      <a:solidFill>
-                        <a:srgbClr val="ffffff"/>
-                      </a:solidFill>
-                    </a:lnL>
-                    <a:lnR w="12240">
-                      <a:solidFill>
-                        <a:srgbClr val="ffffff"/>
-                      </a:solidFill>
-                    </a:lnR>
-                    <a:lnT w="12240">
-                      <a:solidFill>
-                        <a:srgbClr val="ffffff"/>
-                      </a:solidFill>
-                    </a:lnT>
-                    <a:lnB w="12240">
-                      <a:solidFill>
-                        <a:srgbClr val="ffffff"/>
-                      </a:solidFill>
-                    </a:lnB>
-                    <a:solidFill>
-                      <a:srgbClr val="cccccc"/>
-                    </a:solidFill>
-                  </a:tcPr>
-                </a:tc>
-                <a:tc>
-                  <a:txBody>
-                    <a:bodyPr anchor="ctr"/>
-                    <a:p>
-                      <a:pPr>
-                        <a:lnSpc>
-                          <a:spcPct val="100000"/>
-                        </a:lnSpc>
-                      </a:pPr>
-                      <a:r>
-                        <a:rPr b="0" lang="en-US" sz="2400" spc="-1" strike="noStrike">
-                          <a:solidFill>
-                            <a:srgbClr val="00b050"/>
-                          </a:solidFill>
-                          <a:uFill>
-                            <a:solidFill>
-                              <a:srgbClr val="ffffff"/>
-                            </a:solidFill>
-                          </a:uFill>
-                          <a:latin typeface="Arial"/>
-                        </a:rPr>
-                        <a:t>Robot can move at 1.4m/s</a:t>
-                      </a:r>
-                      <a:endParaRPr b="0" lang="en-US" sz="1800" spc="-1" strike="noStrike">
-                        <a:solidFill>
-                          <a:srgbClr val="000000"/>
-                        </a:solidFill>
-                        <a:uFill>
-                          <a:solidFill>
-                            <a:srgbClr val="ffffff"/>
-                          </a:solidFill>
-                        </a:uFill>
-                        <a:latin typeface="Arial"/>
-                      </a:endParaRPr>
-                    </a:p>
-                  </a:txBody>
-                  <a:tcPr marL="91440" marR="91440">
-                    <a:lnL w="12240">
-                      <a:solidFill>
-                        <a:srgbClr val="ffffff"/>
-                      </a:solidFill>
-                    </a:lnL>
-                    <a:lnR w="12240">
-                      <a:solidFill>
-                        <a:srgbClr val="ffffff"/>
-                      </a:solidFill>
-                    </a:lnR>
-                    <a:lnT w="12240">
-                      <a:solidFill>
-                        <a:srgbClr val="ffffff"/>
-                      </a:solidFill>
-                    </a:lnT>
-                    <a:lnB w="12240">
-                      <a:solidFill>
-                        <a:srgbClr val="ffffff"/>
-                      </a:solidFill>
-                    </a:lnB>
-                    <a:solidFill>
-                      <a:srgbClr val="cccccc"/>
-                    </a:solidFill>
-                  </a:tcPr>
-                </a:tc>
-              </a:tr>
-              <a:tr h="1323000">
-                <a:tc>
-                  <a:txBody>
-                    <a:bodyPr anchor="ctr"/>
-                    <a:p>
-                      <a:pPr>
-                        <a:lnSpc>
-                          <a:spcPct val="100000"/>
-                        </a:lnSpc>
-                      </a:pPr>
-                      <a:r>
-                        <a:rPr b="0" lang="en-US" sz="2400" spc="-1" strike="noStrike">
-                          <a:solidFill>
-                            <a:srgbClr val="000000"/>
-                          </a:solidFill>
-                          <a:uFill>
-                            <a:solidFill>
-                              <a:srgbClr val="ffffff"/>
-                            </a:solidFill>
-                          </a:uFill>
-                          <a:latin typeface="Arial"/>
-                        </a:rPr>
-                        <a:t>The robot should move at an average speed of 0.5m/s towards the basketball or player</a:t>
-                      </a:r>
-                      <a:endParaRPr b="0" lang="en-US" sz="1800" spc="-1" strike="noStrike">
-                        <a:solidFill>
-                          <a:srgbClr val="000000"/>
-                        </a:solidFill>
-                        <a:uFill>
-                          <a:solidFill>
-                            <a:srgbClr val="ffffff"/>
-                          </a:solidFill>
-                        </a:uFill>
-                        <a:latin typeface="Arial"/>
-                      </a:endParaRPr>
-                    </a:p>
-                  </a:txBody>
-                  <a:tcPr marL="91440" marR="91440">
-                    <a:lnL w="12240">
-                      <a:solidFill>
-                        <a:srgbClr val="ffffff"/>
-                      </a:solidFill>
-                    </a:lnL>
-                    <a:lnR w="12240">
-                      <a:solidFill>
-                        <a:srgbClr val="ffffff"/>
-                      </a:solidFill>
-                    </a:lnR>
-                    <a:lnT w="12240">
-                      <a:solidFill>
-                        <a:srgbClr val="ffffff"/>
-                      </a:solidFill>
-                    </a:lnT>
-                    <a:lnB w="12240">
-                      <a:solidFill>
-                        <a:srgbClr val="ffffff"/>
-                      </a:solidFill>
-                    </a:lnB>
-                    <a:solidFill>
-                      <a:srgbClr val="e7e7e7"/>
-                    </a:solidFill>
-                  </a:tcPr>
-                </a:tc>
-                <a:tc>
-                  <a:txBody>
-                    <a:bodyPr anchor="ctr"/>
-                    <a:p>
-                      <a:pPr>
-                        <a:lnSpc>
-                          <a:spcPct val="100000"/>
-                        </a:lnSpc>
-                      </a:pPr>
-                      <a:r>
-                        <a:rPr b="0" lang="en-US" sz="2400" spc="-1" strike="noStrike">
-                          <a:solidFill>
-                            <a:srgbClr val="00b050"/>
-                          </a:solidFill>
-                          <a:uFill>
-                            <a:solidFill>
-                              <a:srgbClr val="ffffff"/>
-                            </a:solidFill>
-                          </a:uFill>
-                          <a:latin typeface="Arial"/>
-                        </a:rPr>
-                        <a:t>Robot can move at 0.6m/s on average after tuning</a:t>
-                      </a:r>
-                      <a:endParaRPr b="0" lang="en-US" sz="1800" spc="-1" strike="noStrike">
-                        <a:solidFill>
-                          <a:srgbClr val="000000"/>
-                        </a:solidFill>
-                        <a:uFill>
-                          <a:solidFill>
-                            <a:srgbClr val="ffffff"/>
-                          </a:solidFill>
-                        </a:uFill>
-                        <a:latin typeface="Arial"/>
-                      </a:endParaRPr>
-                    </a:p>
-                  </a:txBody>
-                  <a:tcPr marL="91440" marR="91440">
-                    <a:lnL w="12240">
-                      <a:solidFill>
-                        <a:srgbClr val="ffffff"/>
-                      </a:solidFill>
-                    </a:lnL>
-                    <a:lnR w="12240">
-                      <a:solidFill>
-                        <a:srgbClr val="ffffff"/>
-                      </a:solidFill>
-                    </a:lnR>
-                    <a:lnT w="12240">
-                      <a:solidFill>
-                        <a:srgbClr val="ffffff"/>
-                      </a:solidFill>
-                    </a:lnT>
-                    <a:lnB w="12240">
-                      <a:solidFill>
-                        <a:srgbClr val="ffffff"/>
-                      </a:solidFill>
-                    </a:lnB>
-                    <a:solidFill>
-                      <a:srgbClr val="e7e7e7"/>
-                    </a:solidFill>
-                  </a:tcPr>
-                </a:tc>
-              </a:tr>
-              <a:tr h="1325160">
-                <a:tc>
-                  <a:txBody>
-                    <a:bodyPr anchor="ctr"/>
-                    <a:p>
-                      <a:pPr>
-                        <a:lnSpc>
-                          <a:spcPct val="100000"/>
-                        </a:lnSpc>
-                      </a:pPr>
-                      <a:r>
-                        <a:rPr b="0" lang="en-US" sz="2400" spc="-1" strike="noStrike">
-                          <a:solidFill>
-                            <a:srgbClr val="000000"/>
-                          </a:solidFill>
-                          <a:uFill>
-                            <a:solidFill>
-                              <a:srgbClr val="ffffff"/>
-                            </a:solidFill>
-                          </a:uFill>
-                          <a:latin typeface="Arial"/>
-                        </a:rPr>
-                        <a:t>90% overall success rate in ideal half court.</a:t>
-                      </a:r>
-                      <a:endParaRPr b="0" lang="en-US" sz="1800" spc="-1" strike="noStrike">
-                        <a:solidFill>
-                          <a:srgbClr val="000000"/>
-                        </a:solidFill>
-                        <a:uFill>
-                          <a:solidFill>
-                            <a:srgbClr val="ffffff"/>
-                          </a:solidFill>
-                        </a:uFill>
-                        <a:latin typeface="Arial"/>
-                      </a:endParaRPr>
-                    </a:p>
-                  </a:txBody>
-                  <a:tcPr marL="91440" marR="91440">
-                    <a:lnL w="12240">
-                      <a:solidFill>
-                        <a:srgbClr val="ffffff"/>
-                      </a:solidFill>
-                    </a:lnL>
-                    <a:lnR w="12240">
-                      <a:solidFill>
-                        <a:srgbClr val="ffffff"/>
-                      </a:solidFill>
-                    </a:lnR>
-                    <a:lnT w="12240">
-                      <a:solidFill>
-                        <a:srgbClr val="ffffff"/>
-                      </a:solidFill>
-                    </a:lnT>
-                    <a:lnB w="12240">
-                      <a:solidFill>
-                        <a:srgbClr val="ffffff"/>
-                      </a:solidFill>
-                    </a:lnB>
-                    <a:solidFill>
-                      <a:srgbClr val="cccccc"/>
-                    </a:solidFill>
-                  </a:tcPr>
-                </a:tc>
-                <a:tc>
-                  <a:txBody>
-                    <a:bodyPr anchor="ctr"/>
-                    <a:p>
-                      <a:pPr>
-                        <a:lnSpc>
-                          <a:spcPct val="100000"/>
-                        </a:lnSpc>
-                      </a:pPr>
-                      <a:r>
-                        <a:rPr b="0" lang="en-US" sz="2400" spc="-1" strike="noStrike">
-                          <a:solidFill>
-                            <a:srgbClr val="ffff00"/>
-                          </a:solidFill>
-                          <a:uFill>
-                            <a:solidFill>
-                              <a:srgbClr val="ffffff"/>
-                            </a:solidFill>
-                          </a:uFill>
-                          <a:latin typeface="Arial"/>
-                        </a:rPr>
-                        <a:t>75% overall success rate in ideal half court</a:t>
-                      </a:r>
-                      <a:endParaRPr b="0" lang="en-US" sz="1800" spc="-1" strike="noStrike">
-                        <a:solidFill>
-                          <a:srgbClr val="000000"/>
-                        </a:solidFill>
-                        <a:uFill>
-                          <a:solidFill>
-                            <a:srgbClr val="ffffff"/>
-                          </a:solidFill>
-                        </a:uFill>
-                        <a:latin typeface="Arial"/>
-                      </a:endParaRPr>
-                    </a:p>
-                  </a:txBody>
-                  <a:tcPr marL="91440" marR="91440">
-                    <a:lnL w="12240">
-                      <a:solidFill>
-                        <a:srgbClr val="ffffff"/>
-                      </a:solidFill>
-                    </a:lnL>
-                    <a:lnR w="12240">
-                      <a:solidFill>
-                        <a:srgbClr val="ffffff"/>
-                      </a:solidFill>
-                    </a:lnR>
-                    <a:lnT w="12240">
-                      <a:solidFill>
-                        <a:srgbClr val="ffffff"/>
-                      </a:solidFill>
-                    </a:lnT>
-                    <a:lnB w="12240">
-                      <a:solidFill>
-                        <a:srgbClr val="ffffff"/>
-                      </a:solidFill>
-                    </a:lnB>
-                    <a:solidFill>
-                      <a:srgbClr val="cccccc"/>
-                    </a:solidFill>
-                  </a:tcPr>
-                </a:tc>
+                <a:extLst>
+                  <a:ext uri="{0D108BD9-81ED-4DB2-BD59-A6C34878D82A}">
+                    <a16:rowId xmlns:a16="http://schemas.microsoft.com/office/drawing/2014/main" val="10006"/>
+                  </a:ext>
+                </a:extLst>
               </a:tr>
             </a:tbl>
           </a:graphicData>
@@ -3668,7 +4115,7 @@
         <p:spPr>
           <a:xfrm>
             <a:off x="396360" y="6170040"/>
-            <a:ext cx="13106160" cy="4477320"/>
+            <a:ext cx="13044960" cy="4477320"/>
           </a:xfrm>
           <a:prstGeom prst="rect">
             <a:avLst/>
@@ -3679,50 +4126,242 @@
           </a:ln>
         </p:spPr>
         <p:style>
-          <a:lnRef idx="0"/>
-          <a:fillRef idx="0"/>
-          <a:effectRef idx="0"/>
+          <a:lnRef idx="0">
+            <a:scrgbClr r="0" g="0" b="0"/>
+          </a:lnRef>
+          <a:fillRef idx="0">
+            <a:scrgbClr r="0" g="0" b="0"/>
+          </a:fillRef>
+          <a:effectRef idx="0">
+            <a:scrgbClr r="0" g="0" b="0"/>
+          </a:effectRef>
           <a:fontRef idx="minor"/>
         </p:style>
         <p:txBody>
-          <a:bodyPr lIns="90000" rIns="90000" tIns="45000" bIns="45000"/>
-          <a:p>
-            <a:pPr>
+          <a:bodyPr lIns="90000" tIns="45000" rIns="90000" bIns="45000"/>
+          <a:lstStyle/>
+          <a:p>
+            <a:pPr algn="just">
               <a:lnSpc>
                 <a:spcPct val="100000"/>
               </a:lnSpc>
             </a:pPr>
             <a:r>
-              <a:rPr b="0" lang="en-US" sz="3200" spc="-1" strike="noStrike">
-                <a:solidFill>
-                  <a:srgbClr val="000000"/>
-                </a:solidFill>
+              <a:rPr lang="en-US" sz="3200" b="0" strike="noStrike" spc="-1" dirty="0">
                 <a:uFill>
                   <a:solidFill>
-                    <a:srgbClr val="ffffff"/>
+                    <a:srgbClr val="FFFFFF"/>
                   </a:solidFill>
                 </a:uFill>
-                <a:latin typeface="Arial"/>
+                <a:latin typeface="+mj-lt"/>
                 <a:ea typeface="ＭＳ Ｐゴシック"/>
+                <a:cs typeface="Times New Roman" panose="02020603050405020304" pitchFamily="18" charset="0"/>
               </a:rPr>
-              <a:t>This project aims to build an autonomous robot that helps a player to retrieve the basketball during practices. The robot should not block the view between the athlete and the basket and it should allow the player to practice any moves at any spot on the court. The robot should start searching for the ball as soon as the player doesn’t have the ball in control, move to the ball, pick the ball up, and bring the ball back to the player. Furthermore, the robot should be smart enough to know whether a ball is in a player’s possession so that it does not interfere with the player’s practice.</a:t>
+              <a:t>This project aims to build an autonomous mobile robot that helps a player to retrieve the basketball during practices. The robot should not block the view between the athlete and the basket and it should allow the player to practice any moves at any spot on the court. The robot should start searching for the ball as soon as the player doesn’t have the ball in control, move to the ball, pick the ball up, and bring the ball back to the player. Furthermore, the robot should be smart enough to know whether a ball is in a player’s possession so that it does not interfere with the player’s practice.</a:t>
             </a:r>
-            <a:endParaRPr b="0" lang="en-US" sz="1800" spc="-1" strike="noStrike">
-              <a:solidFill>
-                <a:srgbClr val="000000"/>
-              </a:solidFill>
-              <a:uFill>
-                <a:solidFill>
-                  <a:srgbClr val="ffffff"/>
-                </a:solidFill>
-              </a:uFill>
-              <a:latin typeface="Arial"/>
+            <a:endParaRPr lang="en-US" sz="1800" b="0" strike="noStrike" spc="-1" dirty="0">
+              <a:uFill>
+                <a:solidFill>
+                  <a:srgbClr val="FFFFFF"/>
+                </a:solidFill>
+              </a:uFill>
+              <a:latin typeface="+mj-lt"/>
+              <a:cs typeface="Times New Roman" panose="02020603050405020304" pitchFamily="18" charset="0"/>
             </a:endParaRPr>
           </a:p>
         </p:txBody>
       </p:sp>
+      <p:sp>
+        <p:nvSpPr>
+          <p:cNvPr id="19" name="CustomShape 13">
+            <a:extLst>
+              <a:ext uri="{FF2B5EF4-FFF2-40B4-BE49-F238E27FC236}">
+                <a16:creationId xmlns:a16="http://schemas.microsoft.com/office/drawing/2014/main" id="{FB5574C7-87D3-4FF7-B030-FD6864FAC0E3}"/>
+              </a:ext>
+            </a:extLst>
+          </p:cNvPr>
+          <p:cNvSpPr/>
+          <p:nvPr/>
+        </p:nvSpPr>
+        <p:spPr>
+          <a:xfrm>
+            <a:off x="335160" y="24317640"/>
+            <a:ext cx="13106160" cy="4477320"/>
+          </a:xfrm>
+          <a:prstGeom prst="rect">
+            <a:avLst/>
+          </a:prstGeom>
+          <a:noFill/>
+          <a:ln>
+            <a:noFill/>
+          </a:ln>
+        </p:spPr>
+        <p:style>
+          <a:lnRef idx="0">
+            <a:scrgbClr r="0" g="0" b="0"/>
+          </a:lnRef>
+          <a:fillRef idx="0">
+            <a:scrgbClr r="0" g="0" b="0"/>
+          </a:fillRef>
+          <a:effectRef idx="0">
+            <a:scrgbClr r="0" g="0" b="0"/>
+          </a:effectRef>
+          <a:fontRef idx="minor"/>
+        </p:style>
+        <p:txBody>
+          <a:bodyPr lIns="90000" tIns="45000" rIns="90000" bIns="45000"/>
+          <a:lstStyle/>
+          <a:p>
+            <a:pPr marL="457200" indent="-457200" algn="just">
+              <a:lnSpc>
+                <a:spcPct val="100000"/>
+              </a:lnSpc>
+              <a:buFont typeface="Arial" panose="020B0604020202020204" pitchFamily="34" charset="0"/>
+              <a:buChar char="•"/>
+            </a:pPr>
+            <a:endParaRPr lang="en-US" spc="-1" dirty="0">
+              <a:uFill>
+                <a:solidFill>
+                  <a:srgbClr val="FFFFFF"/>
+                </a:solidFill>
+              </a:uFill>
+              <a:latin typeface="+mj-lt"/>
+              <a:ea typeface="ＭＳ Ｐゴシック"/>
+              <a:cs typeface="Times New Roman" panose="02020603050405020304" pitchFamily="18" charset="0"/>
+            </a:endParaRPr>
+          </a:p>
+          <a:p>
+            <a:pPr algn="just">
+              <a:lnSpc>
+                <a:spcPct val="100000"/>
+              </a:lnSpc>
+            </a:pPr>
+            <a:endParaRPr lang="en-US" sz="3200" b="0" strike="noStrike" spc="-1" dirty="0">
+              <a:uFill>
+                <a:solidFill>
+                  <a:srgbClr val="FFFFFF"/>
+                </a:solidFill>
+              </a:uFill>
+              <a:latin typeface="+mj-lt"/>
+              <a:ea typeface="ＭＳ Ｐゴシック"/>
+              <a:cs typeface="Times New Roman" panose="02020603050405020304" pitchFamily="18" charset="0"/>
+            </a:endParaRPr>
+          </a:p>
+        </p:txBody>
+      </p:sp>
+      <p:pic>
+        <p:nvPicPr>
+          <p:cNvPr id="5" name="Picture 4">
+            <a:extLst>
+              <a:ext uri="{FF2B5EF4-FFF2-40B4-BE49-F238E27FC236}">
+                <a16:creationId xmlns:a16="http://schemas.microsoft.com/office/drawing/2014/main" id="{19F83E8E-9551-46A1-804F-5CF80CA36D3B}"/>
+              </a:ext>
+            </a:extLst>
+          </p:cNvPr>
+          <p:cNvPicPr>
+            <a:picLocks noChangeAspect="1"/>
+          </p:cNvPicPr>
+          <p:nvPr/>
+        </p:nvPicPr>
+        <p:blipFill>
+          <a:blip r:embed="rId4">
+            <a:extLst>
+              <a:ext uri="{28A0092B-C50C-407E-A947-70E740481C1C}">
+                <a14:useLocalDpi xmlns:a14="http://schemas.microsoft.com/office/drawing/2010/main" val="0"/>
+              </a:ext>
+            </a:extLst>
+          </a:blip>
+          <a:stretch>
+            <a:fillRect/>
+          </a:stretch>
+        </p:blipFill>
+        <p:spPr>
+          <a:xfrm>
+            <a:off x="335160" y="24317640"/>
+            <a:ext cx="13151880" cy="8158121"/>
+          </a:xfrm>
+          <a:prstGeom prst="rect">
+            <a:avLst/>
+          </a:prstGeom>
+        </p:spPr>
+      </p:pic>
+      <p:pic>
+        <p:nvPicPr>
+          <p:cNvPr id="8" name="Picture 7">
+            <a:extLst>
+              <a:ext uri="{FF2B5EF4-FFF2-40B4-BE49-F238E27FC236}">
+                <a16:creationId xmlns:a16="http://schemas.microsoft.com/office/drawing/2014/main" id="{3A8D5D1B-197E-4D13-84A7-41D315DCCC57}"/>
+              </a:ext>
+            </a:extLst>
+          </p:cNvPr>
+          <p:cNvPicPr>
+            <a:picLocks noChangeAspect="1"/>
+          </p:cNvPicPr>
+          <p:nvPr/>
+        </p:nvPicPr>
+        <p:blipFill>
+          <a:blip r:embed="rId5">
+            <a:extLst>
+              <a:ext uri="{28A0092B-C50C-407E-A947-70E740481C1C}">
+                <a14:useLocalDpi xmlns:a14="http://schemas.microsoft.com/office/drawing/2010/main" val="0"/>
+              </a:ext>
+            </a:extLst>
+          </a:blip>
+          <a:stretch>
+            <a:fillRect/>
+          </a:stretch>
+        </p:blipFill>
+        <p:spPr>
+          <a:xfrm>
+            <a:off x="2294461" y="32183340"/>
+            <a:ext cx="2283838" cy="2283838"/>
+          </a:xfrm>
+          <a:prstGeom prst="rect">
+            <a:avLst/>
+          </a:prstGeom>
+        </p:spPr>
+      </p:pic>
+      <p:pic>
+        <p:nvPicPr>
+          <p:cNvPr id="12" name="Picture 11">
+            <a:extLst>
+              <a:ext uri="{FF2B5EF4-FFF2-40B4-BE49-F238E27FC236}">
+                <a16:creationId xmlns:a16="http://schemas.microsoft.com/office/drawing/2014/main" id="{B3602056-0A6B-4761-ADE7-083B84CCBC5D}"/>
+              </a:ext>
+            </a:extLst>
+          </p:cNvPr>
+          <p:cNvPicPr>
+            <a:picLocks noChangeAspect="1"/>
+          </p:cNvPicPr>
+          <p:nvPr/>
+        </p:nvPicPr>
+        <p:blipFill>
+          <a:blip r:embed="rId6">
+            <a:extLst>
+              <a:ext uri="{28A0092B-C50C-407E-A947-70E740481C1C}">
+                <a14:useLocalDpi xmlns:a14="http://schemas.microsoft.com/office/drawing/2010/main" val="0"/>
+              </a:ext>
+            </a:extLst>
+          </a:blip>
+          <a:stretch>
+            <a:fillRect/>
+          </a:stretch>
+        </p:blipFill>
+        <p:spPr>
+          <a:xfrm>
+            <a:off x="2035178" y="12241620"/>
+            <a:ext cx="23452723" cy="11156760"/>
+          </a:xfrm>
+          <a:prstGeom prst="rect">
+            <a:avLst/>
+          </a:prstGeom>
+        </p:spPr>
+      </p:pic>
     </p:spTree>
   </p:cSld>
+  <p:clrMapOvr>
+    <a:masterClrMapping/>
+  </p:clrMapOvr>
   <p:timing>
     <p:tnLst>
       <p:par>
@@ -3731,14 +4370,14 @@
             <p:seq>
               <p:cTn id="2" nodeType="mainSeq"/>
               <p:prevCondLst>
-                <p:cond delay="0" evt="onPrev">
+                <p:cond evt="onPrev" delay="0">
                   <p:tgtEl>
                     <p:sldTgt/>
                   </p:tgtEl>
                 </p:cond>
               </p:prevCondLst>
               <p:nextCondLst>
-                <p:cond delay="0" evt="onNext">
+                <p:cond evt="onNext" delay="0">
                   <p:tgtEl>
                     <p:sldTgt/>
                   </p:tgtEl>
@@ -3973,5 +4612,7 @@
       </a:bgFillStyleLst>
     </a:fmtScheme>
   </a:themeElements>
+  <a:objectDefaults/>
+  <a:extraClrSchemeLst/>
 </a:theme>
 </file>
--- a/poster.pptx
+++ b/poster.pptx
@@ -104,6 +104,11 @@
       </a:defRPr>
     </a:lvl9pPr>
   </p:defaultTextStyle>
+  <p:extLst>
+    <p:ext uri="{EFAFB233-063F-42B5-8137-9DF3F51BA10A}">
+      <p15:sldGuideLst xmlns:p15="http://schemas.microsoft.com/office/powerpoint/2012/main"/>
+    </p:ext>
+  </p:extLst>
 </p:presentation>
 </file>
 
@@ -2768,7 +2773,7 @@
         </p:nvSpPr>
         <p:spPr>
           <a:xfrm>
-            <a:off x="1293860" y="34467178"/>
+            <a:off x="6915390" y="35752710"/>
             <a:ext cx="4285040" cy="579542"/>
           </a:xfrm>
           <a:prstGeom prst="rect">
@@ -4251,10 +4256,10 @@
       </p:sp>
       <p:pic>
         <p:nvPicPr>
-          <p:cNvPr id="5" name="Picture 4">
+          <p:cNvPr id="8" name="Picture 7">
             <a:extLst>
               <a:ext uri="{FF2B5EF4-FFF2-40B4-BE49-F238E27FC236}">
-                <a16:creationId xmlns:a16="http://schemas.microsoft.com/office/drawing/2014/main" id="{19F83E8E-9551-46A1-804F-5CF80CA36D3B}"/>
+                <a16:creationId xmlns:a16="http://schemas.microsoft.com/office/drawing/2014/main" id="{3A8D5D1B-197E-4D13-84A7-41D315DCCC57}"/>
               </a:ext>
             </a:extLst>
           </p:cNvPr>
@@ -4277,8 +4282,8 @@
         </p:blipFill>
         <p:spPr>
           <a:xfrm>
-            <a:off x="335160" y="24317640"/>
-            <a:ext cx="13151880" cy="8158121"/>
+            <a:off x="7934561" y="33596093"/>
+            <a:ext cx="2283838" cy="2283838"/>
           </a:xfrm>
           <a:prstGeom prst="rect">
             <a:avLst/>
@@ -4287,10 +4292,10 @@
       </p:pic>
       <p:pic>
         <p:nvPicPr>
-          <p:cNvPr id="8" name="Picture 7">
+          <p:cNvPr id="12" name="Picture 11">
             <a:extLst>
               <a:ext uri="{FF2B5EF4-FFF2-40B4-BE49-F238E27FC236}">
-                <a16:creationId xmlns:a16="http://schemas.microsoft.com/office/drawing/2014/main" id="{3A8D5D1B-197E-4D13-84A7-41D315DCCC57}"/>
+                <a16:creationId xmlns:a16="http://schemas.microsoft.com/office/drawing/2014/main" id="{B3602056-0A6B-4761-ADE7-083B84CCBC5D}"/>
               </a:ext>
             </a:extLst>
           </p:cNvPr>
@@ -4313,8 +4318,8 @@
         </p:blipFill>
         <p:spPr>
           <a:xfrm>
-            <a:off x="2294461" y="32183340"/>
-            <a:ext cx="2283838" cy="2283838"/>
+            <a:off x="2035178" y="12241620"/>
+            <a:ext cx="23452723" cy="11156760"/>
           </a:xfrm>
           <a:prstGeom prst="rect">
             <a:avLst/>
@@ -4323,10 +4328,10 @@
       </p:pic>
       <p:pic>
         <p:nvPicPr>
-          <p:cNvPr id="12" name="Picture 11">
+          <p:cNvPr id="3" name="Picture 2">
             <a:extLst>
               <a:ext uri="{FF2B5EF4-FFF2-40B4-BE49-F238E27FC236}">
-                <a16:creationId xmlns:a16="http://schemas.microsoft.com/office/drawing/2014/main" id="{B3602056-0A6B-4761-ADE7-083B84CCBC5D}"/>
+                <a16:creationId xmlns:a16="http://schemas.microsoft.com/office/drawing/2014/main" id="{503CBD43-8C85-2C4F-BE3A-3EBA29FC4FB7}"/>
               </a:ext>
             </a:extLst>
           </p:cNvPr>
@@ -4349,8 +4354,8 @@
         </p:blipFill>
         <p:spPr>
           <a:xfrm>
-            <a:off x="2035178" y="12241620"/>
-            <a:ext cx="23452723" cy="11156760"/>
+            <a:off x="-71650" y="24294149"/>
+            <a:ext cx="14032485" cy="9512931"/>
           </a:xfrm>
           <a:prstGeom prst="rect">
             <a:avLst/>
